--- a/Economics2/0523Lecture.pptx
+++ b/Economics2/0523Lecture.pptx
@@ -5,10 +5,10 @@
     <p:sldMasterId id="2147483648" r:id="rId1"/>
   </p:sldMasterIdLst>
   <p:notesMasterIdLst>
-    <p:notesMasterId r:id="rId32"/>
+    <p:notesMasterId r:id="rId33"/>
   </p:notesMasterIdLst>
   <p:handoutMasterIdLst>
-    <p:handoutMasterId r:id="rId33"/>
+    <p:handoutMasterId r:id="rId34"/>
   </p:handoutMasterIdLst>
   <p:sldIdLst>
     <p:sldId id="266" r:id="rId2"/>
@@ -19,28 +19,29 @@
     <p:sldId id="269" r:id="rId7"/>
     <p:sldId id="259" r:id="rId8"/>
     <p:sldId id="260" r:id="rId9"/>
-    <p:sldId id="283" r:id="rId10"/>
-    <p:sldId id="272" r:id="rId11"/>
-    <p:sldId id="271" r:id="rId12"/>
-    <p:sldId id="270" r:id="rId13"/>
-    <p:sldId id="284" r:id="rId14"/>
-    <p:sldId id="273" r:id="rId15"/>
-    <p:sldId id="262" r:id="rId16"/>
-    <p:sldId id="285" r:id="rId17"/>
-    <p:sldId id="263" r:id="rId18"/>
-    <p:sldId id="264" r:id="rId19"/>
-    <p:sldId id="286" r:id="rId20"/>
-    <p:sldId id="265" r:id="rId21"/>
-    <p:sldId id="289" r:id="rId22"/>
-    <p:sldId id="274" r:id="rId23"/>
-    <p:sldId id="287" r:id="rId24"/>
-    <p:sldId id="288" r:id="rId25"/>
-    <p:sldId id="275" r:id="rId26"/>
-    <p:sldId id="279" r:id="rId27"/>
-    <p:sldId id="276" r:id="rId28"/>
-    <p:sldId id="281" r:id="rId29"/>
-    <p:sldId id="277" r:id="rId30"/>
-    <p:sldId id="278" r:id="rId31"/>
+    <p:sldId id="290" r:id="rId10"/>
+    <p:sldId id="283" r:id="rId11"/>
+    <p:sldId id="272" r:id="rId12"/>
+    <p:sldId id="271" r:id="rId13"/>
+    <p:sldId id="270" r:id="rId14"/>
+    <p:sldId id="284" r:id="rId15"/>
+    <p:sldId id="273" r:id="rId16"/>
+    <p:sldId id="262" r:id="rId17"/>
+    <p:sldId id="285" r:id="rId18"/>
+    <p:sldId id="263" r:id="rId19"/>
+    <p:sldId id="264" r:id="rId20"/>
+    <p:sldId id="286" r:id="rId21"/>
+    <p:sldId id="265" r:id="rId22"/>
+    <p:sldId id="289" r:id="rId23"/>
+    <p:sldId id="274" r:id="rId24"/>
+    <p:sldId id="287" r:id="rId25"/>
+    <p:sldId id="288" r:id="rId26"/>
+    <p:sldId id="275" r:id="rId27"/>
+    <p:sldId id="279" r:id="rId28"/>
+    <p:sldId id="276" r:id="rId29"/>
+    <p:sldId id="281" r:id="rId30"/>
+    <p:sldId id="277" r:id="rId31"/>
+    <p:sldId id="278" r:id="rId32"/>
   </p:sldIdLst>
   <p:sldSz cx="9144000" cy="6858000" type="screen4x3"/>
   <p:notesSz cx="6735763" cy="9866313"/>
@@ -240,7 +241,7 @@
           <a:p>
             <a:fld id="{0E3AD08D-D449-41EF-B7F4-1DE9B143E80A}" type="datetimeFigureOut">
               <a:rPr kumimoji="1" lang="ja-JP" altLang="en-US" smtClean="0"/>
-              <a:t>2018/5/23</a:t>
+              <a:t>2018/6/4</a:t>
             </a:fld>
             <a:endParaRPr kumimoji="1" lang="ja-JP" altLang="en-US"/>
           </a:p>
@@ -405,7 +406,7 @@
           <a:p>
             <a:fld id="{031B4503-3874-471F-9615-7EDFB2B688F7}" type="datetimeFigureOut">
               <a:rPr kumimoji="1" lang="ja-JP" altLang="en-US" smtClean="0"/>
-              <a:t>2018/5/23</a:t>
+              <a:t>2018/6/4</a:t>
             </a:fld>
             <a:endParaRPr kumimoji="1" lang="ja-JP" altLang="en-US"/>
           </a:p>
@@ -769,7 +770,7 @@
           <a:p>
             <a:fld id="{9AFF374F-9916-4769-BF13-8FA9E2F7448B}" type="slidenum">
               <a:rPr kumimoji="1" lang="ja-JP" altLang="en-US" smtClean="0"/>
-              <a:t>28</a:t>
+              <a:t>29</a:t>
             </a:fld>
             <a:endParaRPr kumimoji="1" lang="ja-JP" altLang="en-US"/>
           </a:p>
@@ -967,7 +968,7 @@
           <a:p>
             <a:fld id="{2C9E6A87-2064-49A1-98DD-A5C948793290}" type="datetimeFigureOut">
               <a:rPr kumimoji="1" lang="ja-JP" altLang="en-US" smtClean="0"/>
-              <a:t>2018/5/23</a:t>
+              <a:t>2018/6/4</a:t>
             </a:fld>
             <a:endParaRPr kumimoji="1" lang="ja-JP" altLang="en-US"/>
           </a:p>
@@ -1167,7 +1168,7 @@
           <a:p>
             <a:fld id="{2C9E6A87-2064-49A1-98DD-A5C948793290}" type="datetimeFigureOut">
               <a:rPr kumimoji="1" lang="ja-JP" altLang="en-US" smtClean="0"/>
-              <a:t>2018/5/23</a:t>
+              <a:t>2018/6/4</a:t>
             </a:fld>
             <a:endParaRPr kumimoji="1" lang="ja-JP" altLang="en-US"/>
           </a:p>
@@ -1377,7 +1378,7 @@
           <a:p>
             <a:fld id="{2C9E6A87-2064-49A1-98DD-A5C948793290}" type="datetimeFigureOut">
               <a:rPr kumimoji="1" lang="ja-JP" altLang="en-US" smtClean="0"/>
-              <a:t>2018/5/23</a:t>
+              <a:t>2018/6/4</a:t>
             </a:fld>
             <a:endParaRPr kumimoji="1" lang="ja-JP" altLang="en-US"/>
           </a:p>
@@ -1899,7 +1900,7 @@
           <a:p>
             <a:fld id="{2C9E6A87-2064-49A1-98DD-A5C948793290}" type="datetimeFigureOut">
               <a:rPr kumimoji="1" lang="ja-JP" altLang="en-US" smtClean="0"/>
-              <a:t>2018/5/23</a:t>
+              <a:t>2018/6/4</a:t>
             </a:fld>
             <a:endParaRPr kumimoji="1" lang="ja-JP" altLang="en-US"/>
           </a:p>
@@ -2144,7 +2145,7 @@
           <a:p>
             <a:fld id="{2C9E6A87-2064-49A1-98DD-A5C948793290}" type="datetimeFigureOut">
               <a:rPr kumimoji="1" lang="ja-JP" altLang="en-US" smtClean="0"/>
-              <a:t>2018/5/23</a:t>
+              <a:t>2018/6/4</a:t>
             </a:fld>
             <a:endParaRPr kumimoji="1" lang="ja-JP" altLang="en-US"/>
           </a:p>
@@ -2493,7 +2494,7 @@
           <a:p>
             <a:fld id="{2C9E6A87-2064-49A1-98DD-A5C948793290}" type="datetimeFigureOut">
               <a:rPr kumimoji="1" lang="ja-JP" altLang="en-US" smtClean="0"/>
-              <a:t>2018/5/23</a:t>
+              <a:t>2018/6/4</a:t>
             </a:fld>
             <a:endParaRPr kumimoji="1" lang="ja-JP" altLang="en-US"/>
           </a:p>
@@ -2976,7 +2977,7 @@
           <a:p>
             <a:fld id="{2C9E6A87-2064-49A1-98DD-A5C948793290}" type="datetimeFigureOut">
               <a:rPr kumimoji="1" lang="ja-JP" altLang="en-US" smtClean="0"/>
-              <a:t>2018/5/23</a:t>
+              <a:t>2018/6/4</a:t>
             </a:fld>
             <a:endParaRPr kumimoji="1" lang="ja-JP" altLang="en-US"/>
           </a:p>
@@ -3093,7 +3094,7 @@
           <a:p>
             <a:fld id="{2C9E6A87-2064-49A1-98DD-A5C948793290}" type="datetimeFigureOut">
               <a:rPr kumimoji="1" lang="ja-JP" altLang="en-US" smtClean="0"/>
-              <a:t>2018/5/23</a:t>
+              <a:t>2018/6/4</a:t>
             </a:fld>
             <a:endParaRPr kumimoji="1" lang="ja-JP" altLang="en-US"/>
           </a:p>
@@ -3188,7 +3189,7 @@
           <a:p>
             <a:fld id="{2C9E6A87-2064-49A1-98DD-A5C948793290}" type="datetimeFigureOut">
               <a:rPr kumimoji="1" lang="ja-JP" altLang="en-US" smtClean="0"/>
-              <a:t>2018/5/23</a:t>
+              <a:t>2018/6/4</a:t>
             </a:fld>
             <a:endParaRPr kumimoji="1" lang="ja-JP" altLang="en-US"/>
           </a:p>
@@ -3495,7 +3496,7 @@
           <a:p>
             <a:fld id="{2C9E6A87-2064-49A1-98DD-A5C948793290}" type="datetimeFigureOut">
               <a:rPr kumimoji="1" lang="ja-JP" altLang="en-US" smtClean="0"/>
-              <a:t>2018/5/23</a:t>
+              <a:t>2018/6/4</a:t>
             </a:fld>
             <a:endParaRPr kumimoji="1" lang="ja-JP" altLang="en-US"/>
           </a:p>
@@ -3747,7 +3748,7 @@
           <a:p>
             <a:fld id="{2C9E6A87-2064-49A1-98DD-A5C948793290}" type="datetimeFigureOut">
               <a:rPr kumimoji="1" lang="ja-JP" altLang="en-US" smtClean="0"/>
-              <a:t>2018/5/23</a:t>
+              <a:t>2018/6/4</a:t>
             </a:fld>
             <a:endParaRPr kumimoji="1" lang="ja-JP" altLang="en-US"/>
           </a:p>
@@ -3990,7 +3991,7 @@
           <a:p>
             <a:fld id="{2C9E6A87-2064-49A1-98DD-A5C948793290}" type="datetimeFigureOut">
               <a:rPr kumimoji="1" lang="ja-JP" altLang="en-US" smtClean="0"/>
-              <a:t>2018/5/23</a:t>
+              <a:t>2018/6/4</a:t>
             </a:fld>
             <a:endParaRPr kumimoji="1" lang="ja-JP" altLang="en-US"/>
           </a:p>
@@ -4538,9 +4539,15 @@
       </p:grpSpPr>
       <p:sp>
         <p:nvSpPr>
-          <p:cNvPr id="30722" name="Rectangle 2"/>
+          <p:cNvPr id="2" name="Title 1">
+            <a:extLst>
+              <a:ext uri="{FF2B5EF4-FFF2-40B4-BE49-F238E27FC236}">
+                <a16:creationId xmlns:a16="http://schemas.microsoft.com/office/drawing/2014/main" id="{81F5BEE7-0C6B-F04A-B384-E6CDE0E5B7D7}"/>
+              </a:ext>
+            </a:extLst>
+          </p:cNvPr>
           <p:cNvSpPr>
-            <a:spLocks noGrp="1" noChangeArrowheads="1"/>
+            <a:spLocks noGrp="1"/>
           </p:cNvSpPr>
           <p:nvPr>
             <p:ph type="title"/>
@@ -4551,18 +4558,21 @@
           <a:bodyPr/>
           <a:lstStyle/>
           <a:p>
-            <a:r>
-              <a:rPr lang="ja-JP" altLang="en-US"/>
-              <a:t>貯蓄の決定：応用</a:t>
-            </a:r>
-          </a:p>
-        </p:txBody>
-      </p:sp>
-      <p:sp>
-        <p:nvSpPr>
-          <p:cNvPr id="30723" name="Rectangle 3"/>
+            <a:endParaRPr lang="en-US"/>
+          </a:p>
+        </p:txBody>
+      </p:sp>
+      <p:sp>
+        <p:nvSpPr>
+          <p:cNvPr id="3" name="Content Placeholder 2">
+            <a:extLst>
+              <a:ext uri="{FF2B5EF4-FFF2-40B4-BE49-F238E27FC236}">
+                <a16:creationId xmlns:a16="http://schemas.microsoft.com/office/drawing/2014/main" id="{305E0845-83E8-144B-9338-0654D3EAADEA}"/>
+              </a:ext>
+            </a:extLst>
+          </p:cNvPr>
           <p:cNvSpPr>
-            <a:spLocks noGrp="1" noChangeArrowheads="1"/>
+            <a:spLocks noGrp="1"/>
           </p:cNvSpPr>
           <p:nvPr>
             <p:ph idx="1"/>
@@ -4570,268 +4580,94 @@
         </p:nvSpPr>
         <p:spPr/>
         <p:txBody>
-          <a:bodyPr/>
-          <a:lstStyle/>
-          <a:p>
-            <a:r>
-              <a:rPr lang="ja-JP" altLang="en-US" sz="2800"/>
-              <a:t>利子率が上昇すると予算線はどう変化するか。</a:t>
-            </a:r>
-          </a:p>
-          <a:p>
-            <a:r>
-              <a:rPr lang="en-US" altLang="ja-JP" sz="2800" i="1">
-                <a:latin typeface="Times New Roman" pitchFamily="18" charset="0"/>
-              </a:rPr>
-              <a:t>W</a:t>
-            </a:r>
-            <a:r>
-              <a:rPr lang="en-US" altLang="ja-JP" sz="2800" baseline="-25000">
-                <a:latin typeface="Times New Roman" pitchFamily="18" charset="0"/>
-              </a:rPr>
-              <a:t>2</a:t>
-            </a:r>
-            <a:r>
-              <a:rPr lang="en-US" altLang="ja-JP" sz="2800">
-                <a:latin typeface="Times New Roman" pitchFamily="18" charset="0"/>
-              </a:rPr>
-              <a:t>=0</a:t>
-            </a:r>
-            <a:r>
-              <a:rPr lang="ja-JP" altLang="en-US" sz="2800"/>
-              <a:t>とする。利子率の上昇は貯蓄を増やすだろうか</a:t>
-            </a:r>
-            <a:r>
-              <a:rPr lang="en-US" altLang="ja-JP" sz="2800"/>
-              <a:t>?</a:t>
-            </a:r>
-          </a:p>
-          <a:p>
-            <a:r>
-              <a:rPr lang="en-US" altLang="ja-JP" sz="2800" i="1">
-                <a:latin typeface="Times New Roman" pitchFamily="18" charset="0"/>
-              </a:rPr>
-              <a:t>W</a:t>
-            </a:r>
-            <a:r>
-              <a:rPr lang="en-US" altLang="ja-JP" sz="2800" baseline="-25000">
-                <a:latin typeface="Times New Roman" pitchFamily="18" charset="0"/>
-              </a:rPr>
-              <a:t>1</a:t>
-            </a:r>
-            <a:r>
-              <a:rPr lang="en-US" altLang="ja-JP" sz="2800">
-                <a:latin typeface="Times New Roman" pitchFamily="18" charset="0"/>
-              </a:rPr>
-              <a:t>&gt;0,</a:t>
-            </a:r>
-            <a:r>
-              <a:rPr lang="en-US" altLang="ja-JP" sz="2800" i="1">
-                <a:latin typeface="Times New Roman" pitchFamily="18" charset="0"/>
-              </a:rPr>
-              <a:t>W</a:t>
-            </a:r>
-            <a:r>
-              <a:rPr lang="en-US" altLang="ja-JP" sz="2800" baseline="-25000">
-                <a:latin typeface="Times New Roman" pitchFamily="18" charset="0"/>
-              </a:rPr>
-              <a:t>2</a:t>
-            </a:r>
-            <a:r>
-              <a:rPr lang="en-US" altLang="ja-JP" sz="2800">
-                <a:latin typeface="Times New Roman" pitchFamily="18" charset="0"/>
-              </a:rPr>
-              <a:t>&gt;0</a:t>
-            </a:r>
-            <a:r>
-              <a:rPr lang="ja-JP" altLang="en-US" sz="2800"/>
-              <a:t>の場合，利子率の上昇は最適な消費・貯蓄はどう変化させるだろうか。</a:t>
-            </a:r>
-          </a:p>
-          <a:p>
-            <a:r>
-              <a:rPr lang="en-US" altLang="ja-JP" sz="2800" i="1">
-                <a:latin typeface="Times New Roman" pitchFamily="18" charset="0"/>
-              </a:rPr>
-              <a:t>W</a:t>
-            </a:r>
-            <a:r>
-              <a:rPr lang="en-US" altLang="ja-JP" sz="2800" baseline="-25000">
-                <a:latin typeface="Times New Roman" pitchFamily="18" charset="0"/>
-              </a:rPr>
-              <a:t>1</a:t>
-            </a:r>
-            <a:r>
-              <a:rPr lang="en-US" altLang="ja-JP" sz="2800">
-                <a:latin typeface="Times New Roman" pitchFamily="18" charset="0"/>
-              </a:rPr>
-              <a:t>+</a:t>
-            </a:r>
-            <a:r>
-              <a:rPr lang="en-US" altLang="ja-JP" sz="2800" i="1">
-                <a:latin typeface="Times New Roman" pitchFamily="18" charset="0"/>
-              </a:rPr>
-              <a:t>W</a:t>
-            </a:r>
-            <a:r>
-              <a:rPr lang="en-US" altLang="ja-JP" sz="2800" baseline="-25000">
-                <a:latin typeface="Times New Roman" pitchFamily="18" charset="0"/>
-              </a:rPr>
-              <a:t>2</a:t>
-            </a:r>
-            <a:r>
-              <a:rPr lang="en-US" altLang="ja-JP" sz="2800">
-                <a:latin typeface="Times New Roman" pitchFamily="18" charset="0"/>
-              </a:rPr>
-              <a:t>/(1+</a:t>
-            </a:r>
-            <a:r>
-              <a:rPr lang="en-US" altLang="ja-JP" sz="2800" i="1">
-                <a:latin typeface="Times New Roman" pitchFamily="18" charset="0"/>
-              </a:rPr>
-              <a:t>r</a:t>
-            </a:r>
-            <a:r>
-              <a:rPr lang="en-US" altLang="ja-JP" sz="2800">
-                <a:latin typeface="Times New Roman" pitchFamily="18" charset="0"/>
-              </a:rPr>
+          <a:bodyPr>
+            <a:normAutofit/>
+          </a:bodyPr>
+          <a:lstStyle/>
+          <a:p>
+            <a:pPr marL="0" indent="0">
+              <a:buNone/>
+            </a:pPr>
+            <a:r>
+              <a:rPr lang="ja-JP" altLang="en-US" sz="2000" dirty="0"/>
+              <a:t>予算制約式から見てみる</a:t>
+            </a:r>
+            <a:endParaRPr lang="en-US" altLang="ja-JP" sz="2000" dirty="0"/>
+          </a:p>
+          <a:p>
+            <a:pPr marL="0" indent="0">
+              <a:buNone/>
+            </a:pPr>
+            <a:r>
+              <a:rPr lang="en-US" sz="2000" dirty="0"/>
+              <a:t>C1 + C2/1 +r = W1 + W2/ 1 + r</a:t>
+            </a:r>
+          </a:p>
+          <a:p>
+            <a:pPr marL="0" indent="0">
+              <a:buNone/>
+            </a:pPr>
+            <a:r>
+              <a:rPr lang="ja-JP" altLang="en-US" sz="2000" dirty="0"/>
+              <a:t>→</a:t>
+            </a:r>
+            <a:r>
+              <a:rPr lang="en-US" altLang="ja-JP" sz="2000" dirty="0"/>
+              <a:t>(C1 – W1) + (C2 – W2)/ 1 + r = 0</a:t>
+            </a:r>
+          </a:p>
+          <a:p>
+            <a:pPr marL="0" indent="0">
+              <a:buNone/>
+            </a:pPr>
+            <a:r>
+              <a:rPr lang="en-US" sz="2000" dirty="0"/>
+              <a:t>a(x – x0) + y(y – y0) = 0 </a:t>
+            </a:r>
+            <a:r>
+              <a:rPr lang="ja-JP" altLang="en-US" sz="2000" dirty="0"/>
+              <a:t>→この時に式の交点は</a:t>
+            </a:r>
+            <a:r>
+              <a:rPr lang="en-US" altLang="ja-JP" sz="2000" dirty="0"/>
+              <a:t>(xo, </a:t>
+            </a:r>
+            <a:r>
+              <a:rPr lang="en-US" altLang="ja-JP" sz="2000" dirty="0" err="1"/>
+              <a:t>yo</a:t>
+            </a:r>
+            <a:r>
+              <a:rPr lang="en-US" altLang="ja-JP" sz="2000" dirty="0"/>
               <a:t>)</a:t>
             </a:r>
             <a:r>
-              <a:rPr lang="ja-JP" altLang="en-US" sz="2800"/>
-              <a:t>は同一の</a:t>
-            </a:r>
-            <a:r>
-              <a:rPr lang="en-US" altLang="ja-JP" sz="2800"/>
-              <a:t>2</a:t>
-            </a:r>
-            <a:r>
-              <a:rPr lang="ja-JP" altLang="en-US" sz="2800"/>
-              <a:t>人の個人がいる。個人</a:t>
-            </a:r>
-            <a:r>
-              <a:rPr lang="en-US" altLang="ja-JP" sz="2800">
-                <a:latin typeface="Times New Roman" pitchFamily="18" charset="0"/>
-              </a:rPr>
-              <a:t>A</a:t>
-            </a:r>
-            <a:r>
-              <a:rPr lang="ja-JP" altLang="en-US" sz="2800">
-                <a:latin typeface="Times New Roman" pitchFamily="18" charset="0"/>
-              </a:rPr>
-              <a:t>は</a:t>
-            </a:r>
-            <a:r>
-              <a:rPr lang="en-US" altLang="ja-JP" sz="2800" i="1">
-                <a:latin typeface="Times New Roman" pitchFamily="18" charset="0"/>
-              </a:rPr>
-              <a:t>W</a:t>
-            </a:r>
-            <a:r>
-              <a:rPr lang="en-US" altLang="ja-JP" sz="2800" baseline="-25000">
-                <a:latin typeface="Times New Roman" pitchFamily="18" charset="0"/>
-              </a:rPr>
-              <a:t>1</a:t>
-            </a:r>
-            <a:r>
-              <a:rPr lang="ja-JP" altLang="en-US" sz="2800">
-                <a:latin typeface="Times New Roman" pitchFamily="18" charset="0"/>
-              </a:rPr>
-              <a:t>が多く，個人</a:t>
-            </a:r>
-            <a:r>
-              <a:rPr lang="en-US" altLang="ja-JP" sz="2800">
-                <a:latin typeface="Times New Roman" pitchFamily="18" charset="0"/>
-              </a:rPr>
-              <a:t>B</a:t>
-            </a:r>
-            <a:r>
-              <a:rPr lang="ja-JP" altLang="en-US" sz="2800">
-                <a:latin typeface="Times New Roman" pitchFamily="18" charset="0"/>
-              </a:rPr>
-              <a:t>は</a:t>
-            </a:r>
-            <a:r>
-              <a:rPr lang="en-US" altLang="ja-JP" sz="2800" i="1">
-                <a:latin typeface="Times New Roman" pitchFamily="18" charset="0"/>
-              </a:rPr>
-              <a:t>W</a:t>
-            </a:r>
-            <a:r>
-              <a:rPr lang="en-US" altLang="ja-JP" sz="2800" baseline="-25000">
-                <a:latin typeface="Times New Roman" pitchFamily="18" charset="0"/>
-              </a:rPr>
-              <a:t>2</a:t>
-            </a:r>
-            <a:r>
-              <a:rPr lang="ja-JP" altLang="en-US" sz="2800">
-                <a:latin typeface="Times New Roman" pitchFamily="18" charset="0"/>
-              </a:rPr>
-              <a:t>が多い。</a:t>
-            </a:r>
-            <a:r>
-              <a:rPr lang="en-US" altLang="ja-JP" sz="2800">
-                <a:latin typeface="Times New Roman" pitchFamily="18" charset="0"/>
-              </a:rPr>
-              <a:t>2</a:t>
-            </a:r>
-            <a:r>
-              <a:rPr lang="ja-JP" altLang="en-US" sz="2800">
-                <a:latin typeface="Times New Roman" pitchFamily="18" charset="0"/>
-              </a:rPr>
-              <a:t>人の効用関数は等しいものとする。</a:t>
-            </a:r>
-            <a:r>
-              <a:rPr lang="en-US" altLang="ja-JP" sz="2800">
-                <a:latin typeface="Times New Roman" pitchFamily="18" charset="0"/>
-              </a:rPr>
-              <a:t>A</a:t>
-            </a:r>
-            <a:r>
-              <a:rPr lang="ja-JP" altLang="en-US" sz="2800">
-                <a:latin typeface="Times New Roman" pitchFamily="18" charset="0"/>
-              </a:rPr>
-              <a:t>と</a:t>
-            </a:r>
-            <a:r>
-              <a:rPr lang="en-US" altLang="ja-JP" sz="2800">
-                <a:latin typeface="Times New Roman" pitchFamily="18" charset="0"/>
-              </a:rPr>
-              <a:t>B</a:t>
-            </a:r>
-            <a:r>
-              <a:rPr lang="ja-JP" altLang="en-US" sz="2800">
-                <a:latin typeface="Times New Roman" pitchFamily="18" charset="0"/>
-              </a:rPr>
-              <a:t>のどちらが第</a:t>
-            </a:r>
-            <a:r>
-              <a:rPr lang="en-US" altLang="ja-JP" sz="2800">
-                <a:latin typeface="Times New Roman" pitchFamily="18" charset="0"/>
-              </a:rPr>
-              <a:t>1</a:t>
-            </a:r>
-            <a:r>
-              <a:rPr lang="ja-JP" altLang="en-US" sz="2800">
-                <a:latin typeface="Times New Roman" pitchFamily="18" charset="0"/>
-              </a:rPr>
-              <a:t>期に多く貯蓄</a:t>
-            </a:r>
-            <a:r>
-              <a:rPr lang="ja-JP" altLang="en-US" sz="2800"/>
-              <a:t>するだろうか</a:t>
-            </a:r>
-            <a:r>
-              <a:rPr lang="en-US" altLang="ja-JP" sz="2800"/>
-              <a:t>?</a:t>
-            </a:r>
+              <a:rPr lang="ja-JP" altLang="en-US" sz="2000" dirty="0"/>
+              <a:t>になる</a:t>
+            </a:r>
+            <a:endParaRPr lang="en-US" altLang="ja-JP" sz="2000" dirty="0"/>
+          </a:p>
+          <a:p>
+            <a:pPr marL="0" indent="0">
+              <a:buNone/>
+            </a:pPr>
+            <a:endParaRPr lang="en-US" sz="2000" dirty="0"/>
+          </a:p>
+          <a:p>
+            <a:pPr marL="0" indent="0">
+              <a:buNone/>
+            </a:pPr>
+            <a:r>
+              <a:rPr lang="ja-JP" altLang="en-US" sz="2000" dirty="0"/>
+              <a:t>→消費を平準化している</a:t>
+            </a:r>
+            <a:endParaRPr lang="en-US" sz="2000" dirty="0"/>
           </a:p>
         </p:txBody>
       </p:sp>
     </p:spTree>
     <p:extLst>
       <p:ext uri="{BB962C8B-B14F-4D97-AF65-F5344CB8AC3E}">
-        <p14:creationId xmlns:p14="http://schemas.microsoft.com/office/powerpoint/2010/main" val="1044932552"/>
+        <p14:creationId xmlns:p14="http://schemas.microsoft.com/office/powerpoint/2010/main" val="1408797626"/>
       </p:ext>
     </p:extLst>
   </p:cSld>
@@ -4858,6 +4694,328 @@
           <a:chExt cx="0" cy="0"/>
         </a:xfrm>
       </p:grpSpPr>
+      <p:sp>
+        <p:nvSpPr>
+          <p:cNvPr id="30722" name="Rectangle 2"/>
+          <p:cNvSpPr>
+            <a:spLocks noGrp="1" noChangeArrowheads="1"/>
+          </p:cNvSpPr>
+          <p:nvPr>
+            <p:ph type="title"/>
+          </p:nvPr>
+        </p:nvSpPr>
+        <p:spPr/>
+        <p:txBody>
+          <a:bodyPr/>
+          <a:lstStyle/>
+          <a:p>
+            <a:r>
+              <a:rPr lang="ja-JP" altLang="en-US"/>
+              <a:t>貯蓄の決定：応用</a:t>
+            </a:r>
+          </a:p>
+        </p:txBody>
+      </p:sp>
+      <p:sp>
+        <p:nvSpPr>
+          <p:cNvPr id="30723" name="Rectangle 3"/>
+          <p:cNvSpPr>
+            <a:spLocks noGrp="1" noChangeArrowheads="1"/>
+          </p:cNvSpPr>
+          <p:nvPr>
+            <p:ph idx="1"/>
+          </p:nvPr>
+        </p:nvSpPr>
+        <p:spPr/>
+        <p:txBody>
+          <a:bodyPr/>
+          <a:lstStyle/>
+          <a:p>
+            <a:r>
+              <a:rPr lang="ja-JP" altLang="en-US" sz="2800"/>
+              <a:t>利子率が上昇すると予算線はどう変化するか。</a:t>
+            </a:r>
+          </a:p>
+          <a:p>
+            <a:r>
+              <a:rPr lang="en-US" altLang="ja-JP" sz="2800" i="1">
+                <a:latin typeface="Times New Roman" pitchFamily="18" charset="0"/>
+              </a:rPr>
+              <a:t>W</a:t>
+            </a:r>
+            <a:r>
+              <a:rPr lang="en-US" altLang="ja-JP" sz="2800" baseline="-25000">
+                <a:latin typeface="Times New Roman" pitchFamily="18" charset="0"/>
+              </a:rPr>
+              <a:t>2</a:t>
+            </a:r>
+            <a:r>
+              <a:rPr lang="en-US" altLang="ja-JP" sz="2800">
+                <a:latin typeface="Times New Roman" pitchFamily="18" charset="0"/>
+              </a:rPr>
+              <a:t>=0</a:t>
+            </a:r>
+            <a:r>
+              <a:rPr lang="ja-JP" altLang="en-US" sz="2800"/>
+              <a:t>とする。利子率の上昇は貯蓄を増やすだろうか</a:t>
+            </a:r>
+            <a:r>
+              <a:rPr lang="en-US" altLang="ja-JP" sz="2800"/>
+              <a:t>?</a:t>
+            </a:r>
+          </a:p>
+          <a:p>
+            <a:r>
+              <a:rPr lang="en-US" altLang="ja-JP" sz="2800" i="1">
+                <a:latin typeface="Times New Roman" pitchFamily="18" charset="0"/>
+              </a:rPr>
+              <a:t>W</a:t>
+            </a:r>
+            <a:r>
+              <a:rPr lang="en-US" altLang="ja-JP" sz="2800" baseline="-25000">
+                <a:latin typeface="Times New Roman" pitchFamily="18" charset="0"/>
+              </a:rPr>
+              <a:t>1</a:t>
+            </a:r>
+            <a:r>
+              <a:rPr lang="en-US" altLang="ja-JP" sz="2800">
+                <a:latin typeface="Times New Roman" pitchFamily="18" charset="0"/>
+              </a:rPr>
+              <a:t>&gt;0,</a:t>
+            </a:r>
+            <a:r>
+              <a:rPr lang="en-US" altLang="ja-JP" sz="2800" i="1">
+                <a:latin typeface="Times New Roman" pitchFamily="18" charset="0"/>
+              </a:rPr>
+              <a:t>W</a:t>
+            </a:r>
+            <a:r>
+              <a:rPr lang="en-US" altLang="ja-JP" sz="2800" baseline="-25000">
+                <a:latin typeface="Times New Roman" pitchFamily="18" charset="0"/>
+              </a:rPr>
+              <a:t>2</a:t>
+            </a:r>
+            <a:r>
+              <a:rPr lang="en-US" altLang="ja-JP" sz="2800">
+                <a:latin typeface="Times New Roman" pitchFamily="18" charset="0"/>
+              </a:rPr>
+              <a:t>&gt;0</a:t>
+            </a:r>
+            <a:r>
+              <a:rPr lang="ja-JP" altLang="en-US" sz="2800"/>
+              <a:t>の場合，利子率の上昇は最適な消費・貯蓄はどう変化させるだろうか。</a:t>
+            </a:r>
+          </a:p>
+          <a:p>
+            <a:r>
+              <a:rPr lang="en-US" altLang="ja-JP" sz="2800" i="1">
+                <a:latin typeface="Times New Roman" pitchFamily="18" charset="0"/>
+              </a:rPr>
+              <a:t>W</a:t>
+            </a:r>
+            <a:r>
+              <a:rPr lang="en-US" altLang="ja-JP" sz="2800" baseline="-25000">
+                <a:latin typeface="Times New Roman" pitchFamily="18" charset="0"/>
+              </a:rPr>
+              <a:t>1</a:t>
+            </a:r>
+            <a:r>
+              <a:rPr lang="en-US" altLang="ja-JP" sz="2800">
+                <a:latin typeface="Times New Roman" pitchFamily="18" charset="0"/>
+              </a:rPr>
+              <a:t>+</a:t>
+            </a:r>
+            <a:r>
+              <a:rPr lang="en-US" altLang="ja-JP" sz="2800" i="1">
+                <a:latin typeface="Times New Roman" pitchFamily="18" charset="0"/>
+              </a:rPr>
+              <a:t>W</a:t>
+            </a:r>
+            <a:r>
+              <a:rPr lang="en-US" altLang="ja-JP" sz="2800" baseline="-25000">
+                <a:latin typeface="Times New Roman" pitchFamily="18" charset="0"/>
+              </a:rPr>
+              <a:t>2</a:t>
+            </a:r>
+            <a:r>
+              <a:rPr lang="en-US" altLang="ja-JP" sz="2800">
+                <a:latin typeface="Times New Roman" pitchFamily="18" charset="0"/>
+              </a:rPr>
+              <a:t>/(1+</a:t>
+            </a:r>
+            <a:r>
+              <a:rPr lang="en-US" altLang="ja-JP" sz="2800" i="1">
+                <a:latin typeface="Times New Roman" pitchFamily="18" charset="0"/>
+              </a:rPr>
+              <a:t>r</a:t>
+            </a:r>
+            <a:r>
+              <a:rPr lang="en-US" altLang="ja-JP" sz="2800">
+                <a:latin typeface="Times New Roman" pitchFamily="18" charset="0"/>
+              </a:rPr>
+              <a:t>)</a:t>
+            </a:r>
+            <a:r>
+              <a:rPr lang="ja-JP" altLang="en-US" sz="2800"/>
+              <a:t>は同一の</a:t>
+            </a:r>
+            <a:r>
+              <a:rPr lang="en-US" altLang="ja-JP" sz="2800"/>
+              <a:t>2</a:t>
+            </a:r>
+            <a:r>
+              <a:rPr lang="ja-JP" altLang="en-US" sz="2800"/>
+              <a:t>人の個人がいる。個人</a:t>
+            </a:r>
+            <a:r>
+              <a:rPr lang="en-US" altLang="ja-JP" sz="2800">
+                <a:latin typeface="Times New Roman" pitchFamily="18" charset="0"/>
+              </a:rPr>
+              <a:t>A</a:t>
+            </a:r>
+            <a:r>
+              <a:rPr lang="ja-JP" altLang="en-US" sz="2800">
+                <a:latin typeface="Times New Roman" pitchFamily="18" charset="0"/>
+              </a:rPr>
+              <a:t>は</a:t>
+            </a:r>
+            <a:r>
+              <a:rPr lang="en-US" altLang="ja-JP" sz="2800" i="1">
+                <a:latin typeface="Times New Roman" pitchFamily="18" charset="0"/>
+              </a:rPr>
+              <a:t>W</a:t>
+            </a:r>
+            <a:r>
+              <a:rPr lang="en-US" altLang="ja-JP" sz="2800" baseline="-25000">
+                <a:latin typeface="Times New Roman" pitchFamily="18" charset="0"/>
+              </a:rPr>
+              <a:t>1</a:t>
+            </a:r>
+            <a:r>
+              <a:rPr lang="ja-JP" altLang="en-US" sz="2800">
+                <a:latin typeface="Times New Roman" pitchFamily="18" charset="0"/>
+              </a:rPr>
+              <a:t>が多く，個人</a:t>
+            </a:r>
+            <a:r>
+              <a:rPr lang="en-US" altLang="ja-JP" sz="2800">
+                <a:latin typeface="Times New Roman" pitchFamily="18" charset="0"/>
+              </a:rPr>
+              <a:t>B</a:t>
+            </a:r>
+            <a:r>
+              <a:rPr lang="ja-JP" altLang="en-US" sz="2800">
+                <a:latin typeface="Times New Roman" pitchFamily="18" charset="0"/>
+              </a:rPr>
+              <a:t>は</a:t>
+            </a:r>
+            <a:r>
+              <a:rPr lang="en-US" altLang="ja-JP" sz="2800" i="1">
+                <a:latin typeface="Times New Roman" pitchFamily="18" charset="0"/>
+              </a:rPr>
+              <a:t>W</a:t>
+            </a:r>
+            <a:r>
+              <a:rPr lang="en-US" altLang="ja-JP" sz="2800" baseline="-25000">
+                <a:latin typeface="Times New Roman" pitchFamily="18" charset="0"/>
+              </a:rPr>
+              <a:t>2</a:t>
+            </a:r>
+            <a:r>
+              <a:rPr lang="ja-JP" altLang="en-US" sz="2800">
+                <a:latin typeface="Times New Roman" pitchFamily="18" charset="0"/>
+              </a:rPr>
+              <a:t>が多い。</a:t>
+            </a:r>
+            <a:r>
+              <a:rPr lang="en-US" altLang="ja-JP" sz="2800">
+                <a:latin typeface="Times New Roman" pitchFamily="18" charset="0"/>
+              </a:rPr>
+              <a:t>2</a:t>
+            </a:r>
+            <a:r>
+              <a:rPr lang="ja-JP" altLang="en-US" sz="2800">
+                <a:latin typeface="Times New Roman" pitchFamily="18" charset="0"/>
+              </a:rPr>
+              <a:t>人の効用関数は等しいものとする。</a:t>
+            </a:r>
+            <a:r>
+              <a:rPr lang="en-US" altLang="ja-JP" sz="2800">
+                <a:latin typeface="Times New Roman" pitchFamily="18" charset="0"/>
+              </a:rPr>
+              <a:t>A</a:t>
+            </a:r>
+            <a:r>
+              <a:rPr lang="ja-JP" altLang="en-US" sz="2800">
+                <a:latin typeface="Times New Roman" pitchFamily="18" charset="0"/>
+              </a:rPr>
+              <a:t>と</a:t>
+            </a:r>
+            <a:r>
+              <a:rPr lang="en-US" altLang="ja-JP" sz="2800">
+                <a:latin typeface="Times New Roman" pitchFamily="18" charset="0"/>
+              </a:rPr>
+              <a:t>B</a:t>
+            </a:r>
+            <a:r>
+              <a:rPr lang="ja-JP" altLang="en-US" sz="2800">
+                <a:latin typeface="Times New Roman" pitchFamily="18" charset="0"/>
+              </a:rPr>
+              <a:t>のどちらが第</a:t>
+            </a:r>
+            <a:r>
+              <a:rPr lang="en-US" altLang="ja-JP" sz="2800">
+                <a:latin typeface="Times New Roman" pitchFamily="18" charset="0"/>
+              </a:rPr>
+              <a:t>1</a:t>
+            </a:r>
+            <a:r>
+              <a:rPr lang="ja-JP" altLang="en-US" sz="2800">
+                <a:latin typeface="Times New Roman" pitchFamily="18" charset="0"/>
+              </a:rPr>
+              <a:t>期に多く貯蓄</a:t>
+            </a:r>
+            <a:r>
+              <a:rPr lang="ja-JP" altLang="en-US" sz="2800"/>
+              <a:t>するだろうか</a:t>
+            </a:r>
+            <a:r>
+              <a:rPr lang="en-US" altLang="ja-JP" sz="2800"/>
+              <a:t>?</a:t>
+            </a:r>
+          </a:p>
+        </p:txBody>
+      </p:sp>
+    </p:spTree>
+    <p:extLst>
+      <p:ext uri="{BB962C8B-B14F-4D97-AF65-F5344CB8AC3E}">
+        <p14:creationId xmlns:p14="http://schemas.microsoft.com/office/powerpoint/2010/main" val="1044932552"/>
+      </p:ext>
+    </p:extLst>
+  </p:cSld>
+  <p:clrMapOvr>
+    <a:masterClrMapping/>
+  </p:clrMapOvr>
+</p:sld>
+</file>
+
+<file path=ppt/slides/slide12.xml><?xml version="1.0" encoding="utf-8"?>
+<p:sld xmlns:a="http://schemas.openxmlformats.org/drawingml/2006/main" xmlns:r="http://schemas.openxmlformats.org/officeDocument/2006/relationships" xmlns:p="http://schemas.openxmlformats.org/presentationml/2006/main">
+  <p:cSld>
+    <p:spTree>
+      <p:nvGrpSpPr>
+        <p:cNvPr id="1" name=""/>
+        <p:cNvGrpSpPr/>
+        <p:nvPr/>
+      </p:nvGrpSpPr>
+      <p:grpSpPr>
+        <a:xfrm>
+          <a:off x="0" y="0"/>
+          <a:ext cx="0" cy="0"/>
+          <a:chOff x="0" y="0"/>
+          <a:chExt cx="0" cy="0"/>
+        </a:xfrm>
+      </p:grpSpPr>
       <p:cxnSp>
         <p:nvCxnSpPr>
           <p:cNvPr id="6" name="直線コネクタ 5"/>
@@ -5975,7 +6133,7 @@
 </p:sld>
 </file>
 
-<file path=ppt/slides/slide12.xml><?xml version="1.0" encoding="utf-8"?>
+<file path=ppt/slides/slide13.xml><?xml version="1.0" encoding="utf-8"?>
 <p:sld xmlns:a="http://schemas.openxmlformats.org/drawingml/2006/main" xmlns:r="http://schemas.openxmlformats.org/officeDocument/2006/relationships" xmlns:p="http://schemas.openxmlformats.org/presentationml/2006/main">
   <p:cSld>
     <p:spTree>
@@ -7692,288 +7850,6 @@
 </p:sld>
 </file>
 
-<file path=ppt/slides/slide13.xml><?xml version="1.0" encoding="utf-8"?>
-<p:sld xmlns:a="http://schemas.openxmlformats.org/drawingml/2006/main" xmlns:r="http://schemas.openxmlformats.org/officeDocument/2006/relationships" xmlns:p="http://schemas.openxmlformats.org/presentationml/2006/main">
-  <p:cSld>
-    <p:spTree>
-      <p:nvGrpSpPr>
-        <p:cNvPr id="1" name=""/>
-        <p:cNvGrpSpPr/>
-        <p:nvPr/>
-      </p:nvGrpSpPr>
-      <p:grpSpPr>
-        <a:xfrm>
-          <a:off x="0" y="0"/>
-          <a:ext cx="0" cy="0"/>
-          <a:chOff x="0" y="0"/>
-          <a:chExt cx="0" cy="0"/>
-        </a:xfrm>
-      </p:grpSpPr>
-      <p:sp>
-        <p:nvSpPr>
-          <p:cNvPr id="2" name="Title 1">
-            <a:extLst>
-              <a:ext uri="{FF2B5EF4-FFF2-40B4-BE49-F238E27FC236}">
-                <a16:creationId xmlns:a16="http://schemas.microsoft.com/office/drawing/2014/main" id="{6BC4138E-67F1-8F46-A010-CAE772DB2DA8}"/>
-              </a:ext>
-            </a:extLst>
-          </p:cNvPr>
-          <p:cNvSpPr>
-            <a:spLocks noGrp="1"/>
-          </p:cNvSpPr>
-          <p:nvPr>
-            <p:ph type="title"/>
-          </p:nvPr>
-        </p:nvSpPr>
-        <p:spPr/>
-        <p:txBody>
-          <a:bodyPr/>
-          <a:lstStyle/>
-          <a:p>
-            <a:endParaRPr lang="en-US"/>
-          </a:p>
-        </p:txBody>
-      </p:sp>
-      <p:sp>
-        <p:nvSpPr>
-          <p:cNvPr id="3" name="Content Placeholder 2">
-            <a:extLst>
-              <a:ext uri="{FF2B5EF4-FFF2-40B4-BE49-F238E27FC236}">
-                <a16:creationId xmlns:a16="http://schemas.microsoft.com/office/drawing/2014/main" id="{C8DFC021-E545-534E-807D-3772532940E4}"/>
-              </a:ext>
-            </a:extLst>
-          </p:cNvPr>
-          <p:cNvSpPr>
-            <a:spLocks noGrp="1"/>
-          </p:cNvSpPr>
-          <p:nvPr>
-            <p:ph idx="1"/>
-          </p:nvPr>
-        </p:nvSpPr>
-        <p:spPr/>
-        <p:txBody>
-          <a:bodyPr>
-            <a:normAutofit/>
-          </a:bodyPr>
-          <a:lstStyle/>
-          <a:p>
-            <a:pPr marL="0" indent="0">
-              <a:buNone/>
-            </a:pPr>
-            <a:r>
-              <a:rPr lang="ja-JP" altLang="en-US" sz="1400" dirty="0"/>
-              <a:t>利子率が上昇→財の消費が安くなる</a:t>
-            </a:r>
-            <a:endParaRPr lang="en-US" altLang="ja-JP" sz="1400" dirty="0"/>
-          </a:p>
-          <a:p>
-            <a:pPr marL="0" indent="0">
-              <a:buNone/>
-            </a:pPr>
-            <a:r>
-              <a:rPr lang="en-US" altLang="ja-JP" sz="1400" dirty="0"/>
-              <a:t>	</a:t>
-            </a:r>
-            <a:r>
-              <a:rPr lang="ja-JP" altLang="en-US" sz="1400" dirty="0"/>
-              <a:t>→そして代替効果で</a:t>
-            </a:r>
-            <a:r>
-              <a:rPr lang="en-US" altLang="ja-JP" sz="1400" dirty="0"/>
-              <a:t>C1</a:t>
-            </a:r>
-            <a:r>
-              <a:rPr lang="ja-JP" altLang="en-US" sz="1400" dirty="0"/>
-              <a:t>が割高に、</a:t>
-            </a:r>
-            <a:endParaRPr lang="en-US" altLang="ja-JP" sz="1400" dirty="0"/>
-          </a:p>
-          <a:p>
-            <a:pPr marL="0" indent="0">
-              <a:buNone/>
-            </a:pPr>
-            <a:r>
-              <a:rPr lang="en-US" altLang="ja-JP" sz="1400" dirty="0"/>
-              <a:t>		</a:t>
-            </a:r>
-            <a:r>
-              <a:rPr lang="ja-JP" altLang="en-US" sz="1400" dirty="0"/>
-              <a:t>→所得効果で</a:t>
-            </a:r>
-            <a:r>
-              <a:rPr lang="en-US" altLang="ja-JP" sz="1400" dirty="0"/>
-              <a:t>C</a:t>
-            </a:r>
-            <a:r>
-              <a:rPr lang="ja-JP" altLang="en-US" sz="1400" dirty="0"/>
-              <a:t>１を増やしていく</a:t>
-            </a:r>
-            <a:endParaRPr lang="en-US" altLang="ja-JP" sz="1400" dirty="0"/>
-          </a:p>
-          <a:p>
-            <a:pPr marL="0" indent="0">
-              <a:buNone/>
-            </a:pPr>
-            <a:endParaRPr lang="en-US" altLang="ja-JP" sz="1400" dirty="0"/>
-          </a:p>
-          <a:p>
-            <a:pPr marL="0" indent="0">
-              <a:buNone/>
-            </a:pPr>
-            <a:r>
-              <a:rPr lang="en-US" altLang="ja-JP" sz="1400" dirty="0"/>
-              <a:t>W2 = 0 </a:t>
-            </a:r>
-            <a:r>
-              <a:rPr lang="ja-JP" altLang="en-US" sz="1400" dirty="0"/>
-              <a:t>のケース</a:t>
-            </a:r>
-            <a:endParaRPr lang="en-US" altLang="ja-JP" sz="1400" dirty="0"/>
-          </a:p>
-          <a:p>
-            <a:pPr marL="0" indent="0">
-              <a:buNone/>
-            </a:pPr>
-            <a:r>
-              <a:rPr lang="en-US" altLang="ja-JP" sz="1400" dirty="0"/>
-              <a:t>r </a:t>
-            </a:r>
-            <a:r>
-              <a:rPr lang="ja-JP" altLang="en-US" sz="1400" dirty="0"/>
-              <a:t>↑→利子率の上昇は</a:t>
-            </a:r>
-            <a:r>
-              <a:rPr lang="en-US" altLang="ja-JP" sz="1400" dirty="0"/>
-              <a:t>1 / 1 + r</a:t>
-            </a:r>
-            <a:r>
-              <a:rPr lang="ja-JP" altLang="en-US" sz="1400" dirty="0"/>
-              <a:t>　↓、</a:t>
-            </a:r>
-            <a:r>
-              <a:rPr lang="en-US" altLang="ja-JP" sz="1400" dirty="0"/>
-              <a:t>C2</a:t>
-            </a:r>
-            <a:r>
-              <a:rPr lang="ja-JP" altLang="en-US" sz="1400" dirty="0"/>
-              <a:t>の価格</a:t>
-            </a:r>
-            <a:endParaRPr lang="en-US" altLang="ja-JP" sz="1400" dirty="0"/>
-          </a:p>
-          <a:p>
-            <a:pPr marL="0" indent="0">
-              <a:buNone/>
-            </a:pPr>
-            <a:r>
-              <a:rPr lang="en-US" altLang="ja-JP" sz="1400" dirty="0"/>
-              <a:t>		</a:t>
-            </a:r>
-            <a:r>
-              <a:rPr lang="ja-JP" altLang="en-US" sz="1400" dirty="0"/>
-              <a:t>代替</a:t>
-            </a:r>
-            <a:r>
-              <a:rPr lang="en-US" altLang="ja-JP" sz="1400" dirty="0"/>
-              <a:t>	</a:t>
-            </a:r>
-            <a:r>
-              <a:rPr lang="ja-JP" altLang="en-US" sz="1400" dirty="0"/>
-              <a:t>所得</a:t>
-            </a:r>
-            <a:r>
-              <a:rPr lang="en-US" altLang="ja-JP" sz="1400" dirty="0"/>
-              <a:t>	</a:t>
-            </a:r>
-            <a:r>
-              <a:rPr lang="ja-JP" altLang="en-US" sz="1400" dirty="0"/>
-              <a:t>総合</a:t>
-            </a:r>
-            <a:endParaRPr lang="en-US" altLang="ja-JP" sz="1400" dirty="0"/>
-          </a:p>
-          <a:p>
-            <a:pPr marL="0" indent="0">
-              <a:buNone/>
-            </a:pPr>
-            <a:r>
-              <a:rPr lang="en-US" altLang="ja-JP" sz="1400" dirty="0"/>
-              <a:t>		E</a:t>
-            </a:r>
-            <a:r>
-              <a:rPr lang="ja-JP" altLang="en-US" sz="1400" dirty="0"/>
-              <a:t>→</a:t>
-            </a:r>
-            <a:r>
-              <a:rPr lang="en-US" altLang="ja-JP" sz="1400" dirty="0"/>
-              <a:t>G	G</a:t>
-            </a:r>
-            <a:r>
-              <a:rPr lang="ja-JP" altLang="en-US" sz="1400" dirty="0"/>
-              <a:t>→</a:t>
-            </a:r>
-            <a:r>
-              <a:rPr lang="en-US" altLang="ja-JP" sz="1400" dirty="0"/>
-              <a:t>F	E</a:t>
-            </a:r>
-            <a:r>
-              <a:rPr lang="ja-JP" altLang="en-US" sz="1400" dirty="0"/>
-              <a:t>→</a:t>
-            </a:r>
-            <a:r>
-              <a:rPr lang="en-US" altLang="ja-JP" sz="1400" dirty="0"/>
-              <a:t>F</a:t>
-            </a:r>
-          </a:p>
-          <a:p>
-            <a:pPr marL="0" indent="0">
-              <a:buNone/>
-            </a:pPr>
-            <a:r>
-              <a:rPr lang="en-US" altLang="ja-JP" sz="1400" dirty="0"/>
-              <a:t> 	C1	-	+	?</a:t>
-            </a:r>
-          </a:p>
-          <a:p>
-            <a:pPr marL="0" indent="0">
-              <a:buNone/>
-            </a:pPr>
-            <a:r>
-              <a:rPr lang="en-US" altLang="ja-JP" sz="1400" dirty="0"/>
-              <a:t>	C2	+	+	+</a:t>
-            </a:r>
-          </a:p>
-          <a:p>
-            <a:pPr marL="0" indent="0">
-              <a:buNone/>
-            </a:pPr>
-            <a:r>
-              <a:rPr lang="en-US" altLang="ja-JP" sz="1400" dirty="0"/>
-              <a:t>	S	+	-	?</a:t>
-            </a:r>
-          </a:p>
-          <a:p>
-            <a:pPr marL="0" indent="0">
-              <a:buNone/>
-            </a:pPr>
-            <a:r>
-              <a:rPr lang="en-US" altLang="ja-JP" sz="1400" dirty="0"/>
-              <a:t>			</a:t>
-            </a:r>
-          </a:p>
-        </p:txBody>
-      </p:sp>
-    </p:spTree>
-    <p:extLst>
-      <p:ext uri="{BB962C8B-B14F-4D97-AF65-F5344CB8AC3E}">
-        <p14:creationId xmlns:p14="http://schemas.microsoft.com/office/powerpoint/2010/main" val="3036351297"/>
-      </p:ext>
-    </p:extLst>
-  </p:cSld>
-  <p:clrMapOvr>
-    <a:masterClrMapping/>
-  </p:clrMapOvr>
-</p:sld>
-</file>
-
 <file path=ppt/slides/slide14.xml><?xml version="1.0" encoding="utf-8"?>
 <p:sld xmlns:a="http://schemas.openxmlformats.org/drawingml/2006/main" xmlns:r="http://schemas.openxmlformats.org/officeDocument/2006/relationships" xmlns:p="http://schemas.openxmlformats.org/presentationml/2006/main">
   <p:cSld>
@@ -7993,7 +7869,13 @@
       </p:grpSpPr>
       <p:sp>
         <p:nvSpPr>
-          <p:cNvPr id="2" name="タイトル 1"/>
+          <p:cNvPr id="2" name="Title 1">
+            <a:extLst>
+              <a:ext uri="{FF2B5EF4-FFF2-40B4-BE49-F238E27FC236}">
+                <a16:creationId xmlns:a16="http://schemas.microsoft.com/office/drawing/2014/main" id="{6BC4138E-67F1-8F46-A010-CAE772DB2DA8}"/>
+              </a:ext>
+            </a:extLst>
+          </p:cNvPr>
           <p:cNvSpPr>
             <a:spLocks noGrp="1"/>
           </p:cNvSpPr>
@@ -8006,16 +7888,19 @@
           <a:bodyPr/>
           <a:lstStyle/>
           <a:p>
-            <a:r>
-              <a:rPr kumimoji="1" lang="ja-JP" altLang="en-US" dirty="0"/>
-              <a:t>消費・貯蓄の理論</a:t>
-            </a:r>
-          </a:p>
-        </p:txBody>
-      </p:sp>
-      <p:sp>
-        <p:nvSpPr>
-          <p:cNvPr id="3" name="コンテンツ プレースホルダー 2"/>
+            <a:endParaRPr lang="en-US"/>
+          </a:p>
+        </p:txBody>
+      </p:sp>
+      <p:sp>
+        <p:nvSpPr>
+          <p:cNvPr id="3" name="Content Placeholder 2">
+            <a:extLst>
+              <a:ext uri="{FF2B5EF4-FFF2-40B4-BE49-F238E27FC236}">
+                <a16:creationId xmlns:a16="http://schemas.microsoft.com/office/drawing/2014/main" id="{C8DFC021-E545-534E-807D-3772532940E4}"/>
+              </a:ext>
+            </a:extLst>
+          </p:cNvPr>
           <p:cNvSpPr>
             <a:spLocks noGrp="1"/>
           </p:cNvSpPr>
@@ -8025,68 +7910,219 @@
         </p:nvSpPr>
         <p:spPr/>
         <p:txBody>
-          <a:bodyPr/>
-          <a:lstStyle/>
-          <a:p>
-            <a:r>
-              <a:rPr kumimoji="1" lang="ja-JP" altLang="en-US" dirty="0"/>
-              <a:t>恒常所得仮説</a:t>
-            </a:r>
-            <a:endParaRPr kumimoji="1" lang="en-US" altLang="ja-JP" dirty="0"/>
-          </a:p>
-          <a:p>
-            <a:r>
-              <a:rPr lang="ja-JP" altLang="en-US" dirty="0"/>
-              <a:t>ライフサイクル仮説</a:t>
-            </a:r>
-            <a:endParaRPr lang="en-US" altLang="ja-JP" dirty="0"/>
-          </a:p>
-          <a:p>
-            <a:r>
-              <a:rPr kumimoji="1" lang="ja-JP" altLang="en-US" dirty="0"/>
-              <a:t>遺産動機（利他主義的遺産動機）</a:t>
-            </a:r>
-            <a:endParaRPr kumimoji="1" lang="en-US" altLang="ja-JP" dirty="0"/>
-          </a:p>
-          <a:p>
-            <a:r>
-              <a:rPr lang="ja-JP" altLang="en-US" dirty="0"/>
-              <a:t>予備的動機の貯蓄</a:t>
-            </a:r>
-            <a:endParaRPr lang="en-US" altLang="ja-JP" dirty="0"/>
-          </a:p>
-          <a:p>
-            <a:pPr lvl="1"/>
-            <a:r>
-              <a:rPr kumimoji="1" lang="ja-JP" altLang="en-US" dirty="0"/>
-              <a:t>所得等の不確実性</a:t>
-            </a:r>
-            <a:r>
-              <a:rPr kumimoji="1" lang="en-US" altLang="ja-JP" dirty="0">
-                <a:sym typeface="Wingdings" pitchFamily="2" charset="2"/>
-              </a:rPr>
-              <a:t> </a:t>
-            </a:r>
-            <a:r>
-              <a:rPr kumimoji="1" lang="ja-JP" altLang="en-US" dirty="0">
-                <a:sym typeface="Wingdings" pitchFamily="2" charset="2"/>
-              </a:rPr>
-              <a:t>予備的動機の貯蓄</a:t>
-            </a:r>
-            <a:endParaRPr kumimoji="1" lang="en-US" altLang="ja-JP" dirty="0">
-              <a:sym typeface="Wingdings" pitchFamily="2" charset="2"/>
-            </a:endParaRPr>
-          </a:p>
-          <a:p>
-            <a:pPr lvl="1"/>
-            <a:endParaRPr kumimoji="1" lang="ja-JP" altLang="en-US" dirty="0"/>
+          <a:bodyPr>
+            <a:normAutofit/>
+          </a:bodyPr>
+          <a:lstStyle/>
+          <a:p>
+            <a:pPr marL="0" indent="0">
+              <a:buNone/>
+            </a:pPr>
+            <a:r>
+              <a:rPr lang="ja-JP" altLang="en-US" sz="1400" dirty="0"/>
+              <a:t>利子率が上昇→財の消費が安くなる</a:t>
+            </a:r>
+            <a:endParaRPr lang="en-US" altLang="ja-JP" sz="1400" dirty="0"/>
+          </a:p>
+          <a:p>
+            <a:pPr marL="0" indent="0">
+              <a:buNone/>
+            </a:pPr>
+            <a:r>
+              <a:rPr lang="en-US" altLang="ja-JP" sz="1400" dirty="0"/>
+              <a:t>	</a:t>
+            </a:r>
+            <a:r>
+              <a:rPr lang="ja-JP" altLang="en-US" sz="1400" dirty="0"/>
+              <a:t>→そして代替効果で</a:t>
+            </a:r>
+            <a:r>
+              <a:rPr lang="en-US" altLang="ja-JP" sz="1400" dirty="0"/>
+              <a:t>C1</a:t>
+            </a:r>
+            <a:r>
+              <a:rPr lang="ja-JP" altLang="en-US" sz="1400" dirty="0"/>
+              <a:t>が割高に、</a:t>
+            </a:r>
+            <a:endParaRPr lang="en-US" altLang="ja-JP" sz="1400" dirty="0"/>
+          </a:p>
+          <a:p>
+            <a:pPr marL="0" indent="0">
+              <a:buNone/>
+            </a:pPr>
+            <a:r>
+              <a:rPr lang="en-US" altLang="ja-JP" sz="1400" dirty="0"/>
+              <a:t>		</a:t>
+            </a:r>
+            <a:r>
+              <a:rPr lang="ja-JP" altLang="en-US" sz="1400" dirty="0"/>
+              <a:t>→所得効果で</a:t>
+            </a:r>
+            <a:r>
+              <a:rPr lang="en-US" altLang="ja-JP" sz="1400" dirty="0"/>
+              <a:t>C</a:t>
+            </a:r>
+            <a:r>
+              <a:rPr lang="ja-JP" altLang="en-US" sz="1400" dirty="0"/>
+              <a:t>１を増やしていく</a:t>
+            </a:r>
+            <a:endParaRPr lang="en-US" altLang="ja-JP" sz="1400" dirty="0"/>
+          </a:p>
+          <a:p>
+            <a:pPr marL="0" indent="0">
+              <a:buNone/>
+            </a:pPr>
+            <a:endParaRPr lang="en-US" altLang="ja-JP" sz="1400" dirty="0"/>
+          </a:p>
+          <a:p>
+            <a:pPr marL="0" indent="0">
+              <a:buNone/>
+            </a:pPr>
+            <a:r>
+              <a:rPr lang="en-US" altLang="ja-JP" sz="1400" dirty="0"/>
+              <a:t>W2 = 0 </a:t>
+            </a:r>
+            <a:r>
+              <a:rPr lang="ja-JP" altLang="en-US" sz="1400" dirty="0"/>
+              <a:t>のケース</a:t>
+            </a:r>
+            <a:endParaRPr lang="en-US" altLang="ja-JP" sz="1400" dirty="0"/>
+          </a:p>
+          <a:p>
+            <a:pPr marL="0" indent="0">
+              <a:buNone/>
+            </a:pPr>
+            <a:r>
+              <a:rPr lang="en-US" altLang="ja-JP" sz="1400" dirty="0"/>
+              <a:t>r </a:t>
+            </a:r>
+            <a:r>
+              <a:rPr lang="ja-JP" altLang="en-US" sz="1400" dirty="0"/>
+              <a:t>↑→利子率の上昇は</a:t>
+            </a:r>
+            <a:r>
+              <a:rPr lang="en-US" altLang="ja-JP" sz="1400" dirty="0"/>
+              <a:t>1 / 1 + r</a:t>
+            </a:r>
+            <a:r>
+              <a:rPr lang="ja-JP" altLang="en-US" sz="1400" dirty="0"/>
+              <a:t>　↓、</a:t>
+            </a:r>
+            <a:r>
+              <a:rPr lang="en-US" altLang="ja-JP" sz="1400" dirty="0"/>
+              <a:t>C2</a:t>
+            </a:r>
+            <a:r>
+              <a:rPr lang="ja-JP" altLang="en-US" sz="1400" dirty="0"/>
+              <a:t>の価格</a:t>
+            </a:r>
+            <a:endParaRPr lang="en-US" altLang="ja-JP" sz="1400" dirty="0"/>
+          </a:p>
+          <a:p>
+            <a:pPr marL="0" indent="0">
+              <a:buNone/>
+            </a:pPr>
+            <a:r>
+              <a:rPr lang="en-US" altLang="ja-JP" sz="1400" dirty="0"/>
+              <a:t>		</a:t>
+            </a:r>
+            <a:r>
+              <a:rPr lang="ja-JP" altLang="en-US" sz="1400" dirty="0"/>
+              <a:t>代替</a:t>
+            </a:r>
+            <a:r>
+              <a:rPr lang="en-US" altLang="ja-JP" sz="1400" dirty="0"/>
+              <a:t>	</a:t>
+            </a:r>
+            <a:r>
+              <a:rPr lang="ja-JP" altLang="en-US" sz="1400" dirty="0"/>
+              <a:t>所得</a:t>
+            </a:r>
+            <a:r>
+              <a:rPr lang="en-US" altLang="ja-JP" sz="1400" dirty="0"/>
+              <a:t>	</a:t>
+            </a:r>
+            <a:r>
+              <a:rPr lang="ja-JP" altLang="en-US" sz="1400" dirty="0"/>
+              <a:t>総合</a:t>
+            </a:r>
+            <a:endParaRPr lang="en-US" altLang="ja-JP" sz="1400" dirty="0"/>
+          </a:p>
+          <a:p>
+            <a:pPr marL="0" indent="0">
+              <a:buNone/>
+            </a:pPr>
+            <a:r>
+              <a:rPr lang="en-US" altLang="ja-JP" sz="1400" dirty="0"/>
+              <a:t>		E</a:t>
+            </a:r>
+            <a:r>
+              <a:rPr lang="ja-JP" altLang="en-US" sz="1400" dirty="0"/>
+              <a:t>→</a:t>
+            </a:r>
+            <a:r>
+              <a:rPr lang="en-US" altLang="ja-JP" sz="1400" dirty="0"/>
+              <a:t>G	G</a:t>
+            </a:r>
+            <a:r>
+              <a:rPr lang="ja-JP" altLang="en-US" sz="1400" dirty="0"/>
+              <a:t>→</a:t>
+            </a:r>
+            <a:r>
+              <a:rPr lang="en-US" altLang="ja-JP" sz="1400" dirty="0"/>
+              <a:t>F	E</a:t>
+            </a:r>
+            <a:r>
+              <a:rPr lang="ja-JP" altLang="en-US" sz="1400" dirty="0"/>
+              <a:t>→</a:t>
+            </a:r>
+            <a:r>
+              <a:rPr lang="en-US" altLang="ja-JP" sz="1400" dirty="0"/>
+              <a:t>F</a:t>
+            </a:r>
+          </a:p>
+          <a:p>
+            <a:pPr marL="0" indent="0">
+              <a:buNone/>
+            </a:pPr>
+            <a:r>
+              <a:rPr lang="en-US" altLang="ja-JP" sz="1400" dirty="0"/>
+              <a:t> 	C1	-	+	?</a:t>
+            </a:r>
+          </a:p>
+          <a:p>
+            <a:pPr marL="0" indent="0">
+              <a:buNone/>
+            </a:pPr>
+            <a:r>
+              <a:rPr lang="en-US" altLang="ja-JP" sz="1400" dirty="0"/>
+              <a:t>	C2	+	+	+</a:t>
+            </a:r>
+          </a:p>
+          <a:p>
+            <a:pPr marL="0" indent="0">
+              <a:buNone/>
+            </a:pPr>
+            <a:r>
+              <a:rPr lang="en-US" altLang="ja-JP" sz="1400" dirty="0"/>
+              <a:t>	S	+	-	?</a:t>
+            </a:r>
+          </a:p>
+          <a:p>
+            <a:pPr marL="0" indent="0">
+              <a:buNone/>
+            </a:pPr>
+            <a:r>
+              <a:rPr lang="en-US" altLang="ja-JP" sz="1400" dirty="0"/>
+              <a:t>			</a:t>
+            </a:r>
           </a:p>
         </p:txBody>
       </p:sp>
     </p:spTree>
     <p:extLst>
       <p:ext uri="{BB962C8B-B14F-4D97-AF65-F5344CB8AC3E}">
-        <p14:creationId xmlns:p14="http://schemas.microsoft.com/office/powerpoint/2010/main" val="1667940560"/>
+        <p14:creationId xmlns:p14="http://schemas.microsoft.com/office/powerpoint/2010/main" val="3036351297"/>
       </p:ext>
     </p:extLst>
   </p:cSld>
@@ -8115,9 +8151,9 @@
       </p:grpSpPr>
       <p:sp>
         <p:nvSpPr>
-          <p:cNvPr id="21506" name="Rectangle 2"/>
+          <p:cNvPr id="2" name="タイトル 1"/>
           <p:cNvSpPr>
-            <a:spLocks noGrp="1" noChangeArrowheads="1"/>
+            <a:spLocks noGrp="1"/>
           </p:cNvSpPr>
           <p:nvPr>
             <p:ph type="title"/>
@@ -8125,34 +8161,21 @@
         </p:nvSpPr>
         <p:spPr/>
         <p:txBody>
-          <a:bodyPr>
-            <a:normAutofit fontScale="90000"/>
-          </a:bodyPr>
-          <a:lstStyle/>
-          <a:p>
-            <a:r>
-              <a:rPr lang="ja-JP" altLang="en-US" dirty="0"/>
-              <a:t>労働供給の決定</a:t>
-            </a:r>
-            <a:br>
-              <a:rPr lang="en-US" altLang="ja-JP" dirty="0"/>
-            </a:br>
-            <a:r>
-              <a:rPr lang="ja-JP" altLang="en-US" dirty="0"/>
-              <a:t>→効用最大化するように労働時間を決定する</a:t>
-            </a:r>
-            <a:br>
-              <a:rPr lang="en-US" altLang="ja-JP" dirty="0"/>
-            </a:br>
-            <a:endParaRPr lang="ja-JP" altLang="en-US" dirty="0"/>
-          </a:p>
-        </p:txBody>
-      </p:sp>
-      <p:sp>
-        <p:nvSpPr>
-          <p:cNvPr id="21507" name="Rectangle 3"/>
+          <a:bodyPr/>
+          <a:lstStyle/>
+          <a:p>
+            <a:r>
+              <a:rPr kumimoji="1" lang="ja-JP" altLang="en-US" dirty="0"/>
+              <a:t>消費・貯蓄の理論</a:t>
+            </a:r>
+          </a:p>
+        </p:txBody>
+      </p:sp>
+      <p:sp>
+        <p:nvSpPr>
+          <p:cNvPr id="3" name="コンテンツ プレースホルダー 2"/>
           <p:cNvSpPr>
-            <a:spLocks noGrp="1" noChangeArrowheads="1"/>
+            <a:spLocks noGrp="1"/>
           </p:cNvSpPr>
           <p:nvPr>
             <p:ph idx="1"/>
@@ -8160,485 +8183,68 @@
         </p:nvSpPr>
         <p:spPr/>
         <p:txBody>
-          <a:bodyPr>
-            <a:normAutofit fontScale="92500" lnSpcReduction="10000"/>
-          </a:bodyPr>
-          <a:lstStyle/>
-          <a:p>
-            <a:pPr>
-              <a:lnSpc>
-                <a:spcPct val="80000"/>
-              </a:lnSpc>
-            </a:pPr>
-            <a:r>
-              <a:rPr lang="en-US" altLang="ja-JP" sz="2800" dirty="0"/>
-              <a:t>1</a:t>
-            </a:r>
-            <a:r>
-              <a:rPr lang="ja-JP" altLang="en-US" sz="2800" dirty="0"/>
-              <a:t>期間のモデルで考える</a:t>
-            </a:r>
-          </a:p>
-          <a:p>
-            <a:pPr>
-              <a:lnSpc>
-                <a:spcPct val="80000"/>
-              </a:lnSpc>
-            </a:pPr>
-            <a:r>
-              <a:rPr lang="ja-JP" altLang="en-US" sz="2800" dirty="0"/>
-              <a:t>労働</a:t>
-            </a:r>
-            <a:r>
-              <a:rPr lang="ja-JP" altLang="en-US" sz="2800" dirty="0">
+          <a:bodyPr/>
+          <a:lstStyle/>
+          <a:p>
+            <a:r>
+              <a:rPr kumimoji="1" lang="ja-JP" altLang="en-US" dirty="0"/>
+              <a:t>恒常所得仮説</a:t>
+            </a:r>
+            <a:endParaRPr kumimoji="1" lang="en-US" altLang="ja-JP" dirty="0"/>
+          </a:p>
+          <a:p>
+            <a:r>
+              <a:rPr lang="ja-JP" altLang="en-US" dirty="0"/>
+              <a:t>ライフサイクル仮説</a:t>
+            </a:r>
+            <a:endParaRPr lang="en-US" altLang="ja-JP" dirty="0"/>
+          </a:p>
+          <a:p>
+            <a:r>
+              <a:rPr kumimoji="1" lang="ja-JP" altLang="en-US" dirty="0"/>
+              <a:t>遺産動機（利他主義的遺産動機）</a:t>
+            </a:r>
+            <a:endParaRPr kumimoji="1" lang="en-US" altLang="ja-JP" dirty="0"/>
+          </a:p>
+          <a:p>
+            <a:r>
+              <a:rPr lang="ja-JP" altLang="en-US" dirty="0"/>
+              <a:t>予備的動機の貯蓄</a:t>
+            </a:r>
+            <a:endParaRPr lang="en-US" altLang="ja-JP" dirty="0"/>
+          </a:p>
+          <a:p>
+            <a:pPr lvl="1"/>
+            <a:r>
+              <a:rPr kumimoji="1" lang="ja-JP" altLang="en-US" dirty="0"/>
+              <a:t>所得等の不確実性</a:t>
+            </a:r>
+            <a:r>
+              <a:rPr kumimoji="1" lang="en-US" altLang="ja-JP" dirty="0">
                 <a:sym typeface="Wingdings" pitchFamily="2" charset="2"/>
               </a:rPr>
-              <a:t>自由時間（余暇：</a:t>
-            </a:r>
-            <a:r>
-              <a:rPr lang="en-US" altLang="ja-JP" sz="2800" dirty="0">
+              <a:t> </a:t>
+            </a:r>
+            <a:r>
+              <a:rPr kumimoji="1" lang="ja-JP" altLang="en-US" dirty="0">
                 <a:sym typeface="Wingdings" pitchFamily="2" charset="2"/>
               </a:rPr>
-              <a:t>leisure</a:t>
-            </a:r>
-            <a:r>
-              <a:rPr lang="ja-JP" altLang="en-US" sz="2800" dirty="0">
-                <a:sym typeface="Wingdings" pitchFamily="2" charset="2"/>
-              </a:rPr>
-              <a:t>）の減少</a:t>
-            </a:r>
-          </a:p>
-          <a:p>
-            <a:pPr>
-              <a:lnSpc>
-                <a:spcPct val="80000"/>
-              </a:lnSpc>
-            </a:pPr>
-            <a:r>
-              <a:rPr lang="ja-JP" altLang="en-US" sz="2800" dirty="0"/>
-              <a:t>労働</a:t>
-            </a:r>
-            <a:r>
-              <a:rPr lang="ja-JP" altLang="en-US" sz="2800" dirty="0">
-                <a:sym typeface="Wingdings" pitchFamily="2" charset="2"/>
-              </a:rPr>
-              <a:t>金銭的な所得の獲得消費支出</a:t>
-            </a:r>
-          </a:p>
-          <a:p>
-            <a:pPr>
-              <a:lnSpc>
-                <a:spcPct val="80000"/>
-              </a:lnSpc>
-            </a:pPr>
-            <a:endParaRPr lang="ja-JP" altLang="en-US" sz="2800" dirty="0">
+              <a:t>予備的動機の貯蓄</a:t>
+            </a:r>
+            <a:endParaRPr kumimoji="1" lang="en-US" altLang="ja-JP" dirty="0">
               <a:sym typeface="Wingdings" pitchFamily="2" charset="2"/>
             </a:endParaRPr>
           </a:p>
           <a:p>
-            <a:pPr>
-              <a:lnSpc>
-                <a:spcPct val="80000"/>
-              </a:lnSpc>
-              <a:buFont typeface="Wingdings" pitchFamily="2" charset="2"/>
-              <a:buNone/>
-            </a:pPr>
-            <a:r>
-              <a:rPr lang="ja-JP" altLang="en-US" sz="2800" i="1" dirty="0">
-                <a:latin typeface="Times New Roman" pitchFamily="18" charset="0"/>
-                <a:sym typeface="Wingdings" pitchFamily="2" charset="2"/>
-              </a:rPr>
-              <a:t>	</a:t>
-            </a:r>
-            <a:r>
-              <a:rPr lang="en-US" altLang="ja-JP" sz="2800" i="1" dirty="0">
-                <a:latin typeface="Times New Roman" pitchFamily="18" charset="0"/>
-                <a:sym typeface="Wingdings" pitchFamily="2" charset="2"/>
-              </a:rPr>
-              <a:t>U</a:t>
-            </a:r>
-            <a:r>
-              <a:rPr lang="en-US" altLang="ja-JP" sz="2800" dirty="0">
-                <a:latin typeface="Times New Roman" pitchFamily="18" charset="0"/>
-                <a:sym typeface="Wingdings" pitchFamily="2" charset="2"/>
-              </a:rPr>
-              <a:t>(</a:t>
-            </a:r>
-            <a:r>
-              <a:rPr lang="en-US" altLang="ja-JP" sz="2800" i="1" dirty="0">
-                <a:latin typeface="Times New Roman" pitchFamily="18" charset="0"/>
-                <a:sym typeface="Wingdings" pitchFamily="2" charset="2"/>
-              </a:rPr>
-              <a:t>C</a:t>
-            </a:r>
-            <a:r>
-              <a:rPr lang="en-US" altLang="ja-JP" sz="2800" dirty="0">
-                <a:latin typeface="Times New Roman" pitchFamily="18" charset="0"/>
-                <a:sym typeface="Wingdings" pitchFamily="2" charset="2"/>
-              </a:rPr>
-              <a:t>, </a:t>
-            </a:r>
-            <a:r>
-              <a:rPr lang="en-US" altLang="ja-JP" sz="2800" i="1" dirty="0">
-                <a:latin typeface="Times New Roman" pitchFamily="18" charset="0"/>
-                <a:sym typeface="Wingdings" pitchFamily="2" charset="2"/>
-              </a:rPr>
-              <a:t>l </a:t>
-            </a:r>
-            <a:r>
-              <a:rPr lang="en-US" altLang="ja-JP" sz="2800" dirty="0">
-                <a:latin typeface="Times New Roman" pitchFamily="18" charset="0"/>
-                <a:sym typeface="Wingdings" pitchFamily="2" charset="2"/>
-              </a:rPr>
-              <a:t>)		</a:t>
-            </a:r>
-            <a:r>
-              <a:rPr lang="ja-JP" altLang="en-US" sz="2800" dirty="0">
-                <a:latin typeface="Times New Roman" pitchFamily="18" charset="0"/>
-                <a:sym typeface="Wingdings" pitchFamily="2" charset="2"/>
-              </a:rPr>
-              <a:t>効用関数</a:t>
-            </a:r>
-          </a:p>
-          <a:p>
-            <a:pPr>
-              <a:lnSpc>
-                <a:spcPct val="80000"/>
-              </a:lnSpc>
-              <a:buFont typeface="Wingdings" pitchFamily="2" charset="2"/>
-              <a:buNone/>
-            </a:pPr>
-            <a:r>
-              <a:rPr lang="ja-JP" altLang="en-US" sz="2800" i="1" dirty="0">
-                <a:latin typeface="Times New Roman" pitchFamily="18" charset="0"/>
-                <a:sym typeface="Wingdings" pitchFamily="2" charset="2"/>
-              </a:rPr>
-              <a:t>	</a:t>
-            </a:r>
-            <a:r>
-              <a:rPr lang="en-US" altLang="ja-JP" sz="2800" i="1" dirty="0">
-                <a:latin typeface="Times New Roman" pitchFamily="18" charset="0"/>
-                <a:sym typeface="Wingdings" pitchFamily="2" charset="2"/>
-              </a:rPr>
-              <a:t>p C </a:t>
-            </a:r>
-            <a:r>
-              <a:rPr lang="en-US" altLang="ja-JP" sz="2800" dirty="0">
-                <a:latin typeface="Times New Roman" pitchFamily="18" charset="0"/>
-                <a:sym typeface="Wingdings" pitchFamily="2" charset="2"/>
-              </a:rPr>
-              <a:t>= </a:t>
-            </a:r>
-            <a:r>
-              <a:rPr lang="en-US" altLang="ja-JP" sz="2800" i="1" dirty="0">
-                <a:latin typeface="Times New Roman" pitchFamily="18" charset="0"/>
-                <a:sym typeface="Wingdings" pitchFamily="2" charset="2"/>
-              </a:rPr>
-              <a:t>w h		</a:t>
-            </a:r>
-            <a:r>
-              <a:rPr lang="ja-JP" altLang="en-US" sz="2800" dirty="0">
-                <a:latin typeface="Times New Roman" pitchFamily="18" charset="0"/>
-                <a:sym typeface="Wingdings" pitchFamily="2" charset="2"/>
-              </a:rPr>
-              <a:t>（狭義の）予算制約</a:t>
-            </a:r>
-            <a:endParaRPr lang="ja-JP" altLang="en-US" sz="2800" i="1" dirty="0">
-              <a:latin typeface="Times New Roman" pitchFamily="18" charset="0"/>
-              <a:sym typeface="Wingdings" pitchFamily="2" charset="2"/>
-            </a:endParaRPr>
-          </a:p>
-          <a:p>
-            <a:pPr>
-              <a:lnSpc>
-                <a:spcPct val="80000"/>
-              </a:lnSpc>
-              <a:buFont typeface="Wingdings" pitchFamily="2" charset="2"/>
-              <a:buNone/>
-            </a:pPr>
-            <a:r>
-              <a:rPr lang="ja-JP" altLang="en-US" sz="2800" i="1" dirty="0">
-                <a:latin typeface="Times New Roman" pitchFamily="18" charset="0"/>
-                <a:sym typeface="Wingdings" pitchFamily="2" charset="2"/>
-              </a:rPr>
-              <a:t>	</a:t>
-            </a:r>
-            <a:r>
-              <a:rPr lang="en-US" altLang="ja-JP" sz="2800" i="1" dirty="0">
-                <a:latin typeface="Times New Roman" pitchFamily="18" charset="0"/>
-                <a:sym typeface="Wingdings" pitchFamily="2" charset="2"/>
-              </a:rPr>
-              <a:t>h  </a:t>
-            </a:r>
-            <a:r>
-              <a:rPr lang="en-US" altLang="ja-JP" sz="2800" dirty="0">
-                <a:latin typeface="Times New Roman" pitchFamily="18" charset="0"/>
-                <a:sym typeface="Wingdings" pitchFamily="2" charset="2"/>
-              </a:rPr>
-              <a:t>+</a:t>
-            </a:r>
-            <a:r>
-              <a:rPr lang="en-US" altLang="ja-JP" sz="2800" i="1" dirty="0">
-                <a:latin typeface="Times New Roman" pitchFamily="18" charset="0"/>
-                <a:sym typeface="Wingdings" pitchFamily="2" charset="2"/>
-              </a:rPr>
-              <a:t>l </a:t>
-            </a:r>
-            <a:r>
-              <a:rPr lang="en-US" altLang="ja-JP" sz="2800" dirty="0">
-                <a:latin typeface="Times New Roman" pitchFamily="18" charset="0"/>
-                <a:sym typeface="Wingdings" pitchFamily="2" charset="2"/>
-              </a:rPr>
-              <a:t>= </a:t>
-            </a:r>
-            <a:r>
-              <a:rPr lang="en-US" altLang="ja-JP" sz="2800" i="1" dirty="0">
-                <a:latin typeface="Times New Roman" pitchFamily="18" charset="0"/>
-                <a:sym typeface="Wingdings" pitchFamily="2" charset="2"/>
-              </a:rPr>
-              <a:t>T		</a:t>
-            </a:r>
-            <a:r>
-              <a:rPr lang="ja-JP" altLang="en-US" sz="2800" dirty="0">
-                <a:latin typeface="Times New Roman" pitchFamily="18" charset="0"/>
-                <a:sym typeface="Wingdings" pitchFamily="2" charset="2"/>
-              </a:rPr>
-              <a:t>時間の制約</a:t>
-            </a:r>
-            <a:endParaRPr lang="en-US" altLang="ja-JP" sz="2800" dirty="0">
-              <a:latin typeface="Times New Roman" pitchFamily="18" charset="0"/>
-              <a:sym typeface="Wingdings" pitchFamily="2" charset="2"/>
-            </a:endParaRPr>
-          </a:p>
-          <a:p>
-            <a:pPr>
-              <a:lnSpc>
-                <a:spcPct val="80000"/>
-              </a:lnSpc>
-              <a:buFont typeface="Wingdings" pitchFamily="2" charset="2"/>
-              <a:buNone/>
-            </a:pPr>
-            <a:r>
-              <a:rPr lang="ja-JP" altLang="en-US" sz="2800" dirty="0">
-                <a:latin typeface="Times New Roman" pitchFamily="18" charset="0"/>
-                <a:sym typeface="Wingdings" pitchFamily="2" charset="2"/>
-              </a:rPr>
-              <a:t>→時間は</a:t>
-            </a:r>
-            <a:r>
-              <a:rPr lang="en-US" altLang="ja-JP" sz="2800" dirty="0">
-                <a:latin typeface="Times New Roman" pitchFamily="18" charset="0"/>
-                <a:sym typeface="Wingdings" pitchFamily="2" charset="2"/>
-              </a:rPr>
-              <a:t>T  </a:t>
-            </a:r>
-            <a:r>
-              <a:rPr lang="ja-JP" altLang="en-US" sz="2800" dirty="0">
-                <a:latin typeface="Times New Roman" pitchFamily="18" charset="0"/>
-                <a:sym typeface="Wingdings" pitchFamily="2" charset="2"/>
-              </a:rPr>
-              <a:t>で表される、</a:t>
-            </a:r>
-            <a:r>
-              <a:rPr lang="en-US" altLang="ja-JP" sz="2800" dirty="0">
-                <a:latin typeface="Times New Roman" pitchFamily="18" charset="0"/>
-                <a:sym typeface="Wingdings" pitchFamily="2" charset="2"/>
-              </a:rPr>
-              <a:t>16</a:t>
-            </a:r>
-            <a:r>
-              <a:rPr lang="ja-JP" altLang="en-US" sz="2800" dirty="0">
-                <a:latin typeface="Times New Roman" pitchFamily="18" charset="0"/>
-                <a:sym typeface="Wingdings" pitchFamily="2" charset="2"/>
-              </a:rPr>
-              <a:t>時間ぐらいが利用可能</a:t>
-            </a:r>
-            <a:endParaRPr lang="en-US" altLang="ja-JP" sz="2800" dirty="0">
-              <a:latin typeface="Times New Roman" pitchFamily="18" charset="0"/>
-              <a:sym typeface="Wingdings" pitchFamily="2" charset="2"/>
-            </a:endParaRPr>
-          </a:p>
-          <a:p>
-            <a:pPr>
-              <a:lnSpc>
-                <a:spcPct val="80000"/>
-              </a:lnSpc>
-              <a:buFont typeface="Wingdings" pitchFamily="2" charset="2"/>
-              <a:buNone/>
-            </a:pPr>
-            <a:r>
-              <a:rPr lang="en-US" altLang="ja-JP" sz="2800" dirty="0">
-                <a:latin typeface="Times New Roman" pitchFamily="18" charset="0"/>
-                <a:sym typeface="Wingdings" pitchFamily="2" charset="2"/>
-              </a:rPr>
-              <a:t>	</a:t>
-            </a:r>
-            <a:r>
-              <a:rPr lang="ja-JP" altLang="en-US" sz="2800" dirty="0">
-                <a:latin typeface="Times New Roman" pitchFamily="18" charset="0"/>
-                <a:sym typeface="Wingdings" pitchFamily="2" charset="2"/>
-              </a:rPr>
-              <a:t>→</a:t>
-            </a:r>
-            <a:r>
-              <a:rPr lang="en-US" altLang="ja-JP" sz="2800" dirty="0">
-                <a:latin typeface="Times New Roman" pitchFamily="18" charset="0"/>
-                <a:sym typeface="Wingdings" pitchFamily="2" charset="2"/>
-              </a:rPr>
-              <a:t>l</a:t>
-            </a:r>
-            <a:r>
-              <a:rPr lang="ja-JP" altLang="en-US" sz="2800" dirty="0">
-                <a:latin typeface="Times New Roman" pitchFamily="18" charset="0"/>
-                <a:sym typeface="Wingdings" pitchFamily="2" charset="2"/>
-              </a:rPr>
-              <a:t>の決定は、労働時間の決定でもある</a:t>
-            </a:r>
-          </a:p>
-          <a:p>
-            <a:pPr>
-              <a:lnSpc>
-                <a:spcPct val="80000"/>
-              </a:lnSpc>
-              <a:buFont typeface="Wingdings" pitchFamily="2" charset="2"/>
-              <a:buNone/>
-            </a:pPr>
-            <a:endParaRPr lang="ja-JP" altLang="en-US" sz="2800" dirty="0">
-              <a:latin typeface="Times New Roman" pitchFamily="18" charset="0"/>
-              <a:sym typeface="Wingdings" pitchFamily="2" charset="2"/>
-            </a:endParaRPr>
-          </a:p>
-          <a:p>
-            <a:pPr>
-              <a:lnSpc>
-                <a:spcPct val="80000"/>
-              </a:lnSpc>
-              <a:buFont typeface="Wingdings" pitchFamily="2" charset="2"/>
-              <a:buNone/>
-            </a:pPr>
-            <a:r>
-              <a:rPr lang="en-US" altLang="ja-JP" sz="2800" i="1" dirty="0">
-                <a:latin typeface="Times New Roman" pitchFamily="18" charset="0"/>
-                <a:sym typeface="Wingdings" pitchFamily="2" charset="2"/>
-              </a:rPr>
-              <a:t>p</a:t>
-            </a:r>
-            <a:r>
-              <a:rPr lang="en-US" altLang="ja-JP" sz="2800" dirty="0">
-                <a:latin typeface="Times New Roman" pitchFamily="18" charset="0"/>
-                <a:sym typeface="Wingdings" pitchFamily="2" charset="2"/>
-              </a:rPr>
-              <a:t>:</a:t>
-            </a:r>
-            <a:r>
-              <a:rPr lang="ja-JP" altLang="en-US" sz="2800" dirty="0">
-                <a:latin typeface="Times New Roman" pitchFamily="18" charset="0"/>
-                <a:sym typeface="Wingdings" pitchFamily="2" charset="2"/>
-              </a:rPr>
-              <a:t>消費財の価格　</a:t>
-            </a:r>
-            <a:r>
-              <a:rPr lang="en-US" altLang="ja-JP" sz="2800" i="1" dirty="0">
-                <a:latin typeface="Times New Roman" pitchFamily="18" charset="0"/>
-                <a:sym typeface="Wingdings" pitchFamily="2" charset="2"/>
-              </a:rPr>
-              <a:t>C</a:t>
-            </a:r>
-            <a:r>
-              <a:rPr lang="ja-JP" altLang="en-US" sz="2800" dirty="0">
-                <a:latin typeface="Times New Roman" pitchFamily="18" charset="0"/>
-                <a:sym typeface="Wingdings" pitchFamily="2" charset="2"/>
-              </a:rPr>
-              <a:t>：消費　</a:t>
-            </a:r>
-            <a:r>
-              <a:rPr lang="en-US" altLang="ja-JP" sz="2800" i="1" dirty="0">
-                <a:latin typeface="Times New Roman" pitchFamily="18" charset="0"/>
-                <a:sym typeface="Wingdings" pitchFamily="2" charset="2"/>
-              </a:rPr>
-              <a:t>w</a:t>
-            </a:r>
-            <a:r>
-              <a:rPr lang="en-US" altLang="ja-JP" sz="2800" dirty="0">
-                <a:latin typeface="Times New Roman" pitchFamily="18" charset="0"/>
-                <a:sym typeface="Wingdings" pitchFamily="2" charset="2"/>
-              </a:rPr>
-              <a:t>:</a:t>
-            </a:r>
-            <a:r>
-              <a:rPr lang="ja-JP" altLang="en-US" sz="2800" dirty="0">
-                <a:latin typeface="Times New Roman" pitchFamily="18" charset="0"/>
-                <a:sym typeface="Wingdings" pitchFamily="2" charset="2"/>
-              </a:rPr>
-              <a:t>賃金率　</a:t>
-            </a:r>
-            <a:r>
-              <a:rPr lang="en-US" altLang="ja-JP" sz="2800" i="1" dirty="0">
-                <a:latin typeface="Times New Roman" pitchFamily="18" charset="0"/>
-                <a:sym typeface="Wingdings" pitchFamily="2" charset="2"/>
-              </a:rPr>
-              <a:t>h</a:t>
-            </a:r>
-            <a:r>
-              <a:rPr lang="ja-JP" altLang="en-US" sz="2800" dirty="0">
-                <a:latin typeface="Times New Roman" pitchFamily="18" charset="0"/>
-                <a:sym typeface="Wingdings" pitchFamily="2" charset="2"/>
-              </a:rPr>
-              <a:t>：労働時間</a:t>
-            </a:r>
-            <a:endParaRPr lang="ja-JP" altLang="en-US" sz="2800" i="1" dirty="0">
-              <a:latin typeface="Times New Roman" pitchFamily="18" charset="0"/>
-              <a:sym typeface="Wingdings" pitchFamily="2" charset="2"/>
-            </a:endParaRPr>
-          </a:p>
-          <a:p>
-            <a:pPr>
-              <a:lnSpc>
-                <a:spcPct val="80000"/>
-              </a:lnSpc>
-              <a:buFont typeface="Wingdings" pitchFamily="2" charset="2"/>
-              <a:buNone/>
-            </a:pPr>
-            <a:r>
-              <a:rPr lang="en-US" altLang="ja-JP" sz="2800" i="1" dirty="0">
-                <a:latin typeface="Times New Roman" pitchFamily="18" charset="0"/>
-              </a:rPr>
-              <a:t>l</a:t>
-            </a:r>
-            <a:r>
-              <a:rPr lang="ja-JP" altLang="en-US" sz="2800" dirty="0">
-                <a:latin typeface="Times New Roman" pitchFamily="18" charset="0"/>
-              </a:rPr>
-              <a:t>：余暇時間　</a:t>
-            </a:r>
-            <a:r>
-              <a:rPr lang="en-US" altLang="ja-JP" sz="2800" i="1" dirty="0">
-                <a:latin typeface="Times New Roman" pitchFamily="18" charset="0"/>
-              </a:rPr>
-              <a:t>T</a:t>
-            </a:r>
-            <a:r>
-              <a:rPr lang="en-US" altLang="ja-JP" sz="2800" dirty="0">
-                <a:latin typeface="Times New Roman" pitchFamily="18" charset="0"/>
-              </a:rPr>
-              <a:t>:</a:t>
-            </a:r>
-            <a:r>
-              <a:rPr lang="ja-JP" altLang="en-US" sz="2800" dirty="0">
-                <a:latin typeface="Times New Roman" pitchFamily="18" charset="0"/>
-              </a:rPr>
-              <a:t>利用可能時間</a:t>
-            </a:r>
-            <a:endParaRPr lang="ja-JP" altLang="en-US" sz="2800" i="1" dirty="0">
-              <a:latin typeface="Times New Roman" pitchFamily="18" charset="0"/>
-            </a:endParaRPr>
+            <a:pPr lvl="1"/>
+            <a:endParaRPr kumimoji="1" lang="ja-JP" altLang="en-US" dirty="0"/>
           </a:p>
         </p:txBody>
       </p:sp>
     </p:spTree>
     <p:extLst>
       <p:ext uri="{BB962C8B-B14F-4D97-AF65-F5344CB8AC3E}">
-        <p14:creationId xmlns:p14="http://schemas.microsoft.com/office/powerpoint/2010/main" val="3415868443"/>
+        <p14:creationId xmlns:p14="http://schemas.microsoft.com/office/powerpoint/2010/main" val="1667940560"/>
       </p:ext>
     </p:extLst>
   </p:cSld>
@@ -8667,15 +8273,9 @@
       </p:grpSpPr>
       <p:sp>
         <p:nvSpPr>
-          <p:cNvPr id="2" name="Title 1">
-            <a:extLst>
-              <a:ext uri="{FF2B5EF4-FFF2-40B4-BE49-F238E27FC236}">
-                <a16:creationId xmlns:a16="http://schemas.microsoft.com/office/drawing/2014/main" id="{679A815B-0496-4247-9DF1-0027D156A453}"/>
-              </a:ext>
-            </a:extLst>
-          </p:cNvPr>
+          <p:cNvPr id="21506" name="Rectangle 2"/>
           <p:cNvSpPr>
-            <a:spLocks noGrp="1"/>
+            <a:spLocks noGrp="1" noChangeArrowheads="1"/>
           </p:cNvSpPr>
           <p:nvPr>
             <p:ph type="title"/>
@@ -8683,24 +8283,34 @@
         </p:nvSpPr>
         <p:spPr/>
         <p:txBody>
-          <a:bodyPr/>
-          <a:lstStyle/>
-          <a:p>
-            <a:endParaRPr lang="en-US"/>
-          </a:p>
-        </p:txBody>
-      </p:sp>
-      <p:sp>
-        <p:nvSpPr>
-          <p:cNvPr id="3" name="Content Placeholder 2">
-            <a:extLst>
-              <a:ext uri="{FF2B5EF4-FFF2-40B4-BE49-F238E27FC236}">
-                <a16:creationId xmlns:a16="http://schemas.microsoft.com/office/drawing/2014/main" id="{00FAB3AA-7E9F-9243-9CA4-563C009FE88C}"/>
-              </a:ext>
-            </a:extLst>
-          </p:cNvPr>
+          <a:bodyPr>
+            <a:normAutofit fontScale="90000"/>
+          </a:bodyPr>
+          <a:lstStyle/>
+          <a:p>
+            <a:r>
+              <a:rPr lang="ja-JP" altLang="en-US" dirty="0"/>
+              <a:t>労働供給の決定</a:t>
+            </a:r>
+            <a:br>
+              <a:rPr lang="en-US" altLang="ja-JP" dirty="0"/>
+            </a:br>
+            <a:r>
+              <a:rPr lang="ja-JP" altLang="en-US" dirty="0"/>
+              <a:t>→効用最大化するように労働時間を決定する</a:t>
+            </a:r>
+            <a:br>
+              <a:rPr lang="en-US" altLang="ja-JP" dirty="0"/>
+            </a:br>
+            <a:endParaRPr lang="ja-JP" altLang="en-US" dirty="0"/>
+          </a:p>
+        </p:txBody>
+      </p:sp>
+      <p:sp>
+        <p:nvSpPr>
+          <p:cNvPr id="21507" name="Rectangle 3"/>
           <p:cNvSpPr>
-            <a:spLocks noGrp="1"/>
+            <a:spLocks noGrp="1" noChangeArrowheads="1"/>
           </p:cNvSpPr>
           <p:nvPr>
             <p:ph idx="1"/>
@@ -8709,128 +8319,484 @@
         <p:spPr/>
         <p:txBody>
           <a:bodyPr>
-            <a:normAutofit/>
+            <a:normAutofit fontScale="92500" lnSpcReduction="10000"/>
           </a:bodyPr>
           <a:lstStyle/>
           <a:p>
-            <a:r>
-              <a:rPr lang="en-US" sz="1100" dirty="0"/>
-              <a:t>P</a:t>
-            </a:r>
-            <a:r>
-              <a:rPr lang="ja-JP" altLang="en-US" sz="1100" dirty="0"/>
-              <a:t>・</a:t>
-            </a:r>
-            <a:r>
-              <a:rPr lang="en-US" altLang="ja-JP" sz="1100" dirty="0"/>
-              <a:t>C = w </a:t>
-            </a:r>
-            <a:r>
-              <a:rPr lang="ja-JP" altLang="en-US" sz="1100" dirty="0"/>
-              <a:t>・ </a:t>
-            </a:r>
-            <a:r>
-              <a:rPr lang="en-US" altLang="ja-JP" sz="1100" dirty="0"/>
-              <a:t>h …..(1)</a:t>
-            </a:r>
-          </a:p>
-          <a:p>
-            <a:r>
-              <a:rPr lang="en-US" sz="1100" dirty="0"/>
-              <a:t>L + h = T ……(2)</a:t>
-            </a:r>
-          </a:p>
-          <a:p>
-            <a:r>
-              <a:rPr lang="en-US" sz="1100" dirty="0"/>
-              <a:t>H = T – l (2)’</a:t>
-            </a:r>
-          </a:p>
-          <a:p>
-            <a:r>
-              <a:rPr lang="en-US" sz="1100" dirty="0"/>
-              <a:t>(2)’</a:t>
-            </a:r>
-            <a:r>
-              <a:rPr lang="ja-JP" altLang="en-US" sz="1100" dirty="0"/>
-              <a:t>を</a:t>
-            </a:r>
-            <a:r>
-              <a:rPr lang="en-US" altLang="ja-JP" sz="1100" dirty="0"/>
-              <a:t>(1)</a:t>
-            </a:r>
-            <a:r>
-              <a:rPr lang="ja-JP" altLang="en-US" sz="1100" dirty="0"/>
-              <a:t>に代入</a:t>
-            </a:r>
-            <a:endParaRPr lang="en-US" altLang="ja-JP" sz="1100" dirty="0"/>
-          </a:p>
-          <a:p>
-            <a:r>
-              <a:rPr lang="en-US" altLang="ja-JP" sz="1100" dirty="0"/>
-              <a:t>P</a:t>
-            </a:r>
-            <a:r>
-              <a:rPr lang="ja-JP" altLang="en-US" sz="1100" dirty="0"/>
-              <a:t>・</a:t>
-            </a:r>
-            <a:r>
-              <a:rPr lang="en-US" altLang="ja-JP" sz="1100" dirty="0"/>
-              <a:t>C = w</a:t>
-            </a:r>
-            <a:r>
-              <a:rPr lang="ja-JP" altLang="en-US" sz="1100" dirty="0"/>
-              <a:t>・</a:t>
-            </a:r>
-            <a:r>
-              <a:rPr lang="en-US" altLang="ja-JP" sz="1100" dirty="0"/>
-              <a:t>(T – l)</a:t>
-            </a:r>
-          </a:p>
-          <a:p>
-            <a:r>
-              <a:rPr lang="en-US" altLang="ja-JP" sz="1100" dirty="0"/>
-              <a:t>P </a:t>
-            </a:r>
-            <a:r>
-              <a:rPr lang="ja-JP" altLang="en-US" sz="1100" dirty="0"/>
-              <a:t>・ </a:t>
-            </a:r>
-            <a:r>
-              <a:rPr lang="en-US" altLang="ja-JP" sz="1100" dirty="0"/>
-              <a:t>C + w</a:t>
-            </a:r>
-            <a:r>
-              <a:rPr lang="ja-JP" altLang="en-US" sz="1100" dirty="0"/>
-              <a:t>・</a:t>
-            </a:r>
-            <a:r>
-              <a:rPr lang="en-US" altLang="ja-JP" sz="1100" dirty="0"/>
-              <a:t>l = w </a:t>
-            </a:r>
-            <a:r>
-              <a:rPr lang="ja-JP" altLang="en-US" sz="1100" dirty="0"/>
-              <a:t>・ </a:t>
-            </a:r>
-            <a:r>
-              <a:rPr lang="en-US" altLang="ja-JP" sz="1100" dirty="0"/>
+            <a:pPr>
+              <a:lnSpc>
+                <a:spcPct val="80000"/>
+              </a:lnSpc>
+            </a:pPr>
+            <a:r>
+              <a:rPr lang="en-US" altLang="ja-JP" sz="2800" dirty="0"/>
+              <a:t>1</a:t>
+            </a:r>
+            <a:r>
+              <a:rPr lang="ja-JP" altLang="en-US" sz="2800" dirty="0"/>
+              <a:t>期間のモデルで考える</a:t>
+            </a:r>
+          </a:p>
+          <a:p>
+            <a:pPr>
+              <a:lnSpc>
+                <a:spcPct val="80000"/>
+              </a:lnSpc>
+            </a:pPr>
+            <a:r>
+              <a:rPr lang="ja-JP" altLang="en-US" sz="2800" dirty="0"/>
+              <a:t>労働</a:t>
+            </a:r>
+            <a:r>
+              <a:rPr lang="ja-JP" altLang="en-US" sz="2800" dirty="0">
+                <a:sym typeface="Wingdings" pitchFamily="2" charset="2"/>
+              </a:rPr>
+              <a:t>自由時間（余暇：</a:t>
+            </a:r>
+            <a:r>
+              <a:rPr lang="en-US" altLang="ja-JP" sz="2800" dirty="0">
+                <a:sym typeface="Wingdings" pitchFamily="2" charset="2"/>
+              </a:rPr>
+              <a:t>leisure</a:t>
+            </a:r>
+            <a:r>
+              <a:rPr lang="ja-JP" altLang="en-US" sz="2800" dirty="0">
+                <a:sym typeface="Wingdings" pitchFamily="2" charset="2"/>
+              </a:rPr>
+              <a:t>）の減少</a:t>
+            </a:r>
+          </a:p>
+          <a:p>
+            <a:pPr>
+              <a:lnSpc>
+                <a:spcPct val="80000"/>
+              </a:lnSpc>
+            </a:pPr>
+            <a:r>
+              <a:rPr lang="ja-JP" altLang="en-US" sz="2800" dirty="0"/>
+              <a:t>労働</a:t>
+            </a:r>
+            <a:r>
+              <a:rPr lang="ja-JP" altLang="en-US" sz="2800" dirty="0">
+                <a:sym typeface="Wingdings" pitchFamily="2" charset="2"/>
+              </a:rPr>
+              <a:t>金銭的な所得の獲得消費支出</a:t>
+            </a:r>
+          </a:p>
+          <a:p>
+            <a:pPr>
+              <a:lnSpc>
+                <a:spcPct val="80000"/>
+              </a:lnSpc>
+            </a:pPr>
+            <a:endParaRPr lang="ja-JP" altLang="en-US" sz="2800" dirty="0">
+              <a:sym typeface="Wingdings" pitchFamily="2" charset="2"/>
+            </a:endParaRPr>
+          </a:p>
+          <a:p>
+            <a:pPr>
+              <a:lnSpc>
+                <a:spcPct val="80000"/>
+              </a:lnSpc>
+              <a:buFont typeface="Wingdings" pitchFamily="2" charset="2"/>
+              <a:buNone/>
+            </a:pPr>
+            <a:r>
+              <a:rPr lang="ja-JP" altLang="en-US" sz="2800" i="1" dirty="0">
+                <a:latin typeface="Times New Roman" pitchFamily="18" charset="0"/>
+                <a:sym typeface="Wingdings" pitchFamily="2" charset="2"/>
+              </a:rPr>
+              <a:t>	</a:t>
+            </a:r>
+            <a:r>
+              <a:rPr lang="en-US" altLang="ja-JP" sz="2800" i="1" dirty="0">
+                <a:latin typeface="Times New Roman" pitchFamily="18" charset="0"/>
+                <a:sym typeface="Wingdings" pitchFamily="2" charset="2"/>
+              </a:rPr>
+              <a:t>U</a:t>
+            </a:r>
+            <a:r>
+              <a:rPr lang="en-US" altLang="ja-JP" sz="2800" dirty="0">
+                <a:latin typeface="Times New Roman" pitchFamily="18" charset="0"/>
+                <a:sym typeface="Wingdings" pitchFamily="2" charset="2"/>
+              </a:rPr>
+              <a:t>(</a:t>
+            </a:r>
+            <a:r>
+              <a:rPr lang="en-US" altLang="ja-JP" sz="2800" i="1" dirty="0">
+                <a:latin typeface="Times New Roman" pitchFamily="18" charset="0"/>
+                <a:sym typeface="Wingdings" pitchFamily="2" charset="2"/>
+              </a:rPr>
+              <a:t>C</a:t>
+            </a:r>
+            <a:r>
+              <a:rPr lang="en-US" altLang="ja-JP" sz="2800" dirty="0">
+                <a:latin typeface="Times New Roman" pitchFamily="18" charset="0"/>
+                <a:sym typeface="Wingdings" pitchFamily="2" charset="2"/>
+              </a:rPr>
+              <a:t>, </a:t>
+            </a:r>
+            <a:r>
+              <a:rPr lang="en-US" altLang="ja-JP" sz="2800" i="1" dirty="0">
+                <a:latin typeface="Times New Roman" pitchFamily="18" charset="0"/>
+                <a:sym typeface="Wingdings" pitchFamily="2" charset="2"/>
+              </a:rPr>
+              <a:t>l </a:t>
+            </a:r>
+            <a:r>
+              <a:rPr lang="en-US" altLang="ja-JP" sz="2800" dirty="0">
+                <a:latin typeface="Times New Roman" pitchFamily="18" charset="0"/>
+                <a:sym typeface="Wingdings" pitchFamily="2" charset="2"/>
+              </a:rPr>
+              <a:t>)		</a:t>
+            </a:r>
+            <a:r>
+              <a:rPr lang="ja-JP" altLang="en-US" sz="2800" dirty="0">
+                <a:latin typeface="Times New Roman" pitchFamily="18" charset="0"/>
+                <a:sym typeface="Wingdings" pitchFamily="2" charset="2"/>
+              </a:rPr>
+              <a:t>効用関数</a:t>
+            </a:r>
+          </a:p>
+          <a:p>
+            <a:pPr>
+              <a:lnSpc>
+                <a:spcPct val="80000"/>
+              </a:lnSpc>
+              <a:buFont typeface="Wingdings" pitchFamily="2" charset="2"/>
+              <a:buNone/>
+            </a:pPr>
+            <a:r>
+              <a:rPr lang="ja-JP" altLang="en-US" sz="2800" i="1" dirty="0">
+                <a:latin typeface="Times New Roman" pitchFamily="18" charset="0"/>
+                <a:sym typeface="Wingdings" pitchFamily="2" charset="2"/>
+              </a:rPr>
+              <a:t>	</a:t>
+            </a:r>
+            <a:r>
+              <a:rPr lang="en-US" altLang="ja-JP" sz="2800" i="1" dirty="0">
+                <a:latin typeface="Times New Roman" pitchFamily="18" charset="0"/>
+                <a:sym typeface="Wingdings" pitchFamily="2" charset="2"/>
+              </a:rPr>
+              <a:t>p C </a:t>
+            </a:r>
+            <a:r>
+              <a:rPr lang="en-US" altLang="ja-JP" sz="2800" dirty="0">
+                <a:latin typeface="Times New Roman" pitchFamily="18" charset="0"/>
+                <a:sym typeface="Wingdings" pitchFamily="2" charset="2"/>
+              </a:rPr>
+              <a:t>= </a:t>
+            </a:r>
+            <a:r>
+              <a:rPr lang="en-US" altLang="ja-JP" sz="2800" i="1" dirty="0">
+                <a:latin typeface="Times New Roman" pitchFamily="18" charset="0"/>
+                <a:sym typeface="Wingdings" pitchFamily="2" charset="2"/>
+              </a:rPr>
+              <a:t>w h		</a:t>
+            </a:r>
+            <a:r>
+              <a:rPr lang="ja-JP" altLang="en-US" sz="2800" dirty="0">
+                <a:latin typeface="Times New Roman" pitchFamily="18" charset="0"/>
+                <a:sym typeface="Wingdings" pitchFamily="2" charset="2"/>
+              </a:rPr>
+              <a:t>（狭義の）予算制約</a:t>
+            </a:r>
+            <a:endParaRPr lang="ja-JP" altLang="en-US" sz="2800" i="1" dirty="0">
+              <a:latin typeface="Times New Roman" pitchFamily="18" charset="0"/>
+              <a:sym typeface="Wingdings" pitchFamily="2" charset="2"/>
+            </a:endParaRPr>
+          </a:p>
+          <a:p>
+            <a:pPr>
+              <a:lnSpc>
+                <a:spcPct val="80000"/>
+              </a:lnSpc>
+              <a:buFont typeface="Wingdings" pitchFamily="2" charset="2"/>
+              <a:buNone/>
+            </a:pPr>
+            <a:r>
+              <a:rPr lang="ja-JP" altLang="en-US" sz="2800" i="1" dirty="0">
+                <a:latin typeface="Times New Roman" pitchFamily="18" charset="0"/>
+                <a:sym typeface="Wingdings" pitchFamily="2" charset="2"/>
+              </a:rPr>
+              <a:t>	</a:t>
+            </a:r>
+            <a:r>
+              <a:rPr lang="en-US" altLang="ja-JP" sz="2800" i="1" dirty="0">
+                <a:latin typeface="Times New Roman" pitchFamily="18" charset="0"/>
+                <a:sym typeface="Wingdings" pitchFamily="2" charset="2"/>
+              </a:rPr>
+              <a:t>h  </a:t>
+            </a:r>
+            <a:r>
+              <a:rPr lang="en-US" altLang="ja-JP" sz="2800" dirty="0">
+                <a:latin typeface="Times New Roman" pitchFamily="18" charset="0"/>
+                <a:sym typeface="Wingdings" pitchFamily="2" charset="2"/>
+              </a:rPr>
+              <a:t>+</a:t>
+            </a:r>
+            <a:r>
+              <a:rPr lang="en-US" altLang="ja-JP" sz="2800" i="1" dirty="0">
+                <a:latin typeface="Times New Roman" pitchFamily="18" charset="0"/>
+                <a:sym typeface="Wingdings" pitchFamily="2" charset="2"/>
+              </a:rPr>
+              <a:t>l </a:t>
+            </a:r>
+            <a:r>
+              <a:rPr lang="en-US" altLang="ja-JP" sz="2800" dirty="0">
+                <a:latin typeface="Times New Roman" pitchFamily="18" charset="0"/>
+                <a:sym typeface="Wingdings" pitchFamily="2" charset="2"/>
+              </a:rPr>
+              <a:t>= </a:t>
+            </a:r>
+            <a:r>
+              <a:rPr lang="en-US" altLang="ja-JP" sz="2800" i="1" dirty="0">
+                <a:latin typeface="Times New Roman" pitchFamily="18" charset="0"/>
+                <a:sym typeface="Wingdings" pitchFamily="2" charset="2"/>
+              </a:rPr>
+              <a:t>T		</a:t>
+            </a:r>
+            <a:r>
+              <a:rPr lang="ja-JP" altLang="en-US" sz="2800" dirty="0">
+                <a:latin typeface="Times New Roman" pitchFamily="18" charset="0"/>
+                <a:sym typeface="Wingdings" pitchFamily="2" charset="2"/>
+              </a:rPr>
+              <a:t>時間の制約</a:t>
+            </a:r>
+            <a:endParaRPr lang="en-US" altLang="ja-JP" sz="2800" dirty="0">
+              <a:latin typeface="Times New Roman" pitchFamily="18" charset="0"/>
+              <a:sym typeface="Wingdings" pitchFamily="2" charset="2"/>
+            </a:endParaRPr>
+          </a:p>
+          <a:p>
+            <a:pPr>
+              <a:lnSpc>
+                <a:spcPct val="80000"/>
+              </a:lnSpc>
+              <a:buFont typeface="Wingdings" pitchFamily="2" charset="2"/>
+              <a:buNone/>
+            </a:pPr>
+            <a:r>
+              <a:rPr lang="ja-JP" altLang="en-US" sz="2800" dirty="0">
+                <a:latin typeface="Times New Roman" pitchFamily="18" charset="0"/>
+                <a:sym typeface="Wingdings" pitchFamily="2" charset="2"/>
+              </a:rPr>
+              <a:t>→時間は</a:t>
+            </a:r>
+            <a:r>
+              <a:rPr lang="en-US" altLang="ja-JP" sz="2800" dirty="0">
+                <a:latin typeface="Times New Roman" pitchFamily="18" charset="0"/>
+                <a:sym typeface="Wingdings" pitchFamily="2" charset="2"/>
+              </a:rPr>
+              <a:t>T  </a:t>
+            </a:r>
+            <a:r>
+              <a:rPr lang="ja-JP" altLang="en-US" sz="2800" dirty="0">
+                <a:latin typeface="Times New Roman" pitchFamily="18" charset="0"/>
+                <a:sym typeface="Wingdings" pitchFamily="2" charset="2"/>
+              </a:rPr>
+              <a:t>で表される、</a:t>
+            </a:r>
+            <a:r>
+              <a:rPr lang="en-US" altLang="ja-JP" sz="2800" dirty="0">
+                <a:latin typeface="Times New Roman" pitchFamily="18" charset="0"/>
+                <a:sym typeface="Wingdings" pitchFamily="2" charset="2"/>
+              </a:rPr>
+              <a:t>16</a:t>
+            </a:r>
+            <a:r>
+              <a:rPr lang="ja-JP" altLang="en-US" sz="2800" dirty="0">
+                <a:latin typeface="Times New Roman" pitchFamily="18" charset="0"/>
+                <a:sym typeface="Wingdings" pitchFamily="2" charset="2"/>
+              </a:rPr>
+              <a:t>時間ぐらいが利用可能</a:t>
+            </a:r>
+            <a:endParaRPr lang="en-US" altLang="ja-JP" sz="2800" dirty="0">
+              <a:latin typeface="Times New Roman" pitchFamily="18" charset="0"/>
+              <a:sym typeface="Wingdings" pitchFamily="2" charset="2"/>
+            </a:endParaRPr>
+          </a:p>
+          <a:p>
+            <a:pPr>
+              <a:lnSpc>
+                <a:spcPct val="80000"/>
+              </a:lnSpc>
+              <a:buFont typeface="Wingdings" pitchFamily="2" charset="2"/>
+              <a:buNone/>
+            </a:pPr>
+            <a:r>
+              <a:rPr lang="en-US" altLang="ja-JP" sz="2800" dirty="0">
+                <a:latin typeface="Times New Roman" pitchFamily="18" charset="0"/>
+                <a:sym typeface="Wingdings" pitchFamily="2" charset="2"/>
+              </a:rPr>
+              <a:t>	</a:t>
+            </a:r>
+            <a:r>
+              <a:rPr lang="ja-JP" altLang="en-US" sz="2800" dirty="0">
+                <a:latin typeface="Times New Roman" pitchFamily="18" charset="0"/>
+                <a:sym typeface="Wingdings" pitchFamily="2" charset="2"/>
+              </a:rPr>
+              <a:t>→</a:t>
+            </a:r>
+            <a:r>
+              <a:rPr lang="en-US" altLang="ja-JP" sz="2800" dirty="0">
+                <a:latin typeface="Times New Roman" pitchFamily="18" charset="0"/>
+                <a:sym typeface="Wingdings" pitchFamily="2" charset="2"/>
+              </a:rPr>
+              <a:t>l</a:t>
+            </a:r>
+            <a:r>
+              <a:rPr lang="ja-JP" altLang="en-US" sz="2800" dirty="0">
+                <a:latin typeface="Times New Roman" pitchFamily="18" charset="0"/>
+                <a:sym typeface="Wingdings" pitchFamily="2" charset="2"/>
+              </a:rPr>
+              <a:t>の決定は、労働時間の決定でもある</a:t>
+            </a:r>
+          </a:p>
+          <a:p>
+            <a:pPr>
+              <a:lnSpc>
+                <a:spcPct val="80000"/>
+              </a:lnSpc>
+              <a:buFont typeface="Wingdings" pitchFamily="2" charset="2"/>
+              <a:buNone/>
+            </a:pPr>
+            <a:endParaRPr lang="ja-JP" altLang="en-US" sz="2800" dirty="0">
+              <a:latin typeface="Times New Roman" pitchFamily="18" charset="0"/>
+              <a:sym typeface="Wingdings" pitchFamily="2" charset="2"/>
+            </a:endParaRPr>
+          </a:p>
+          <a:p>
+            <a:pPr>
+              <a:lnSpc>
+                <a:spcPct val="80000"/>
+              </a:lnSpc>
+              <a:buFont typeface="Wingdings" pitchFamily="2" charset="2"/>
+              <a:buNone/>
+            </a:pPr>
+            <a:r>
+              <a:rPr lang="en-US" altLang="ja-JP" sz="2800" i="1" dirty="0">
+                <a:latin typeface="Times New Roman" pitchFamily="18" charset="0"/>
+                <a:sym typeface="Wingdings" pitchFamily="2" charset="2"/>
+              </a:rPr>
+              <a:t>p</a:t>
+            </a:r>
+            <a:r>
+              <a:rPr lang="en-US" altLang="ja-JP" sz="2800" dirty="0">
+                <a:latin typeface="Times New Roman" pitchFamily="18" charset="0"/>
+                <a:sym typeface="Wingdings" pitchFamily="2" charset="2"/>
+              </a:rPr>
+              <a:t>:</a:t>
+            </a:r>
+            <a:r>
+              <a:rPr lang="ja-JP" altLang="en-US" sz="2800" dirty="0">
+                <a:latin typeface="Times New Roman" pitchFamily="18" charset="0"/>
+                <a:sym typeface="Wingdings" pitchFamily="2" charset="2"/>
+              </a:rPr>
+              <a:t>消費財の価格　</a:t>
+            </a:r>
+            <a:r>
+              <a:rPr lang="en-US" altLang="ja-JP" sz="2800" i="1" dirty="0">
+                <a:latin typeface="Times New Roman" pitchFamily="18" charset="0"/>
+                <a:sym typeface="Wingdings" pitchFamily="2" charset="2"/>
+              </a:rPr>
+              <a:t>C</a:t>
+            </a:r>
+            <a:r>
+              <a:rPr lang="ja-JP" altLang="en-US" sz="2800" dirty="0">
+                <a:latin typeface="Times New Roman" pitchFamily="18" charset="0"/>
+                <a:sym typeface="Wingdings" pitchFamily="2" charset="2"/>
+              </a:rPr>
+              <a:t>：消費　</a:t>
+            </a:r>
+            <a:r>
+              <a:rPr lang="en-US" altLang="ja-JP" sz="2800" i="1" dirty="0">
+                <a:latin typeface="Times New Roman" pitchFamily="18" charset="0"/>
+                <a:sym typeface="Wingdings" pitchFamily="2" charset="2"/>
+              </a:rPr>
+              <a:t>w</a:t>
+            </a:r>
+            <a:r>
+              <a:rPr lang="en-US" altLang="ja-JP" sz="2800" dirty="0">
+                <a:latin typeface="Times New Roman" pitchFamily="18" charset="0"/>
+                <a:sym typeface="Wingdings" pitchFamily="2" charset="2"/>
+              </a:rPr>
+              <a:t>:</a:t>
+            </a:r>
+            <a:r>
+              <a:rPr lang="ja-JP" altLang="en-US" sz="2800" dirty="0">
+                <a:latin typeface="Times New Roman" pitchFamily="18" charset="0"/>
+                <a:sym typeface="Wingdings" pitchFamily="2" charset="2"/>
+              </a:rPr>
+              <a:t>賃金率　</a:t>
+            </a:r>
+            <a:r>
+              <a:rPr lang="en-US" altLang="ja-JP" sz="2800" i="1" dirty="0">
+                <a:latin typeface="Times New Roman" pitchFamily="18" charset="0"/>
+                <a:sym typeface="Wingdings" pitchFamily="2" charset="2"/>
+              </a:rPr>
+              <a:t>h</a:t>
+            </a:r>
+            <a:r>
+              <a:rPr lang="ja-JP" altLang="en-US" sz="2800" dirty="0">
+                <a:latin typeface="Times New Roman" pitchFamily="18" charset="0"/>
+                <a:sym typeface="Wingdings" pitchFamily="2" charset="2"/>
+              </a:rPr>
+              <a:t>：労働時間</a:t>
+            </a:r>
+            <a:endParaRPr lang="ja-JP" altLang="en-US" sz="2800" i="1" dirty="0">
+              <a:latin typeface="Times New Roman" pitchFamily="18" charset="0"/>
+              <a:sym typeface="Wingdings" pitchFamily="2" charset="2"/>
+            </a:endParaRPr>
+          </a:p>
+          <a:p>
+            <a:pPr>
+              <a:lnSpc>
+                <a:spcPct val="80000"/>
+              </a:lnSpc>
+              <a:buFont typeface="Wingdings" pitchFamily="2" charset="2"/>
+              <a:buNone/>
+            </a:pPr>
+            <a:r>
+              <a:rPr lang="en-US" altLang="ja-JP" sz="2800" i="1" dirty="0">
+                <a:latin typeface="Times New Roman" pitchFamily="18" charset="0"/>
+              </a:rPr>
+              <a:t>l</a:t>
+            </a:r>
+            <a:r>
+              <a:rPr lang="ja-JP" altLang="en-US" sz="2800" dirty="0">
+                <a:latin typeface="Times New Roman" pitchFamily="18" charset="0"/>
+              </a:rPr>
+              <a:t>：余暇時間　</a:t>
+            </a:r>
+            <a:r>
+              <a:rPr lang="en-US" altLang="ja-JP" sz="2800" i="1" dirty="0">
+                <a:latin typeface="Times New Roman" pitchFamily="18" charset="0"/>
+              </a:rPr>
               <a:t>T</a:t>
             </a:r>
             <a:r>
-              <a:rPr lang="ja-JP" altLang="en-US" sz="1100" dirty="0"/>
-              <a:t> </a:t>
-            </a:r>
-            <a:r>
-              <a:rPr lang="en-US" altLang="ja-JP" sz="1100" dirty="0"/>
-              <a:t>(3)</a:t>
-            </a:r>
+              <a:rPr lang="en-US" altLang="ja-JP" sz="2800" dirty="0">
+                <a:latin typeface="Times New Roman" pitchFamily="18" charset="0"/>
+              </a:rPr>
+              <a:t>:</a:t>
+            </a:r>
+            <a:r>
+              <a:rPr lang="ja-JP" altLang="en-US" sz="2800" dirty="0">
+                <a:latin typeface="Times New Roman" pitchFamily="18" charset="0"/>
+              </a:rPr>
+              <a:t>利用可能時間</a:t>
+            </a:r>
+            <a:endParaRPr lang="ja-JP" altLang="en-US" sz="2800" i="1" dirty="0">
+              <a:latin typeface="Times New Roman" pitchFamily="18" charset="0"/>
+            </a:endParaRPr>
           </a:p>
         </p:txBody>
       </p:sp>
     </p:spTree>
     <p:extLst>
       <p:ext uri="{BB962C8B-B14F-4D97-AF65-F5344CB8AC3E}">
-        <p14:creationId xmlns:p14="http://schemas.microsoft.com/office/powerpoint/2010/main" val="139691218"/>
+        <p14:creationId xmlns:p14="http://schemas.microsoft.com/office/powerpoint/2010/main" val="3415868443"/>
       </p:ext>
     </p:extLst>
   </p:cSld>
@@ -8859,6 +8825,198 @@
       </p:grpSpPr>
       <p:sp>
         <p:nvSpPr>
+          <p:cNvPr id="2" name="Title 1">
+            <a:extLst>
+              <a:ext uri="{FF2B5EF4-FFF2-40B4-BE49-F238E27FC236}">
+                <a16:creationId xmlns:a16="http://schemas.microsoft.com/office/drawing/2014/main" id="{679A815B-0496-4247-9DF1-0027D156A453}"/>
+              </a:ext>
+            </a:extLst>
+          </p:cNvPr>
+          <p:cNvSpPr>
+            <a:spLocks noGrp="1"/>
+          </p:cNvSpPr>
+          <p:nvPr>
+            <p:ph type="title"/>
+          </p:nvPr>
+        </p:nvSpPr>
+        <p:spPr/>
+        <p:txBody>
+          <a:bodyPr/>
+          <a:lstStyle/>
+          <a:p>
+            <a:endParaRPr lang="en-US"/>
+          </a:p>
+        </p:txBody>
+      </p:sp>
+      <p:sp>
+        <p:nvSpPr>
+          <p:cNvPr id="3" name="Content Placeholder 2">
+            <a:extLst>
+              <a:ext uri="{FF2B5EF4-FFF2-40B4-BE49-F238E27FC236}">
+                <a16:creationId xmlns:a16="http://schemas.microsoft.com/office/drawing/2014/main" id="{00FAB3AA-7E9F-9243-9CA4-563C009FE88C}"/>
+              </a:ext>
+            </a:extLst>
+          </p:cNvPr>
+          <p:cNvSpPr>
+            <a:spLocks noGrp="1"/>
+          </p:cNvSpPr>
+          <p:nvPr>
+            <p:ph idx="1"/>
+          </p:nvPr>
+        </p:nvSpPr>
+        <p:spPr/>
+        <p:txBody>
+          <a:bodyPr>
+            <a:normAutofit/>
+          </a:bodyPr>
+          <a:lstStyle/>
+          <a:p>
+            <a:r>
+              <a:rPr lang="en-US" sz="1100" dirty="0"/>
+              <a:t>P</a:t>
+            </a:r>
+            <a:r>
+              <a:rPr lang="ja-JP" altLang="en-US" sz="1100" dirty="0"/>
+              <a:t>・</a:t>
+            </a:r>
+            <a:r>
+              <a:rPr lang="en-US" altLang="ja-JP" sz="1100" dirty="0"/>
+              <a:t>C = w </a:t>
+            </a:r>
+            <a:r>
+              <a:rPr lang="ja-JP" altLang="en-US" sz="1100" dirty="0"/>
+              <a:t>・ </a:t>
+            </a:r>
+            <a:r>
+              <a:rPr lang="en-US" altLang="ja-JP" sz="1100" dirty="0"/>
+              <a:t>h …..(1)</a:t>
+            </a:r>
+          </a:p>
+          <a:p>
+            <a:r>
+              <a:rPr lang="en-US" sz="1100" dirty="0"/>
+              <a:t>L + h = T ……(2)</a:t>
+            </a:r>
+          </a:p>
+          <a:p>
+            <a:r>
+              <a:rPr lang="en-US" sz="1100" dirty="0"/>
+              <a:t>H = T – l (2)’</a:t>
+            </a:r>
+          </a:p>
+          <a:p>
+            <a:r>
+              <a:rPr lang="en-US" sz="1100" dirty="0"/>
+              <a:t>(2)’</a:t>
+            </a:r>
+            <a:r>
+              <a:rPr lang="ja-JP" altLang="en-US" sz="1100" dirty="0"/>
+              <a:t>を</a:t>
+            </a:r>
+            <a:r>
+              <a:rPr lang="en-US" altLang="ja-JP" sz="1100" dirty="0"/>
+              <a:t>(1)</a:t>
+            </a:r>
+            <a:r>
+              <a:rPr lang="ja-JP" altLang="en-US" sz="1100" dirty="0"/>
+              <a:t>に代入</a:t>
+            </a:r>
+            <a:endParaRPr lang="en-US" altLang="ja-JP" sz="1100" dirty="0"/>
+          </a:p>
+          <a:p>
+            <a:r>
+              <a:rPr lang="en-US" altLang="ja-JP" sz="1100" dirty="0"/>
+              <a:t>P</a:t>
+            </a:r>
+            <a:r>
+              <a:rPr lang="ja-JP" altLang="en-US" sz="1100" dirty="0"/>
+              <a:t>・</a:t>
+            </a:r>
+            <a:r>
+              <a:rPr lang="en-US" altLang="ja-JP" sz="1100" dirty="0"/>
+              <a:t>C = w</a:t>
+            </a:r>
+            <a:r>
+              <a:rPr lang="ja-JP" altLang="en-US" sz="1100" dirty="0"/>
+              <a:t>・</a:t>
+            </a:r>
+            <a:r>
+              <a:rPr lang="en-US" altLang="ja-JP" sz="1100" dirty="0"/>
+              <a:t>(T – l)</a:t>
+            </a:r>
+          </a:p>
+          <a:p>
+            <a:r>
+              <a:rPr lang="en-US" altLang="ja-JP" sz="1100" dirty="0"/>
+              <a:t>P </a:t>
+            </a:r>
+            <a:r>
+              <a:rPr lang="ja-JP" altLang="en-US" sz="1100" dirty="0"/>
+              <a:t>・ </a:t>
+            </a:r>
+            <a:r>
+              <a:rPr lang="en-US" altLang="ja-JP" sz="1100" dirty="0"/>
+              <a:t>C + w</a:t>
+            </a:r>
+            <a:r>
+              <a:rPr lang="ja-JP" altLang="en-US" sz="1100" dirty="0"/>
+              <a:t>・</a:t>
+            </a:r>
+            <a:r>
+              <a:rPr lang="en-US" altLang="ja-JP" sz="1100" dirty="0"/>
+              <a:t>l = w </a:t>
+            </a:r>
+            <a:r>
+              <a:rPr lang="ja-JP" altLang="en-US" sz="1100" dirty="0"/>
+              <a:t>・ </a:t>
+            </a:r>
+            <a:r>
+              <a:rPr lang="en-US" altLang="ja-JP" sz="1100" dirty="0"/>
+              <a:t>T</a:t>
+            </a:r>
+            <a:r>
+              <a:rPr lang="ja-JP" altLang="en-US" sz="1100" dirty="0"/>
+              <a:t> </a:t>
+            </a:r>
+            <a:r>
+              <a:rPr lang="en-US" altLang="ja-JP" sz="1100" dirty="0"/>
+              <a:t>(3)</a:t>
+            </a:r>
+          </a:p>
+        </p:txBody>
+      </p:sp>
+    </p:spTree>
+    <p:extLst>
+      <p:ext uri="{BB962C8B-B14F-4D97-AF65-F5344CB8AC3E}">
+        <p14:creationId xmlns:p14="http://schemas.microsoft.com/office/powerpoint/2010/main" val="139691218"/>
+      </p:ext>
+    </p:extLst>
+  </p:cSld>
+  <p:clrMapOvr>
+    <a:masterClrMapping/>
+  </p:clrMapOvr>
+</p:sld>
+</file>
+
+<file path=ppt/slides/slide18.xml><?xml version="1.0" encoding="utf-8"?>
+<p:sld xmlns:a="http://schemas.openxmlformats.org/drawingml/2006/main" xmlns:r="http://schemas.openxmlformats.org/officeDocument/2006/relationships" xmlns:p="http://schemas.openxmlformats.org/presentationml/2006/main">
+  <p:cSld>
+    <p:spTree>
+      <p:nvGrpSpPr>
+        <p:cNvPr id="1" name=""/>
+        <p:cNvGrpSpPr/>
+        <p:nvPr/>
+      </p:nvGrpSpPr>
+      <p:grpSpPr>
+        <a:xfrm>
+          <a:off x="0" y="0"/>
+          <a:ext cx="0" cy="0"/>
+          <a:chOff x="0" y="0"/>
+          <a:chExt cx="0" cy="0"/>
+        </a:xfrm>
+      </p:grpSpPr>
+      <p:sp>
+        <p:nvSpPr>
           <p:cNvPr id="41986" name="Rectangle 2"/>
           <p:cNvSpPr>
             <a:spLocks noGrp="1" noChangeArrowheads="1"/>
@@ -9536,7 +9694,7 @@
 </p:sld>
 </file>
 
-<file path=ppt/slides/slide18.xml><?xml version="1.0" encoding="utf-8"?>
+<file path=ppt/slides/slide19.xml><?xml version="1.0" encoding="utf-8"?>
 <p:sld xmlns:a="http://schemas.openxmlformats.org/drawingml/2006/main" xmlns:r="http://schemas.openxmlformats.org/officeDocument/2006/relationships" xmlns:p="http://schemas.openxmlformats.org/presentationml/2006/main">
   <p:cSld>
     <p:spTree>
@@ -10994,169 +11152,6 @@
 </p:sld>
 </file>
 
-<file path=ppt/slides/slide19.xml><?xml version="1.0" encoding="utf-8"?>
-<p:sld xmlns:a="http://schemas.openxmlformats.org/drawingml/2006/main" xmlns:r="http://schemas.openxmlformats.org/officeDocument/2006/relationships" xmlns:p="http://schemas.openxmlformats.org/presentationml/2006/main">
-  <p:cSld>
-    <p:spTree>
-      <p:nvGrpSpPr>
-        <p:cNvPr id="1" name=""/>
-        <p:cNvGrpSpPr/>
-        <p:nvPr/>
-      </p:nvGrpSpPr>
-      <p:grpSpPr>
-        <a:xfrm>
-          <a:off x="0" y="0"/>
-          <a:ext cx="0" cy="0"/>
-          <a:chOff x="0" y="0"/>
-          <a:chExt cx="0" cy="0"/>
-        </a:xfrm>
-      </p:grpSpPr>
-      <p:sp>
-        <p:nvSpPr>
-          <p:cNvPr id="2" name="Title 1">
-            <a:extLst>
-              <a:ext uri="{FF2B5EF4-FFF2-40B4-BE49-F238E27FC236}">
-                <a16:creationId xmlns:a16="http://schemas.microsoft.com/office/drawing/2014/main" id="{B86FFF93-6434-2E44-BA0D-F934A7A4C590}"/>
-              </a:ext>
-            </a:extLst>
-          </p:cNvPr>
-          <p:cNvSpPr>
-            <a:spLocks noGrp="1"/>
-          </p:cNvSpPr>
-          <p:nvPr>
-            <p:ph type="title"/>
-          </p:nvPr>
-        </p:nvSpPr>
-        <p:spPr/>
-        <p:txBody>
-          <a:bodyPr/>
-          <a:lstStyle/>
-          <a:p>
-            <a:endParaRPr lang="en-US"/>
-          </a:p>
-        </p:txBody>
-      </p:sp>
-      <p:sp>
-        <p:nvSpPr>
-          <p:cNvPr id="3" name="Content Placeholder 2">
-            <a:extLst>
-              <a:ext uri="{FF2B5EF4-FFF2-40B4-BE49-F238E27FC236}">
-                <a16:creationId xmlns:a16="http://schemas.microsoft.com/office/drawing/2014/main" id="{7D7F58ED-AD28-394F-818C-F184E935900F}"/>
-              </a:ext>
-            </a:extLst>
-          </p:cNvPr>
-          <p:cNvSpPr>
-            <a:spLocks noGrp="1"/>
-          </p:cNvSpPr>
-          <p:nvPr>
-            <p:ph idx="1"/>
-          </p:nvPr>
-        </p:nvSpPr>
-        <p:spPr/>
-        <p:txBody>
-          <a:bodyPr>
-            <a:normAutofit/>
-          </a:bodyPr>
-          <a:lstStyle/>
-          <a:p>
-            <a:pPr marL="0" indent="0">
-              <a:buNone/>
-            </a:pPr>
-            <a:r>
-              <a:rPr lang="en-US" sz="1200" dirty="0"/>
-              <a:t> h = T – l</a:t>
-            </a:r>
-          </a:p>
-          <a:p>
-            <a:pPr marL="0" indent="0">
-              <a:buNone/>
-            </a:pPr>
-            <a:r>
-              <a:rPr lang="ja-JP" altLang="en-US" sz="1200" dirty="0"/>
-              <a:t>労働時間は</a:t>
-            </a:r>
-            <a:r>
-              <a:rPr lang="en-US" altLang="ja-JP" sz="1200" dirty="0"/>
-              <a:t>x</a:t>
-            </a:r>
-            <a:r>
-              <a:rPr lang="ja-JP" altLang="en-US" sz="1200" dirty="0"/>
-              <a:t>切片</a:t>
-            </a:r>
-            <a:r>
-              <a:rPr lang="en-US" altLang="ja-JP" sz="1200" dirty="0"/>
-              <a:t>T</a:t>
-            </a:r>
-            <a:r>
-              <a:rPr lang="ja-JP" altLang="en-US" sz="1200" dirty="0"/>
-              <a:t>を原点として、</a:t>
-            </a:r>
-            <a:r>
-              <a:rPr lang="en-US" altLang="ja-JP" sz="1200" dirty="0"/>
-              <a:t>l</a:t>
-            </a:r>
-            <a:r>
-              <a:rPr lang="ja-JP" altLang="en-US" sz="1200" dirty="0"/>
-              <a:t>を引いて</a:t>
-            </a:r>
-            <a:r>
-              <a:rPr lang="en-US" altLang="ja-JP" sz="1200" dirty="0"/>
-              <a:t>h</a:t>
-            </a:r>
-            <a:r>
-              <a:rPr lang="ja-JP" altLang="en-US" sz="1200" dirty="0"/>
-              <a:t>の長さでてくる</a:t>
-            </a:r>
-            <a:endParaRPr lang="en-US" altLang="ja-JP" sz="1200" dirty="0"/>
-          </a:p>
-          <a:p>
-            <a:pPr marL="0" indent="0">
-              <a:buNone/>
-            </a:pPr>
-            <a:r>
-              <a:rPr lang="ja-JP" altLang="en-US" sz="1200" dirty="0"/>
-              <a:t>→予讃線の傾き</a:t>
-            </a:r>
-            <a:endParaRPr lang="en-US" altLang="ja-JP" sz="1200" dirty="0"/>
-          </a:p>
-          <a:p>
-            <a:pPr marL="0" indent="0">
-              <a:buNone/>
-            </a:pPr>
-            <a:r>
-              <a:rPr lang="en-US" altLang="ja-JP" sz="1200" dirty="0"/>
-              <a:t>	</a:t>
-            </a:r>
-            <a:r>
-              <a:rPr lang="ja-JP" altLang="en-US" sz="1200" dirty="0"/>
-              <a:t>→横軸と縦軸の財の価格</a:t>
-            </a:r>
-            <a:endParaRPr lang="en-US" altLang="ja-JP" sz="1200" dirty="0"/>
-          </a:p>
-          <a:p>
-            <a:pPr marL="0" indent="0">
-              <a:buNone/>
-            </a:pPr>
-            <a:r>
-              <a:rPr lang="en-US" altLang="ja-JP" sz="1200" dirty="0"/>
-              <a:t>		</a:t>
-            </a:r>
-          </a:p>
-        </p:txBody>
-      </p:sp>
-    </p:spTree>
-    <p:extLst>
-      <p:ext uri="{BB962C8B-B14F-4D97-AF65-F5344CB8AC3E}">
-        <p14:creationId xmlns:p14="http://schemas.microsoft.com/office/powerpoint/2010/main" val="3773255540"/>
-      </p:ext>
-    </p:extLst>
-  </p:cSld>
-  <p:clrMapOvr>
-    <a:masterClrMapping/>
-  </p:clrMapOvr>
-</p:sld>
-</file>
-
 <file path=ppt/slides/slide2.xml><?xml version="1.0" encoding="utf-8"?>
 <p:sld xmlns:a="http://schemas.openxmlformats.org/drawingml/2006/main" xmlns:r="http://schemas.openxmlformats.org/officeDocument/2006/relationships" xmlns:p="http://schemas.openxmlformats.org/presentationml/2006/main">
   <p:cSld>
@@ -11620,9 +11615,15 @@
       </p:grpSpPr>
       <p:sp>
         <p:nvSpPr>
-          <p:cNvPr id="22530" name="Rectangle 2"/>
+          <p:cNvPr id="2" name="Title 1">
+            <a:extLst>
+              <a:ext uri="{FF2B5EF4-FFF2-40B4-BE49-F238E27FC236}">
+                <a16:creationId xmlns:a16="http://schemas.microsoft.com/office/drawing/2014/main" id="{B86FFF93-6434-2E44-BA0D-F934A7A4C590}"/>
+              </a:ext>
+            </a:extLst>
+          </p:cNvPr>
           <p:cNvSpPr>
-            <a:spLocks noGrp="1" noChangeArrowheads="1"/>
+            <a:spLocks noGrp="1"/>
           </p:cNvSpPr>
           <p:nvPr>
             <p:ph type="title"/>
@@ -11633,18 +11634,21 @@
           <a:bodyPr/>
           <a:lstStyle/>
           <a:p>
-            <a:r>
-              <a:rPr lang="ja-JP" altLang="en-US"/>
-              <a:t>労働供給の決定：練習問題</a:t>
-            </a:r>
-          </a:p>
-        </p:txBody>
-      </p:sp>
-      <p:sp>
-        <p:nvSpPr>
-          <p:cNvPr id="22531" name="Rectangle 3"/>
+            <a:endParaRPr lang="en-US"/>
+          </a:p>
+        </p:txBody>
+      </p:sp>
+      <p:sp>
+        <p:nvSpPr>
+          <p:cNvPr id="3" name="Content Placeholder 2">
+            <a:extLst>
+              <a:ext uri="{FF2B5EF4-FFF2-40B4-BE49-F238E27FC236}">
+                <a16:creationId xmlns:a16="http://schemas.microsoft.com/office/drawing/2014/main" id="{7D7F58ED-AD28-394F-818C-F184E935900F}"/>
+              </a:ext>
+            </a:extLst>
+          </p:cNvPr>
           <p:cNvSpPr>
-            <a:spLocks noGrp="1" noChangeArrowheads="1"/>
+            <a:spLocks noGrp="1"/>
           </p:cNvSpPr>
           <p:nvPr>
             <p:ph idx="1"/>
@@ -11653,248 +11657,99 @@
         <p:spPr/>
         <p:txBody>
           <a:bodyPr>
-            <a:normAutofit fontScale="62500" lnSpcReduction="20000"/>
+            <a:normAutofit/>
           </a:bodyPr>
           <a:lstStyle/>
           <a:p>
-            <a:pPr>
-              <a:lnSpc>
-                <a:spcPct val="90000"/>
-              </a:lnSpc>
-            </a:pPr>
-            <a:r>
-              <a:rPr lang="ja-JP" altLang="en-US" dirty="0"/>
-              <a:t>賃金率の変化は労働時間をどう変えるか。</a:t>
-            </a:r>
-          </a:p>
-          <a:p>
-            <a:pPr>
-              <a:lnSpc>
-                <a:spcPct val="90000"/>
-              </a:lnSpc>
-            </a:pPr>
-            <a:r>
-              <a:rPr lang="ja-JP" altLang="en-US" dirty="0"/>
-              <a:t>比例的な賃金税</a:t>
-            </a:r>
-            <a:r>
-              <a:rPr lang="en-US" altLang="ja-JP" dirty="0"/>
-              <a:t>(</a:t>
-            </a:r>
-            <a:r>
-              <a:rPr lang="ja-JP" altLang="en-US" dirty="0"/>
-              <a:t>労働所得が一定期間あたりで決まっている</a:t>
-            </a:r>
-            <a:r>
-              <a:rPr lang="en-US" altLang="ja-JP" dirty="0"/>
-              <a:t>)</a:t>
-            </a:r>
-            <a:r>
-              <a:rPr lang="ja-JP" altLang="en-US" dirty="0"/>
-              <a:t>は予算線をどう変化させるか。また，最適な労働時間はどう変化するか。</a:t>
-            </a:r>
-            <a:endParaRPr lang="en-US" altLang="ja-JP" dirty="0"/>
-          </a:p>
-          <a:p>
             <a:pPr marL="0" indent="0">
-              <a:lnSpc>
-                <a:spcPct val="90000"/>
-              </a:lnSpc>
               <a:buNone/>
             </a:pPr>
             <a:r>
-              <a:rPr lang="ja-JP" altLang="en-US" dirty="0"/>
-              <a:t>→</a:t>
-            </a:r>
-            <a:r>
-              <a:rPr lang="en-US" altLang="ja-JP" dirty="0"/>
-              <a:t>W</a:t>
-            </a:r>
-            <a:r>
-              <a:rPr lang="ja-JP" altLang="en-US" dirty="0"/>
-              <a:t>を下げる</a:t>
-            </a:r>
-            <a:endParaRPr lang="en-US" altLang="ja-JP" dirty="0"/>
+              <a:rPr lang="en-US" sz="1200" dirty="0"/>
+              <a:t> h = T – l</a:t>
+            </a:r>
           </a:p>
           <a:p>
             <a:pPr marL="0" indent="0">
-              <a:lnSpc>
-                <a:spcPct val="90000"/>
-              </a:lnSpc>
               <a:buNone/>
             </a:pPr>
             <a:r>
-              <a:rPr lang="en-US" altLang="ja-JP" dirty="0"/>
-              <a:t>	</a:t>
-            </a:r>
-            <a:r>
-              <a:rPr lang="ja-JP" altLang="en-US" dirty="0"/>
-              <a:t>→予讃線の傾きを緩やかにする</a:t>
-            </a:r>
-          </a:p>
-          <a:p>
-            <a:pPr>
-              <a:lnSpc>
-                <a:spcPct val="90000"/>
-              </a:lnSpc>
-            </a:pPr>
-            <a:r>
-              <a:rPr lang="ja-JP" altLang="en-US" dirty="0"/>
-              <a:t>消費税</a:t>
-            </a:r>
-            <a:r>
-              <a:rPr lang="en-US" altLang="ja-JP" dirty="0"/>
-              <a:t>(p</a:t>
-            </a:r>
-            <a:r>
-              <a:rPr lang="ja-JP" altLang="en-US" dirty="0"/>
-              <a:t>を割高にする）の増税は労働時間に影響を与えるだろうか。</a:t>
-            </a:r>
-            <a:endParaRPr lang="en-US" altLang="ja-JP" dirty="0"/>
+              <a:rPr lang="ja-JP" altLang="en-US" sz="1200" dirty="0"/>
+              <a:t>労働時間は</a:t>
+            </a:r>
+            <a:r>
+              <a:rPr lang="en-US" altLang="ja-JP" sz="1200" dirty="0"/>
+              <a:t>x</a:t>
+            </a:r>
+            <a:r>
+              <a:rPr lang="ja-JP" altLang="en-US" sz="1200" dirty="0"/>
+              <a:t>切片</a:t>
+            </a:r>
+            <a:r>
+              <a:rPr lang="en-US" altLang="ja-JP" sz="1200" dirty="0"/>
+              <a:t>T</a:t>
+            </a:r>
+            <a:r>
+              <a:rPr lang="ja-JP" altLang="en-US" sz="1200" dirty="0"/>
+              <a:t>を原点として、</a:t>
+            </a:r>
+            <a:r>
+              <a:rPr lang="en-US" altLang="ja-JP" sz="1200" dirty="0"/>
+              <a:t>l</a:t>
+            </a:r>
+            <a:r>
+              <a:rPr lang="ja-JP" altLang="en-US" sz="1200" dirty="0"/>
+              <a:t>を引いて</a:t>
+            </a:r>
+            <a:r>
+              <a:rPr lang="en-US" altLang="ja-JP" sz="1200" dirty="0"/>
+              <a:t>h</a:t>
+            </a:r>
+            <a:r>
+              <a:rPr lang="ja-JP" altLang="en-US" sz="1200" dirty="0"/>
+              <a:t>の長さでてくる</a:t>
+            </a:r>
+            <a:endParaRPr lang="en-US" altLang="ja-JP" sz="1200" dirty="0"/>
           </a:p>
           <a:p>
             <a:pPr marL="0" indent="0">
-              <a:lnSpc>
-                <a:spcPct val="90000"/>
-              </a:lnSpc>
               <a:buNone/>
             </a:pPr>
             <a:r>
-              <a:rPr lang="ja-JP" altLang="en-US" dirty="0"/>
-              <a:t>→</a:t>
-            </a:r>
-            <a:r>
-              <a:rPr lang="en-US" altLang="ja-JP" dirty="0"/>
-              <a:t>p</a:t>
-            </a:r>
-            <a:r>
-              <a:rPr lang="ja-JP" altLang="en-US" dirty="0"/>
-              <a:t>が割高になる</a:t>
-            </a:r>
-            <a:endParaRPr lang="en-US" altLang="ja-JP" dirty="0"/>
+              <a:rPr lang="ja-JP" altLang="en-US" sz="1200" dirty="0"/>
+              <a:t>→予讃線の傾き</a:t>
+            </a:r>
+            <a:endParaRPr lang="en-US" altLang="ja-JP" sz="1200" dirty="0"/>
           </a:p>
           <a:p>
             <a:pPr marL="0" indent="0">
-              <a:lnSpc>
-                <a:spcPct val="90000"/>
-              </a:lnSpc>
               <a:buNone/>
             </a:pPr>
             <a:r>
-              <a:rPr lang="en-US" altLang="ja-JP" dirty="0"/>
+              <a:rPr lang="en-US" altLang="ja-JP" sz="1200" dirty="0"/>
               <a:t>	</a:t>
             </a:r>
             <a:r>
-              <a:rPr lang="ja-JP" altLang="en-US" dirty="0"/>
-              <a:t>→予讃線の傾きを緩やかかにする</a:t>
-            </a:r>
-          </a:p>
-          <a:p>
-            <a:pPr>
-              <a:lnSpc>
-                <a:spcPct val="90000"/>
-              </a:lnSpc>
-            </a:pPr>
-            <a:r>
-              <a:rPr lang="ja-JP" altLang="en-US" dirty="0"/>
-              <a:t>累進所得税（所得が高くなるほど限界税率が高くなる）の存在が労働時間に与える影響を論じなさい。</a:t>
-            </a:r>
-            <a:endParaRPr lang="en-US" altLang="ja-JP" dirty="0"/>
+              <a:rPr lang="ja-JP" altLang="en-US" sz="1200" dirty="0"/>
+              <a:t>→横軸と縦軸の財の価格</a:t>
+            </a:r>
+            <a:endParaRPr lang="en-US" altLang="ja-JP" sz="1200" dirty="0"/>
           </a:p>
           <a:p>
             <a:pPr marL="0" indent="0">
-              <a:lnSpc>
-                <a:spcPct val="90000"/>
-              </a:lnSpc>
               <a:buNone/>
             </a:pPr>
             <a:r>
-              <a:rPr lang="ja-JP" altLang="en-US" dirty="0"/>
-              <a:t>→次のページに載っている</a:t>
-            </a:r>
-          </a:p>
-          <a:p>
-            <a:pPr>
-              <a:lnSpc>
-                <a:spcPct val="90000"/>
-              </a:lnSpc>
-            </a:pPr>
-            <a:r>
-              <a:rPr lang="ja-JP" altLang="en-US" dirty="0"/>
-              <a:t>生活保護給付の効果を論じなさい。</a:t>
-            </a:r>
-            <a:endParaRPr lang="en-US" altLang="ja-JP" dirty="0"/>
-          </a:p>
-          <a:p>
-            <a:pPr marL="0" indent="0">
-              <a:lnSpc>
-                <a:spcPct val="90000"/>
-              </a:lnSpc>
-              <a:buNone/>
-            </a:pPr>
-            <a:r>
-              <a:rPr lang="ja-JP" altLang="en-US" dirty="0"/>
-              <a:t>→生活保護→賃金率が低い人がいて、安い職にしかつけない</a:t>
-            </a:r>
-            <a:endParaRPr lang="en-US" altLang="ja-JP" dirty="0"/>
-          </a:p>
-          <a:p>
-            <a:pPr marL="0" indent="0">
-              <a:lnSpc>
-                <a:spcPct val="90000"/>
-              </a:lnSpc>
-              <a:buNone/>
-            </a:pPr>
-            <a:r>
-              <a:rPr lang="en-US" altLang="ja-JP" dirty="0"/>
-              <a:t>	</a:t>
-            </a:r>
-            <a:r>
-              <a:rPr lang="ja-JP" altLang="en-US" dirty="0"/>
-              <a:t>→最大値は非常に低い効用であることがわかる</a:t>
-            </a:r>
-            <a:endParaRPr lang="en-US" altLang="ja-JP" dirty="0"/>
-          </a:p>
-          <a:p>
-            <a:pPr marL="0" indent="0">
-              <a:lnSpc>
-                <a:spcPct val="90000"/>
-              </a:lnSpc>
-              <a:buNone/>
-            </a:pPr>
-            <a:r>
-              <a:rPr lang="en-US" altLang="ja-JP" dirty="0"/>
+              <a:rPr lang="en-US" altLang="ja-JP" sz="1200" dirty="0"/>
               <a:t>		</a:t>
             </a:r>
-            <a:r>
-              <a:rPr lang="ja-JP" altLang="en-US" dirty="0"/>
-              <a:t>→低賃金労働者に影響を与える</a:t>
-            </a:r>
-            <a:endParaRPr lang="en-US" altLang="ja-JP" dirty="0"/>
-          </a:p>
-          <a:p>
-            <a:pPr marL="0" indent="0">
-              <a:lnSpc>
-                <a:spcPct val="90000"/>
-              </a:lnSpc>
-              <a:buNone/>
-            </a:pPr>
-            <a:endParaRPr lang="ja-JP" altLang="en-US" dirty="0"/>
-          </a:p>
-          <a:p>
-            <a:pPr>
-              <a:lnSpc>
-                <a:spcPct val="90000"/>
-              </a:lnSpc>
-            </a:pPr>
-            <a:endParaRPr lang="en-US" altLang="ja-JP" dirty="0"/>
           </a:p>
         </p:txBody>
       </p:sp>
     </p:spTree>
     <p:extLst>
       <p:ext uri="{BB962C8B-B14F-4D97-AF65-F5344CB8AC3E}">
-        <p14:creationId xmlns:p14="http://schemas.microsoft.com/office/powerpoint/2010/main" val="4079370998"/>
+        <p14:creationId xmlns:p14="http://schemas.microsoft.com/office/powerpoint/2010/main" val="3773255540"/>
       </p:ext>
     </p:extLst>
   </p:cSld>
@@ -11923,6 +11778,309 @@
       </p:grpSpPr>
       <p:sp>
         <p:nvSpPr>
+          <p:cNvPr id="22530" name="Rectangle 2"/>
+          <p:cNvSpPr>
+            <a:spLocks noGrp="1" noChangeArrowheads="1"/>
+          </p:cNvSpPr>
+          <p:nvPr>
+            <p:ph type="title"/>
+          </p:nvPr>
+        </p:nvSpPr>
+        <p:spPr/>
+        <p:txBody>
+          <a:bodyPr/>
+          <a:lstStyle/>
+          <a:p>
+            <a:r>
+              <a:rPr lang="ja-JP" altLang="en-US"/>
+              <a:t>労働供給の決定：練習問題</a:t>
+            </a:r>
+          </a:p>
+        </p:txBody>
+      </p:sp>
+      <p:sp>
+        <p:nvSpPr>
+          <p:cNvPr id="22531" name="Rectangle 3"/>
+          <p:cNvSpPr>
+            <a:spLocks noGrp="1" noChangeArrowheads="1"/>
+          </p:cNvSpPr>
+          <p:nvPr>
+            <p:ph idx="1"/>
+          </p:nvPr>
+        </p:nvSpPr>
+        <p:spPr/>
+        <p:txBody>
+          <a:bodyPr>
+            <a:normAutofit fontScale="62500" lnSpcReduction="20000"/>
+          </a:bodyPr>
+          <a:lstStyle/>
+          <a:p>
+            <a:pPr>
+              <a:lnSpc>
+                <a:spcPct val="90000"/>
+              </a:lnSpc>
+            </a:pPr>
+            <a:r>
+              <a:rPr lang="ja-JP" altLang="en-US" dirty="0"/>
+              <a:t>賃金率の変化は労働時間をどう変えるか。</a:t>
+            </a:r>
+          </a:p>
+          <a:p>
+            <a:pPr>
+              <a:lnSpc>
+                <a:spcPct val="90000"/>
+              </a:lnSpc>
+            </a:pPr>
+            <a:r>
+              <a:rPr lang="ja-JP" altLang="en-US" dirty="0"/>
+              <a:t>比例的な賃金税</a:t>
+            </a:r>
+            <a:r>
+              <a:rPr lang="en-US" altLang="ja-JP" dirty="0"/>
+              <a:t>(</a:t>
+            </a:r>
+            <a:r>
+              <a:rPr lang="ja-JP" altLang="en-US" dirty="0"/>
+              <a:t>労働所得が一定期間あたりで決まっている</a:t>
+            </a:r>
+            <a:r>
+              <a:rPr lang="en-US" altLang="ja-JP" dirty="0"/>
+              <a:t>)</a:t>
+            </a:r>
+            <a:r>
+              <a:rPr lang="ja-JP" altLang="en-US" dirty="0"/>
+              <a:t>は予算線をどう変化させるか。また，最適な労働時間はどう変化するか。</a:t>
+            </a:r>
+            <a:endParaRPr lang="en-US" altLang="ja-JP" dirty="0"/>
+          </a:p>
+          <a:p>
+            <a:pPr marL="0" indent="0">
+              <a:lnSpc>
+                <a:spcPct val="90000"/>
+              </a:lnSpc>
+              <a:buNone/>
+            </a:pPr>
+            <a:r>
+              <a:rPr lang="ja-JP" altLang="en-US" dirty="0"/>
+              <a:t>→</a:t>
+            </a:r>
+            <a:r>
+              <a:rPr lang="en-US" altLang="ja-JP" dirty="0"/>
+              <a:t>W</a:t>
+            </a:r>
+            <a:r>
+              <a:rPr lang="ja-JP" altLang="en-US" dirty="0"/>
+              <a:t>を下げる</a:t>
+            </a:r>
+            <a:endParaRPr lang="en-US" altLang="ja-JP" dirty="0"/>
+          </a:p>
+          <a:p>
+            <a:pPr marL="0" indent="0">
+              <a:lnSpc>
+                <a:spcPct val="90000"/>
+              </a:lnSpc>
+              <a:buNone/>
+            </a:pPr>
+            <a:r>
+              <a:rPr lang="en-US" altLang="ja-JP" dirty="0"/>
+              <a:t>	</a:t>
+            </a:r>
+            <a:r>
+              <a:rPr lang="ja-JP" altLang="en-US" dirty="0"/>
+              <a:t>→予讃線の傾きを緩やかにする</a:t>
+            </a:r>
+          </a:p>
+          <a:p>
+            <a:pPr>
+              <a:lnSpc>
+                <a:spcPct val="90000"/>
+              </a:lnSpc>
+            </a:pPr>
+            <a:r>
+              <a:rPr lang="ja-JP" altLang="en-US" dirty="0"/>
+              <a:t>消費税</a:t>
+            </a:r>
+            <a:r>
+              <a:rPr lang="en-US" altLang="ja-JP" dirty="0"/>
+              <a:t>(p</a:t>
+            </a:r>
+            <a:r>
+              <a:rPr lang="ja-JP" altLang="en-US" dirty="0"/>
+              <a:t>を割高にする）の増税は労働時間に影響を与えるだろうか。</a:t>
+            </a:r>
+            <a:endParaRPr lang="en-US" altLang="ja-JP" dirty="0"/>
+          </a:p>
+          <a:p>
+            <a:pPr marL="0" indent="0">
+              <a:lnSpc>
+                <a:spcPct val="90000"/>
+              </a:lnSpc>
+              <a:buNone/>
+            </a:pPr>
+            <a:r>
+              <a:rPr lang="ja-JP" altLang="en-US" dirty="0"/>
+              <a:t>→</a:t>
+            </a:r>
+            <a:r>
+              <a:rPr lang="en-US" altLang="ja-JP" dirty="0"/>
+              <a:t>p</a:t>
+            </a:r>
+            <a:r>
+              <a:rPr lang="ja-JP" altLang="en-US" dirty="0"/>
+              <a:t>が割高になる</a:t>
+            </a:r>
+            <a:endParaRPr lang="en-US" altLang="ja-JP" dirty="0"/>
+          </a:p>
+          <a:p>
+            <a:pPr marL="0" indent="0">
+              <a:lnSpc>
+                <a:spcPct val="90000"/>
+              </a:lnSpc>
+              <a:buNone/>
+            </a:pPr>
+            <a:r>
+              <a:rPr lang="en-US" altLang="ja-JP" dirty="0"/>
+              <a:t>	</a:t>
+            </a:r>
+            <a:r>
+              <a:rPr lang="ja-JP" altLang="en-US" dirty="0"/>
+              <a:t>→予讃線の傾きを緩やかかにする</a:t>
+            </a:r>
+          </a:p>
+          <a:p>
+            <a:pPr>
+              <a:lnSpc>
+                <a:spcPct val="90000"/>
+              </a:lnSpc>
+            </a:pPr>
+            <a:r>
+              <a:rPr lang="ja-JP" altLang="en-US" dirty="0"/>
+              <a:t>累進所得税（所得が高くなるほど限界税率が高くなる）の存在が労働時間に与える影響を論じなさい。</a:t>
+            </a:r>
+            <a:endParaRPr lang="en-US" altLang="ja-JP" dirty="0"/>
+          </a:p>
+          <a:p>
+            <a:pPr marL="0" indent="0">
+              <a:lnSpc>
+                <a:spcPct val="90000"/>
+              </a:lnSpc>
+              <a:buNone/>
+            </a:pPr>
+            <a:r>
+              <a:rPr lang="ja-JP" altLang="en-US" dirty="0"/>
+              <a:t>→次のページに載っている</a:t>
+            </a:r>
+          </a:p>
+          <a:p>
+            <a:pPr>
+              <a:lnSpc>
+                <a:spcPct val="90000"/>
+              </a:lnSpc>
+            </a:pPr>
+            <a:r>
+              <a:rPr lang="ja-JP" altLang="en-US" dirty="0"/>
+              <a:t>生活保護給付の効果を論じなさい。</a:t>
+            </a:r>
+            <a:endParaRPr lang="en-US" altLang="ja-JP" dirty="0"/>
+          </a:p>
+          <a:p>
+            <a:pPr marL="0" indent="0">
+              <a:lnSpc>
+                <a:spcPct val="90000"/>
+              </a:lnSpc>
+              <a:buNone/>
+            </a:pPr>
+            <a:r>
+              <a:rPr lang="ja-JP" altLang="en-US" dirty="0"/>
+              <a:t>→生活保護→賃金率が低い人がいて、安い職にしかつけない</a:t>
+            </a:r>
+            <a:endParaRPr lang="en-US" altLang="ja-JP" dirty="0"/>
+          </a:p>
+          <a:p>
+            <a:pPr marL="0" indent="0">
+              <a:lnSpc>
+                <a:spcPct val="90000"/>
+              </a:lnSpc>
+              <a:buNone/>
+            </a:pPr>
+            <a:r>
+              <a:rPr lang="en-US" altLang="ja-JP" dirty="0"/>
+              <a:t>	</a:t>
+            </a:r>
+            <a:r>
+              <a:rPr lang="ja-JP" altLang="en-US" dirty="0"/>
+              <a:t>→最大値は非常に低い効用であることがわかる</a:t>
+            </a:r>
+            <a:endParaRPr lang="en-US" altLang="ja-JP" dirty="0"/>
+          </a:p>
+          <a:p>
+            <a:pPr marL="0" indent="0">
+              <a:lnSpc>
+                <a:spcPct val="90000"/>
+              </a:lnSpc>
+              <a:buNone/>
+            </a:pPr>
+            <a:r>
+              <a:rPr lang="en-US" altLang="ja-JP" dirty="0"/>
+              <a:t>		</a:t>
+            </a:r>
+            <a:r>
+              <a:rPr lang="ja-JP" altLang="en-US" dirty="0"/>
+              <a:t>→低賃金労働者に影響を与える</a:t>
+            </a:r>
+            <a:endParaRPr lang="en-US" altLang="ja-JP" dirty="0"/>
+          </a:p>
+          <a:p>
+            <a:pPr marL="0" indent="0">
+              <a:lnSpc>
+                <a:spcPct val="90000"/>
+              </a:lnSpc>
+              <a:buNone/>
+            </a:pPr>
+            <a:endParaRPr lang="ja-JP" altLang="en-US" dirty="0"/>
+          </a:p>
+          <a:p>
+            <a:pPr>
+              <a:lnSpc>
+                <a:spcPct val="90000"/>
+              </a:lnSpc>
+            </a:pPr>
+            <a:endParaRPr lang="en-US" altLang="ja-JP" dirty="0"/>
+          </a:p>
+        </p:txBody>
+      </p:sp>
+    </p:spTree>
+    <p:extLst>
+      <p:ext uri="{BB962C8B-B14F-4D97-AF65-F5344CB8AC3E}">
+        <p14:creationId xmlns:p14="http://schemas.microsoft.com/office/powerpoint/2010/main" val="4079370998"/>
+      </p:ext>
+    </p:extLst>
+  </p:cSld>
+  <p:clrMapOvr>
+    <a:masterClrMapping/>
+  </p:clrMapOvr>
+</p:sld>
+</file>
+
+<file path=ppt/slides/slide22.xml><?xml version="1.0" encoding="utf-8"?>
+<p:sld xmlns:a="http://schemas.openxmlformats.org/drawingml/2006/main" xmlns:r="http://schemas.openxmlformats.org/officeDocument/2006/relationships" xmlns:p="http://schemas.openxmlformats.org/presentationml/2006/main">
+  <p:cSld>
+    <p:spTree>
+      <p:nvGrpSpPr>
+        <p:cNvPr id="1" name=""/>
+        <p:cNvGrpSpPr/>
+        <p:nvPr/>
+      </p:nvGrpSpPr>
+      <p:grpSpPr>
+        <a:xfrm>
+          <a:off x="0" y="0"/>
+          <a:ext cx="0" cy="0"/>
+          <a:chOff x="0" y="0"/>
+          <a:chExt cx="0" cy="0"/>
+        </a:xfrm>
+      </p:grpSpPr>
+      <p:sp>
+        <p:nvSpPr>
           <p:cNvPr id="2" name="Title 1">
             <a:extLst>
               <a:ext uri="{FF2B5EF4-FFF2-40B4-BE49-F238E27FC236}">
@@ -12140,7 +12298,7 @@
 </p:sld>
 </file>
 
-<file path=ppt/slides/slide22.xml><?xml version="1.0" encoding="utf-8"?>
+<file path=ppt/slides/slide23.xml><?xml version="1.0" encoding="utf-8"?>
 <p:sld xmlns:a="http://schemas.openxmlformats.org/drawingml/2006/main" xmlns:r="http://schemas.openxmlformats.org/officeDocument/2006/relationships" xmlns:p="http://schemas.openxmlformats.org/presentationml/2006/main">
   <p:cSld>
     <p:spTree>
@@ -13732,115 +13890,6 @@
 </p:sld>
 </file>
 
-<file path=ppt/slides/slide23.xml><?xml version="1.0" encoding="utf-8"?>
-<p:sld xmlns:a="http://schemas.openxmlformats.org/drawingml/2006/main" xmlns:r="http://schemas.openxmlformats.org/officeDocument/2006/relationships" xmlns:p="http://schemas.openxmlformats.org/presentationml/2006/main">
-  <p:cSld>
-    <p:spTree>
-      <p:nvGrpSpPr>
-        <p:cNvPr id="1" name=""/>
-        <p:cNvGrpSpPr/>
-        <p:nvPr/>
-      </p:nvGrpSpPr>
-      <p:grpSpPr>
-        <a:xfrm>
-          <a:off x="0" y="0"/>
-          <a:ext cx="0" cy="0"/>
-          <a:chOff x="0" y="0"/>
-          <a:chExt cx="0" cy="0"/>
-        </a:xfrm>
-      </p:grpSpPr>
-      <p:sp>
-        <p:nvSpPr>
-          <p:cNvPr id="2" name="Title 1">
-            <a:extLst>
-              <a:ext uri="{FF2B5EF4-FFF2-40B4-BE49-F238E27FC236}">
-                <a16:creationId xmlns:a16="http://schemas.microsoft.com/office/drawing/2014/main" id="{106B77A3-D5E0-194E-B95B-6CAEA12A419D}"/>
-              </a:ext>
-            </a:extLst>
-          </p:cNvPr>
-          <p:cNvSpPr>
-            <a:spLocks noGrp="1"/>
-          </p:cNvSpPr>
-          <p:nvPr>
-            <p:ph type="title"/>
-          </p:nvPr>
-        </p:nvSpPr>
-        <p:spPr/>
-        <p:txBody>
-          <a:bodyPr/>
-          <a:lstStyle/>
-          <a:p>
-            <a:endParaRPr lang="en-US"/>
-          </a:p>
-        </p:txBody>
-      </p:sp>
-      <p:sp>
-        <p:nvSpPr>
-          <p:cNvPr id="3" name="Content Placeholder 2">
-            <a:extLst>
-              <a:ext uri="{FF2B5EF4-FFF2-40B4-BE49-F238E27FC236}">
-                <a16:creationId xmlns:a16="http://schemas.microsoft.com/office/drawing/2014/main" id="{91609501-E160-2640-B322-51F71193C8BE}"/>
-              </a:ext>
-            </a:extLst>
-          </p:cNvPr>
-          <p:cNvSpPr>
-            <a:spLocks noGrp="1"/>
-          </p:cNvSpPr>
-          <p:nvPr>
-            <p:ph idx="1"/>
-          </p:nvPr>
-        </p:nvSpPr>
-        <p:spPr/>
-        <p:txBody>
-          <a:bodyPr/>
-          <a:lstStyle/>
-          <a:p>
-            <a:pPr marL="0" indent="0">
-              <a:buNone/>
-            </a:pPr>
-            <a:r>
-              <a:rPr lang="en-US" dirty="0"/>
-              <a:t>E</a:t>
-            </a:r>
-            <a:r>
-              <a:rPr lang="ja-JP" altLang="en-US" dirty="0"/>
-              <a:t>と</a:t>
-            </a:r>
-            <a:r>
-              <a:rPr lang="en-US" altLang="ja-JP" dirty="0"/>
-              <a:t>F</a:t>
-            </a:r>
-            <a:r>
-              <a:rPr lang="ja-JP" altLang="en-US" dirty="0"/>
-              <a:t>はレジャー時間は変わらない</a:t>
-            </a:r>
-            <a:endParaRPr lang="en-US" altLang="ja-JP" dirty="0"/>
-          </a:p>
-          <a:p>
-            <a:pPr marL="0" indent="0">
-              <a:buNone/>
-            </a:pPr>
-            <a:r>
-              <a:rPr lang="en-US" dirty="0"/>
-              <a:t>	</a:t>
-            </a:r>
-            <a:endParaRPr lang="en-US" altLang="ja-JP" dirty="0"/>
-          </a:p>
-        </p:txBody>
-      </p:sp>
-    </p:spTree>
-    <p:extLst>
-      <p:ext uri="{BB962C8B-B14F-4D97-AF65-F5344CB8AC3E}">
-        <p14:creationId xmlns:p14="http://schemas.microsoft.com/office/powerpoint/2010/main" val="4121891585"/>
-      </p:ext>
-    </p:extLst>
-  </p:cSld>
-  <p:clrMapOvr>
-    <a:masterClrMapping/>
-  </p:clrMapOvr>
-</p:sld>
-</file>
-
 <file path=ppt/slides/slide24.xml><?xml version="1.0" encoding="utf-8"?>
 <p:sld xmlns:a="http://schemas.openxmlformats.org/drawingml/2006/main" xmlns:r="http://schemas.openxmlformats.org/officeDocument/2006/relationships" xmlns:p="http://schemas.openxmlformats.org/presentationml/2006/main">
   <p:cSld>
@@ -13863,6 +13912,115 @@
           <p:cNvPr id="2" name="Title 1">
             <a:extLst>
               <a:ext uri="{FF2B5EF4-FFF2-40B4-BE49-F238E27FC236}">
+                <a16:creationId xmlns:a16="http://schemas.microsoft.com/office/drawing/2014/main" id="{106B77A3-D5E0-194E-B95B-6CAEA12A419D}"/>
+              </a:ext>
+            </a:extLst>
+          </p:cNvPr>
+          <p:cNvSpPr>
+            <a:spLocks noGrp="1"/>
+          </p:cNvSpPr>
+          <p:nvPr>
+            <p:ph type="title"/>
+          </p:nvPr>
+        </p:nvSpPr>
+        <p:spPr/>
+        <p:txBody>
+          <a:bodyPr/>
+          <a:lstStyle/>
+          <a:p>
+            <a:endParaRPr lang="en-US"/>
+          </a:p>
+        </p:txBody>
+      </p:sp>
+      <p:sp>
+        <p:nvSpPr>
+          <p:cNvPr id="3" name="Content Placeholder 2">
+            <a:extLst>
+              <a:ext uri="{FF2B5EF4-FFF2-40B4-BE49-F238E27FC236}">
+                <a16:creationId xmlns:a16="http://schemas.microsoft.com/office/drawing/2014/main" id="{91609501-E160-2640-B322-51F71193C8BE}"/>
+              </a:ext>
+            </a:extLst>
+          </p:cNvPr>
+          <p:cNvSpPr>
+            <a:spLocks noGrp="1"/>
+          </p:cNvSpPr>
+          <p:nvPr>
+            <p:ph idx="1"/>
+          </p:nvPr>
+        </p:nvSpPr>
+        <p:spPr/>
+        <p:txBody>
+          <a:bodyPr/>
+          <a:lstStyle/>
+          <a:p>
+            <a:pPr marL="0" indent="0">
+              <a:buNone/>
+            </a:pPr>
+            <a:r>
+              <a:rPr lang="en-US" dirty="0"/>
+              <a:t>E</a:t>
+            </a:r>
+            <a:r>
+              <a:rPr lang="ja-JP" altLang="en-US" dirty="0"/>
+              <a:t>と</a:t>
+            </a:r>
+            <a:r>
+              <a:rPr lang="en-US" altLang="ja-JP" dirty="0"/>
+              <a:t>F</a:t>
+            </a:r>
+            <a:r>
+              <a:rPr lang="ja-JP" altLang="en-US" dirty="0"/>
+              <a:t>はレジャー時間は変わらない</a:t>
+            </a:r>
+            <a:endParaRPr lang="en-US" altLang="ja-JP" dirty="0"/>
+          </a:p>
+          <a:p>
+            <a:pPr marL="0" indent="0">
+              <a:buNone/>
+            </a:pPr>
+            <a:r>
+              <a:rPr lang="en-US" dirty="0"/>
+              <a:t>	</a:t>
+            </a:r>
+            <a:endParaRPr lang="en-US" altLang="ja-JP" dirty="0"/>
+          </a:p>
+        </p:txBody>
+      </p:sp>
+    </p:spTree>
+    <p:extLst>
+      <p:ext uri="{BB962C8B-B14F-4D97-AF65-F5344CB8AC3E}">
+        <p14:creationId xmlns:p14="http://schemas.microsoft.com/office/powerpoint/2010/main" val="4121891585"/>
+      </p:ext>
+    </p:extLst>
+  </p:cSld>
+  <p:clrMapOvr>
+    <a:masterClrMapping/>
+  </p:clrMapOvr>
+</p:sld>
+</file>
+
+<file path=ppt/slides/slide25.xml><?xml version="1.0" encoding="utf-8"?>
+<p:sld xmlns:a="http://schemas.openxmlformats.org/drawingml/2006/main" xmlns:r="http://schemas.openxmlformats.org/officeDocument/2006/relationships" xmlns:p="http://schemas.openxmlformats.org/presentationml/2006/main">
+  <p:cSld>
+    <p:spTree>
+      <p:nvGrpSpPr>
+        <p:cNvPr id="1" name=""/>
+        <p:cNvGrpSpPr/>
+        <p:nvPr/>
+      </p:nvGrpSpPr>
+      <p:grpSpPr>
+        <a:xfrm>
+          <a:off x="0" y="0"/>
+          <a:ext cx="0" cy="0"/>
+          <a:chOff x="0" y="0"/>
+          <a:chExt cx="0" cy="0"/>
+        </a:xfrm>
+      </p:grpSpPr>
+      <p:sp>
+        <p:nvSpPr>
+          <p:cNvPr id="2" name="Title 1">
+            <a:extLst>
+              <a:ext uri="{FF2B5EF4-FFF2-40B4-BE49-F238E27FC236}">
                 <a16:creationId xmlns:a16="http://schemas.microsoft.com/office/drawing/2014/main" id="{4C3247FC-9B88-9A4E-8DBD-67D504128A61}"/>
               </a:ext>
             </a:extLst>
@@ -14112,7 +14270,7 @@
 </p:sld>
 </file>
 
-<file path=ppt/slides/slide25.xml><?xml version="1.0" encoding="utf-8"?>
+<file path=ppt/slides/slide26.xml><?xml version="1.0" encoding="utf-8"?>
 <p:sld xmlns:a="http://schemas.openxmlformats.org/drawingml/2006/main" xmlns:r="http://schemas.openxmlformats.org/officeDocument/2006/relationships" xmlns:p="http://schemas.openxmlformats.org/presentationml/2006/main">
   <p:cSld>
     <p:spTree>
@@ -15315,7 +15473,7 @@
 </p:sld>
 </file>
 
-<file path=ppt/slides/slide26.xml><?xml version="1.0" encoding="utf-8"?>
+<file path=ppt/slides/slide27.xml><?xml version="1.0" encoding="utf-8"?>
 <p:sld xmlns:a="http://schemas.openxmlformats.org/drawingml/2006/main" xmlns:r="http://schemas.openxmlformats.org/officeDocument/2006/relationships" xmlns:p="http://schemas.openxmlformats.org/presentationml/2006/main">
   <p:cSld>
     <p:spTree>
@@ -16809,7 +16967,7 @@
 </p:sld>
 </file>
 
-<file path=ppt/slides/slide27.xml><?xml version="1.0" encoding="utf-8"?>
+<file path=ppt/slides/slide28.xml><?xml version="1.0" encoding="utf-8"?>
 <p:sld xmlns:a="http://schemas.openxmlformats.org/drawingml/2006/main" xmlns:r="http://schemas.openxmlformats.org/officeDocument/2006/relationships" xmlns:p="http://schemas.openxmlformats.org/presentationml/2006/main">
   <p:cSld>
     <p:spTree>
@@ -17004,7 +17162,7 @@
 </p:sld>
 </file>
 
-<file path=ppt/slides/slide28.xml><?xml version="1.0" encoding="utf-8"?>
+<file path=ppt/slides/slide29.xml><?xml version="1.0" encoding="utf-8"?>
 <p:sld xmlns:a="http://schemas.openxmlformats.org/drawingml/2006/main" xmlns:r="http://schemas.openxmlformats.org/officeDocument/2006/relationships" xmlns:p="http://schemas.openxmlformats.org/presentationml/2006/main">
   <p:cSld>
     <p:spTree>
@@ -18617,185 +18775,6 @@
 </p:sld>
 </file>
 
-<file path=ppt/slides/slide29.xml><?xml version="1.0" encoding="utf-8"?>
-<p:sld xmlns:a="http://schemas.openxmlformats.org/drawingml/2006/main" xmlns:r="http://schemas.openxmlformats.org/officeDocument/2006/relationships" xmlns:p="http://schemas.openxmlformats.org/presentationml/2006/main">
-  <p:cSld>
-    <p:spTree>
-      <p:nvGrpSpPr>
-        <p:cNvPr id="1" name=""/>
-        <p:cNvGrpSpPr/>
-        <p:nvPr/>
-      </p:nvGrpSpPr>
-      <p:grpSpPr>
-        <a:xfrm>
-          <a:off x="0" y="0"/>
-          <a:ext cx="0" cy="0"/>
-          <a:chOff x="0" y="0"/>
-          <a:chExt cx="0" cy="0"/>
-        </a:xfrm>
-      </p:grpSpPr>
-      <p:sp>
-        <p:nvSpPr>
-          <p:cNvPr id="2" name="タイトル 1"/>
-          <p:cNvSpPr>
-            <a:spLocks noGrp="1"/>
-          </p:cNvSpPr>
-          <p:nvPr>
-            <p:ph type="title"/>
-          </p:nvPr>
-        </p:nvSpPr>
-        <p:spPr/>
-        <p:txBody>
-          <a:bodyPr/>
-          <a:lstStyle/>
-          <a:p>
-            <a:r>
-              <a:rPr kumimoji="1" lang="ja-JP" altLang="en-US" dirty="0"/>
-              <a:t>負の所得税</a:t>
-            </a:r>
-          </a:p>
-        </p:txBody>
-      </p:sp>
-      <p:pic>
-        <p:nvPicPr>
-          <p:cNvPr id="4098" name="Picture 2"/>
-          <p:cNvPicPr>
-            <a:picLocks noGrp="1" noChangeAspect="1" noChangeArrowheads="1"/>
-          </p:cNvPicPr>
-          <p:nvPr>
-            <p:ph idx="1"/>
-          </p:nvPr>
-        </p:nvPicPr>
-        <p:blipFill>
-          <a:blip r:embed="rId2">
-            <a:extLst>
-              <a:ext uri="{28A0092B-C50C-407E-A947-70E740481C1C}">
-                <a14:useLocalDpi xmlns:a14="http://schemas.microsoft.com/office/drawing/2010/main" val="0"/>
-              </a:ext>
-            </a:extLst>
-          </a:blip>
-          <a:srcRect/>
-          <a:stretch>
-            <a:fillRect/>
-          </a:stretch>
-        </p:blipFill>
-        <p:spPr bwMode="auto">
-          <a:xfrm>
-            <a:off x="2011090" y="1600200"/>
-            <a:ext cx="5121819" cy="4525963"/>
-          </a:xfrm>
-          <a:prstGeom prst="rect">
-            <a:avLst/>
-          </a:prstGeom>
-          <a:noFill/>
-          <a:ln>
-            <a:noFill/>
-          </a:ln>
-          <a:effectLst/>
-          <a:extLst>
-            <a:ext uri="{909E8E84-426E-40DD-AFC4-6F175D3DCCD1}">
-              <a14:hiddenFill xmlns:a14="http://schemas.microsoft.com/office/drawing/2010/main">
-                <a:solidFill>
-                  <a:schemeClr val="accent1"/>
-                </a:solidFill>
-              </a14:hiddenFill>
-            </a:ext>
-            <a:ext uri="{91240B29-F687-4F45-9708-019B960494DF}">
-              <a14:hiddenLine xmlns:a14="http://schemas.microsoft.com/office/drawing/2010/main" w="9525">
-                <a:solidFill>
-                  <a:schemeClr val="tx1"/>
-                </a:solidFill>
-                <a:miter lim="800000"/>
-                <a:headEnd/>
-                <a:tailEnd/>
-              </a14:hiddenLine>
-            </a:ext>
-            <a:ext uri="{AF507438-7753-43E0-B8FC-AC1667EBCBE1}">
-              <a14:hiddenEffects xmlns:a14="http://schemas.microsoft.com/office/drawing/2010/main">
-                <a:effectLst>
-                  <a:outerShdw dist="35921" dir="2700000" algn="ctr" rotWithShape="0">
-                    <a:schemeClr val="bg2"/>
-                  </a:outerShdw>
-                </a:effectLst>
-              </a14:hiddenEffects>
-            </a:ext>
-          </a:extLst>
-        </p:spPr>
-      </p:pic>
-      <p:sp>
-        <p:nvSpPr>
-          <p:cNvPr id="4" name="テキスト ボックス 3"/>
-          <p:cNvSpPr txBox="1"/>
-          <p:nvPr/>
-        </p:nvSpPr>
-        <p:spPr>
-          <a:xfrm>
-            <a:off x="5580112" y="2060848"/>
-            <a:ext cx="2880320" cy="2862322"/>
-          </a:xfrm>
-          <a:prstGeom prst="rect">
-            <a:avLst/>
-          </a:prstGeom>
-          <a:noFill/>
-        </p:spPr>
-        <p:txBody>
-          <a:bodyPr wrap="square" rtlCol="0">
-            <a:spAutoFit/>
-          </a:bodyPr>
-          <a:lstStyle/>
-          <a:p>
-            <a:r>
-              <a:rPr kumimoji="1" lang="ja-JP" altLang="en-US" dirty="0"/>
-              <a:t>労働供給のインセンティブをなるべく失わせないような再分配政策</a:t>
-            </a:r>
-            <a:endParaRPr kumimoji="1" lang="en-US" altLang="ja-JP" dirty="0"/>
-          </a:p>
-          <a:p>
-            <a:endParaRPr lang="en-US" altLang="ja-JP" dirty="0"/>
-          </a:p>
-          <a:p>
-            <a:r>
-              <a:rPr kumimoji="1" lang="ja-JP" altLang="en-US" dirty="0"/>
-              <a:t>→給付の部分はマイナスの所得税</a:t>
-            </a:r>
-            <a:endParaRPr kumimoji="1" lang="en-US" altLang="ja-JP" dirty="0"/>
-          </a:p>
-          <a:p>
-            <a:r>
-              <a:rPr lang="en-US" altLang="ja-JP" dirty="0"/>
-              <a:t>	</a:t>
-            </a:r>
-            <a:r>
-              <a:rPr lang="ja-JP" altLang="en-US" dirty="0"/>
-              <a:t>→プラスの給付をあげる</a:t>
-            </a:r>
-            <a:endParaRPr lang="en-US" altLang="ja-JP" dirty="0"/>
-          </a:p>
-          <a:p>
-            <a:endParaRPr kumimoji="1" lang="en-US" altLang="ja-JP" dirty="0"/>
-          </a:p>
-          <a:p>
-            <a:r>
-              <a:rPr lang="ja-JP" altLang="en-US" dirty="0"/>
-              <a:t>→全ての再分配政策を行う。</a:t>
-            </a:r>
-            <a:endParaRPr kumimoji="1" lang="ja-JP" altLang="en-US" dirty="0"/>
-          </a:p>
-        </p:txBody>
-      </p:sp>
-    </p:spTree>
-    <p:extLst>
-      <p:ext uri="{BB962C8B-B14F-4D97-AF65-F5344CB8AC3E}">
-        <p14:creationId xmlns:p14="http://schemas.microsoft.com/office/powerpoint/2010/main" val="3248378062"/>
-      </p:ext>
-    </p:extLst>
-  </p:cSld>
-  <p:clrMapOvr>
-    <a:masterClrMapping/>
-  </p:clrMapOvr>
-</p:sld>
-</file>
-
 <file path=ppt/slides/slide3.xml><?xml version="1.0" encoding="utf-8"?>
 <p:sld xmlns:a="http://schemas.openxmlformats.org/drawingml/2006/main" xmlns:r="http://schemas.openxmlformats.org/officeDocument/2006/relationships" xmlns:p="http://schemas.openxmlformats.org/presentationml/2006/main">
   <p:cSld>
@@ -19298,6 +19277,185 @@
           <a:p>
             <a:r>
               <a:rPr kumimoji="1" lang="ja-JP" altLang="en-US" dirty="0"/>
+              <a:t>負の所得税</a:t>
+            </a:r>
+          </a:p>
+        </p:txBody>
+      </p:sp>
+      <p:pic>
+        <p:nvPicPr>
+          <p:cNvPr id="4098" name="Picture 2"/>
+          <p:cNvPicPr>
+            <a:picLocks noGrp="1" noChangeAspect="1" noChangeArrowheads="1"/>
+          </p:cNvPicPr>
+          <p:nvPr>
+            <p:ph idx="1"/>
+          </p:nvPr>
+        </p:nvPicPr>
+        <p:blipFill>
+          <a:blip r:embed="rId2">
+            <a:extLst>
+              <a:ext uri="{28A0092B-C50C-407E-A947-70E740481C1C}">
+                <a14:useLocalDpi xmlns:a14="http://schemas.microsoft.com/office/drawing/2010/main" val="0"/>
+              </a:ext>
+            </a:extLst>
+          </a:blip>
+          <a:srcRect/>
+          <a:stretch>
+            <a:fillRect/>
+          </a:stretch>
+        </p:blipFill>
+        <p:spPr bwMode="auto">
+          <a:xfrm>
+            <a:off x="2011090" y="1600200"/>
+            <a:ext cx="5121819" cy="4525963"/>
+          </a:xfrm>
+          <a:prstGeom prst="rect">
+            <a:avLst/>
+          </a:prstGeom>
+          <a:noFill/>
+          <a:ln>
+            <a:noFill/>
+          </a:ln>
+          <a:effectLst/>
+          <a:extLst>
+            <a:ext uri="{909E8E84-426E-40DD-AFC4-6F175D3DCCD1}">
+              <a14:hiddenFill xmlns:a14="http://schemas.microsoft.com/office/drawing/2010/main">
+                <a:solidFill>
+                  <a:schemeClr val="accent1"/>
+                </a:solidFill>
+              </a14:hiddenFill>
+            </a:ext>
+            <a:ext uri="{91240B29-F687-4F45-9708-019B960494DF}">
+              <a14:hiddenLine xmlns:a14="http://schemas.microsoft.com/office/drawing/2010/main" w="9525">
+                <a:solidFill>
+                  <a:schemeClr val="tx1"/>
+                </a:solidFill>
+                <a:miter lim="800000"/>
+                <a:headEnd/>
+                <a:tailEnd/>
+              </a14:hiddenLine>
+            </a:ext>
+            <a:ext uri="{AF507438-7753-43E0-B8FC-AC1667EBCBE1}">
+              <a14:hiddenEffects xmlns:a14="http://schemas.microsoft.com/office/drawing/2010/main">
+                <a:effectLst>
+                  <a:outerShdw dist="35921" dir="2700000" algn="ctr" rotWithShape="0">
+                    <a:schemeClr val="bg2"/>
+                  </a:outerShdw>
+                </a:effectLst>
+              </a14:hiddenEffects>
+            </a:ext>
+          </a:extLst>
+        </p:spPr>
+      </p:pic>
+      <p:sp>
+        <p:nvSpPr>
+          <p:cNvPr id="4" name="テキスト ボックス 3"/>
+          <p:cNvSpPr txBox="1"/>
+          <p:nvPr/>
+        </p:nvSpPr>
+        <p:spPr>
+          <a:xfrm>
+            <a:off x="5580112" y="2060848"/>
+            <a:ext cx="2880320" cy="2862322"/>
+          </a:xfrm>
+          <a:prstGeom prst="rect">
+            <a:avLst/>
+          </a:prstGeom>
+          <a:noFill/>
+        </p:spPr>
+        <p:txBody>
+          <a:bodyPr wrap="square" rtlCol="0">
+            <a:spAutoFit/>
+          </a:bodyPr>
+          <a:lstStyle/>
+          <a:p>
+            <a:r>
+              <a:rPr kumimoji="1" lang="ja-JP" altLang="en-US" dirty="0"/>
+              <a:t>労働供給のインセンティブをなるべく失わせないような再分配政策</a:t>
+            </a:r>
+            <a:endParaRPr kumimoji="1" lang="en-US" altLang="ja-JP" dirty="0"/>
+          </a:p>
+          <a:p>
+            <a:endParaRPr lang="en-US" altLang="ja-JP" dirty="0"/>
+          </a:p>
+          <a:p>
+            <a:r>
+              <a:rPr kumimoji="1" lang="ja-JP" altLang="en-US" dirty="0"/>
+              <a:t>→給付の部分はマイナスの所得税</a:t>
+            </a:r>
+            <a:endParaRPr kumimoji="1" lang="en-US" altLang="ja-JP" dirty="0"/>
+          </a:p>
+          <a:p>
+            <a:r>
+              <a:rPr lang="en-US" altLang="ja-JP" dirty="0"/>
+              <a:t>	</a:t>
+            </a:r>
+            <a:r>
+              <a:rPr lang="ja-JP" altLang="en-US" dirty="0"/>
+              <a:t>→プラスの給付をあげる</a:t>
+            </a:r>
+            <a:endParaRPr lang="en-US" altLang="ja-JP" dirty="0"/>
+          </a:p>
+          <a:p>
+            <a:endParaRPr kumimoji="1" lang="en-US" altLang="ja-JP" dirty="0"/>
+          </a:p>
+          <a:p>
+            <a:r>
+              <a:rPr lang="ja-JP" altLang="en-US" dirty="0"/>
+              <a:t>→全ての再分配政策を行う。</a:t>
+            </a:r>
+            <a:endParaRPr kumimoji="1" lang="ja-JP" altLang="en-US" dirty="0"/>
+          </a:p>
+        </p:txBody>
+      </p:sp>
+    </p:spTree>
+    <p:extLst>
+      <p:ext uri="{BB962C8B-B14F-4D97-AF65-F5344CB8AC3E}">
+        <p14:creationId xmlns:p14="http://schemas.microsoft.com/office/powerpoint/2010/main" val="3248378062"/>
+      </p:ext>
+    </p:extLst>
+  </p:cSld>
+  <p:clrMapOvr>
+    <a:masterClrMapping/>
+  </p:clrMapOvr>
+</p:sld>
+</file>
+
+<file path=ppt/slides/slide31.xml><?xml version="1.0" encoding="utf-8"?>
+<p:sld xmlns:a="http://schemas.openxmlformats.org/drawingml/2006/main" xmlns:r="http://schemas.openxmlformats.org/officeDocument/2006/relationships" xmlns:p="http://schemas.openxmlformats.org/presentationml/2006/main">
+  <p:cSld>
+    <p:spTree>
+      <p:nvGrpSpPr>
+        <p:cNvPr id="1" name=""/>
+        <p:cNvGrpSpPr/>
+        <p:nvPr/>
+      </p:nvGrpSpPr>
+      <p:grpSpPr>
+        <a:xfrm>
+          <a:off x="0" y="0"/>
+          <a:ext cx="0" cy="0"/>
+          <a:chOff x="0" y="0"/>
+          <a:chExt cx="0" cy="0"/>
+        </a:xfrm>
+      </p:grpSpPr>
+      <p:sp>
+        <p:nvSpPr>
+          <p:cNvPr id="2" name="タイトル 1"/>
+          <p:cNvSpPr>
+            <a:spLocks noGrp="1"/>
+          </p:cNvSpPr>
+          <p:nvPr>
+            <p:ph type="title"/>
+          </p:nvPr>
+        </p:nvSpPr>
+        <p:spPr/>
+        <p:txBody>
+          <a:bodyPr/>
+          <a:lstStyle/>
+          <a:p>
+            <a:r>
+              <a:rPr kumimoji="1" lang="ja-JP" altLang="en-US" dirty="0"/>
               <a:t>所得税の効果</a:t>
             </a:r>
           </a:p>
@@ -20748,7 +20906,7 @@
           <a:graphicData uri="http://schemas.openxmlformats.org/presentationml/2006/ole">
             <mc:AlternateContent xmlns:mc="http://schemas.openxmlformats.org/markup-compatibility/2006">
               <mc:Choice xmlns:v="urn:schemas-microsoft-com:vml" Requires="v">
-                <p:oleObj spid="_x0000_s1157" name="Equation" r:id="rId3" imgW="1536480" imgH="634680" progId="Equation.DSMT4">
+                <p:oleObj spid="_x0000_s1164" name="Equation" r:id="rId3" imgW="1536480" imgH="634680" progId="Equation.DSMT4">
                   <p:embed/>
                 </p:oleObj>
               </mc:Choice>
@@ -21505,13 +21663,13 @@
               </a:spcBef>
             </a:pPr>
             <a:r>
-              <a:rPr lang="en-US" altLang="ja-JP" sz="2400" i="1">
+              <a:rPr lang="en-US" altLang="ja-JP" sz="2400" i="1" dirty="0">
                 <a:latin typeface="Times New Roman" pitchFamily="18" charset="0"/>
               </a:rPr>
               <a:t>C</a:t>
             </a:r>
             <a:r>
-              <a:rPr lang="en-US" altLang="ja-JP" sz="2400" baseline="-25000">
+              <a:rPr lang="en-US" altLang="ja-JP" sz="2400" baseline="-25000" dirty="0">
                 <a:latin typeface="Times New Roman" pitchFamily="18" charset="0"/>
               </a:rPr>
               <a:t>2</a:t>
@@ -23112,7 +23270,7 @@
           <p:cNvPr id="2" name="Title 1">
             <a:extLst>
               <a:ext uri="{FF2B5EF4-FFF2-40B4-BE49-F238E27FC236}">
-                <a16:creationId xmlns:a16="http://schemas.microsoft.com/office/drawing/2014/main" id="{81F5BEE7-0C6B-F04A-B384-E6CDE0E5B7D7}"/>
+                <a16:creationId xmlns:a16="http://schemas.microsoft.com/office/drawing/2014/main" id="{A45E2907-E2D5-B442-BCA9-3BE0D6AA4D9C}"/>
               </a:ext>
             </a:extLst>
           </p:cNvPr>
@@ -23125,10 +23283,19 @@
         </p:nvSpPr>
         <p:spPr/>
         <p:txBody>
-          <a:bodyPr/>
-          <a:lstStyle/>
-          <a:p>
-            <a:endParaRPr lang="en-US"/>
+          <a:bodyPr>
+            <a:normAutofit fontScale="90000"/>
+          </a:bodyPr>
+          <a:lstStyle/>
+          <a:p>
+            <a:r>
+              <a:rPr lang="ja-JP" altLang="en-US" dirty="0"/>
+              <a:t>　</a:t>
+            </a:r>
+            <a:br>
+              <a:rPr lang="en-US" altLang="ja-JP" dirty="0"/>
+            </a:br>
+            <a:endParaRPr lang="en-US" dirty="0"/>
           </a:p>
         </p:txBody>
       </p:sp>
@@ -23137,7 +23304,7 @@
           <p:cNvPr id="3" name="Content Placeholder 2">
             <a:extLst>
               <a:ext uri="{FF2B5EF4-FFF2-40B4-BE49-F238E27FC236}">
-                <a16:creationId xmlns:a16="http://schemas.microsoft.com/office/drawing/2014/main" id="{305E0845-83E8-144B-9338-0654D3EAADEA}"/>
+                <a16:creationId xmlns:a16="http://schemas.microsoft.com/office/drawing/2014/main" id="{88CE3D26-569F-F44E-B05C-BDCA324558FF}"/>
               </a:ext>
             </a:extLst>
           </p:cNvPr>
@@ -23150,94 +23317,1975 @@
         </p:nvSpPr>
         <p:spPr/>
         <p:txBody>
-          <a:bodyPr>
+          <a:bodyPr/>
+          <a:lstStyle/>
+          <a:p>
+            <a:r>
+              <a:rPr lang="ja-JP" altLang="en-US" dirty="0"/>
+              <a:t>　</a:t>
+            </a:r>
+            <a:endParaRPr lang="en-US" altLang="ja-JP" dirty="0"/>
+          </a:p>
+          <a:p>
+            <a:endParaRPr lang="en-US" dirty="0"/>
+          </a:p>
+        </p:txBody>
+      </p:sp>
+      <p:sp>
+        <p:nvSpPr>
+          <p:cNvPr id="4" name="Rectangle 2">
+            <a:extLst>
+              <a:ext uri="{FF2B5EF4-FFF2-40B4-BE49-F238E27FC236}">
+                <a16:creationId xmlns:a16="http://schemas.microsoft.com/office/drawing/2014/main" id="{C128E61E-7091-EA4F-940E-56ECE5F2F60C}"/>
+              </a:ext>
+            </a:extLst>
+          </p:cNvPr>
+          <p:cNvSpPr txBox="1">
+            <a:spLocks noChangeArrowheads="1"/>
+          </p:cNvSpPr>
+          <p:nvPr/>
+        </p:nvSpPr>
+        <p:spPr>
+          <a:xfrm>
+            <a:off x="457200" y="274638"/>
+            <a:ext cx="8229600" cy="1143000"/>
+          </a:xfrm>
+          <a:prstGeom prst="rect">
+            <a:avLst/>
+          </a:prstGeom>
+        </p:spPr>
+        <p:txBody>
+          <a:bodyPr vert="horz" lIns="91440" tIns="45720" rIns="91440" bIns="45720" rtlCol="0" anchor="ctr">
             <a:normAutofit/>
           </a:bodyPr>
-          <a:lstStyle/>
-          <a:p>
-            <a:pPr marL="0" indent="0">
+          <a:lstStyle>
+            <a:lvl1pPr algn="ctr" defTabSz="914400" rtl="0" eaLnBrk="1" latinLnBrk="0" hangingPunct="1">
+              <a:spcBef>
+                <a:spcPct val="0"/>
+              </a:spcBef>
               <a:buNone/>
+              <a:defRPr kumimoji="1" sz="4400" kern="1200">
+                <a:solidFill>
+                  <a:schemeClr val="tx1"/>
+                </a:solidFill>
+                <a:latin typeface="+mj-lt"/>
+                <a:ea typeface="+mj-ea"/>
+                <a:cs typeface="+mj-cs"/>
+              </a:defRPr>
+            </a:lvl1pPr>
+          </a:lstStyle>
+          <a:p>
+            <a:r>
+              <a:rPr lang="ja-JP" altLang="en-US"/>
+              <a:t>貯蓄の決定</a:t>
+            </a:r>
+          </a:p>
+        </p:txBody>
+      </p:sp>
+      <p:sp>
+        <p:nvSpPr>
+          <p:cNvPr id="5" name="Line 3">
+            <a:extLst>
+              <a:ext uri="{FF2B5EF4-FFF2-40B4-BE49-F238E27FC236}">
+                <a16:creationId xmlns:a16="http://schemas.microsoft.com/office/drawing/2014/main" id="{0CC1582F-9029-0547-864B-036339E679C3}"/>
+              </a:ext>
+            </a:extLst>
+          </p:cNvPr>
+          <p:cNvSpPr>
+            <a:spLocks noChangeShapeType="1"/>
+          </p:cNvSpPr>
+          <p:nvPr/>
+        </p:nvSpPr>
+        <p:spPr bwMode="auto">
+          <a:xfrm flipV="1">
+            <a:off x="2124075" y="1412875"/>
+            <a:ext cx="0" cy="4103688"/>
+          </a:xfrm>
+          <a:prstGeom prst="line">
+            <a:avLst/>
+          </a:prstGeom>
+          <a:noFill/>
+          <a:ln w="9525">
+            <a:solidFill>
+              <a:schemeClr val="tx1"/>
+            </a:solidFill>
+            <a:round/>
+            <a:headEnd/>
+            <a:tailEnd type="triangle" w="med" len="med"/>
+          </a:ln>
+          <a:effectLst/>
+          <a:extLst>
+            <a:ext uri="{909E8E84-426E-40DD-AFC4-6F175D3DCCD1}">
+              <a14:hiddenFill xmlns:a14="http://schemas.microsoft.com/office/drawing/2010/main">
+                <a:noFill/>
+              </a14:hiddenFill>
+            </a:ext>
+            <a:ext uri="{AF507438-7753-43E0-B8FC-AC1667EBCBE1}">
+              <a14:hiddenEffects xmlns:a14="http://schemas.microsoft.com/office/drawing/2010/main">
+                <a:effectLst>
+                  <a:outerShdw dist="35921" dir="2700000" algn="ctr" rotWithShape="0">
+                    <a:schemeClr val="bg2"/>
+                  </a:outerShdw>
+                </a:effectLst>
+              </a14:hiddenEffects>
+            </a:ext>
+          </a:extLst>
+        </p:spPr>
+        <p:txBody>
+          <a:bodyPr/>
+          <a:lstStyle/>
+          <a:p>
+            <a:endParaRPr lang="ja-JP" altLang="en-US"/>
+          </a:p>
+        </p:txBody>
+      </p:sp>
+      <p:sp>
+        <p:nvSpPr>
+          <p:cNvPr id="6" name="Line 4">
+            <a:extLst>
+              <a:ext uri="{FF2B5EF4-FFF2-40B4-BE49-F238E27FC236}">
+                <a16:creationId xmlns:a16="http://schemas.microsoft.com/office/drawing/2014/main" id="{C08740EC-2979-FF46-BD89-C2B7273EB040}"/>
+              </a:ext>
+            </a:extLst>
+          </p:cNvPr>
+          <p:cNvSpPr>
+            <a:spLocks noChangeShapeType="1"/>
+          </p:cNvSpPr>
+          <p:nvPr/>
+        </p:nvSpPr>
+        <p:spPr bwMode="auto">
+          <a:xfrm>
+            <a:off x="2124075" y="5516563"/>
+            <a:ext cx="4392613" cy="0"/>
+          </a:xfrm>
+          <a:prstGeom prst="line">
+            <a:avLst/>
+          </a:prstGeom>
+          <a:noFill/>
+          <a:ln w="9525">
+            <a:solidFill>
+              <a:schemeClr val="tx1"/>
+            </a:solidFill>
+            <a:round/>
+            <a:headEnd/>
+            <a:tailEnd type="triangle" w="med" len="med"/>
+          </a:ln>
+          <a:effectLst/>
+          <a:extLst>
+            <a:ext uri="{909E8E84-426E-40DD-AFC4-6F175D3DCCD1}">
+              <a14:hiddenFill xmlns:a14="http://schemas.microsoft.com/office/drawing/2010/main">
+                <a:noFill/>
+              </a14:hiddenFill>
+            </a:ext>
+            <a:ext uri="{AF507438-7753-43E0-B8FC-AC1667EBCBE1}">
+              <a14:hiddenEffects xmlns:a14="http://schemas.microsoft.com/office/drawing/2010/main">
+                <a:effectLst>
+                  <a:outerShdw dist="35921" dir="2700000" algn="ctr" rotWithShape="0">
+                    <a:schemeClr val="bg2"/>
+                  </a:outerShdw>
+                </a:effectLst>
+              </a14:hiddenEffects>
+            </a:ext>
+          </a:extLst>
+        </p:spPr>
+        <p:txBody>
+          <a:bodyPr/>
+          <a:lstStyle/>
+          <a:p>
+            <a:endParaRPr lang="ja-JP" altLang="en-US"/>
+          </a:p>
+        </p:txBody>
+      </p:sp>
+      <p:sp>
+        <p:nvSpPr>
+          <p:cNvPr id="7" name="Line 5">
+            <a:extLst>
+              <a:ext uri="{FF2B5EF4-FFF2-40B4-BE49-F238E27FC236}">
+                <a16:creationId xmlns:a16="http://schemas.microsoft.com/office/drawing/2014/main" id="{47E015C6-A008-064C-9CAA-72BB30D1865F}"/>
+              </a:ext>
+            </a:extLst>
+          </p:cNvPr>
+          <p:cNvSpPr>
+            <a:spLocks noChangeShapeType="1"/>
+          </p:cNvSpPr>
+          <p:nvPr/>
+        </p:nvSpPr>
+        <p:spPr bwMode="auto">
+          <a:xfrm>
+            <a:off x="2124075" y="2492375"/>
+            <a:ext cx="3240088" cy="3024188"/>
+          </a:xfrm>
+          <a:prstGeom prst="line">
+            <a:avLst/>
+          </a:prstGeom>
+          <a:noFill/>
+          <a:ln w="38100">
+            <a:solidFill>
+              <a:schemeClr val="tx1"/>
+            </a:solidFill>
+            <a:round/>
+            <a:headEnd/>
+            <a:tailEnd/>
+          </a:ln>
+          <a:effectLst/>
+          <a:extLst>
+            <a:ext uri="{909E8E84-426E-40DD-AFC4-6F175D3DCCD1}">
+              <a14:hiddenFill xmlns:a14="http://schemas.microsoft.com/office/drawing/2010/main">
+                <a:noFill/>
+              </a14:hiddenFill>
+            </a:ext>
+            <a:ext uri="{AF507438-7753-43E0-B8FC-AC1667EBCBE1}">
+              <a14:hiddenEffects xmlns:a14="http://schemas.microsoft.com/office/drawing/2010/main">
+                <a:effectLst>
+                  <a:outerShdw dist="35921" dir="2700000" algn="ctr" rotWithShape="0">
+                    <a:schemeClr val="bg2"/>
+                  </a:outerShdw>
+                </a:effectLst>
+              </a14:hiddenEffects>
+            </a:ext>
+          </a:extLst>
+        </p:spPr>
+        <p:txBody>
+          <a:bodyPr/>
+          <a:lstStyle/>
+          <a:p>
+            <a:endParaRPr lang="ja-JP" altLang="en-US"/>
+          </a:p>
+        </p:txBody>
+      </p:sp>
+      <p:sp>
+        <p:nvSpPr>
+          <p:cNvPr id="8" name="Text Box 6">
+            <a:extLst>
+              <a:ext uri="{FF2B5EF4-FFF2-40B4-BE49-F238E27FC236}">
+                <a16:creationId xmlns:a16="http://schemas.microsoft.com/office/drawing/2014/main" id="{A71EBC95-FBD1-FA44-ABBF-5B14F2FEB29D}"/>
+              </a:ext>
+            </a:extLst>
+          </p:cNvPr>
+          <p:cNvSpPr txBox="1">
+            <a:spLocks noChangeArrowheads="1"/>
+          </p:cNvSpPr>
+          <p:nvPr/>
+        </p:nvSpPr>
+        <p:spPr bwMode="auto">
+          <a:xfrm>
+            <a:off x="6659563" y="5229225"/>
+            <a:ext cx="504825" cy="457200"/>
+          </a:xfrm>
+          <a:prstGeom prst="rect">
+            <a:avLst/>
+          </a:prstGeom>
+          <a:noFill/>
+          <a:ln>
+            <a:noFill/>
+          </a:ln>
+          <a:effectLst/>
+          <a:extLst>
+            <a:ext uri="{909E8E84-426E-40DD-AFC4-6F175D3DCCD1}">
+              <a14:hiddenFill xmlns:a14="http://schemas.microsoft.com/office/drawing/2010/main">
+                <a:solidFill>
+                  <a:schemeClr val="accent1"/>
+                </a:solidFill>
+              </a14:hiddenFill>
+            </a:ext>
+            <a:ext uri="{91240B29-F687-4F45-9708-019B960494DF}">
+              <a14:hiddenLine xmlns:a14="http://schemas.microsoft.com/office/drawing/2010/main" w="9525">
+                <a:solidFill>
+                  <a:schemeClr val="tx1"/>
+                </a:solidFill>
+                <a:miter lim="800000"/>
+                <a:headEnd/>
+                <a:tailEnd/>
+              </a14:hiddenLine>
+            </a:ext>
+            <a:ext uri="{AF507438-7753-43E0-B8FC-AC1667EBCBE1}">
+              <a14:hiddenEffects xmlns:a14="http://schemas.microsoft.com/office/drawing/2010/main">
+                <a:effectLst>
+                  <a:outerShdw dist="35921" dir="2700000" algn="ctr" rotWithShape="0">
+                    <a:schemeClr val="bg2"/>
+                  </a:outerShdw>
+                </a:effectLst>
+              </a14:hiddenEffects>
+            </a:ext>
+          </a:extLst>
+        </p:spPr>
+        <p:txBody>
+          <a:bodyPr>
+            <a:spAutoFit/>
+          </a:bodyPr>
+          <a:lstStyle/>
+          <a:p>
+            <a:pPr>
+              <a:spcBef>
+                <a:spcPct val="50000"/>
+              </a:spcBef>
             </a:pPr>
             <a:r>
-              <a:rPr lang="ja-JP" altLang="en-US" sz="2000" dirty="0"/>
-              <a:t>予算制約式から見てみる</a:t>
-            </a:r>
-            <a:endParaRPr lang="en-US" altLang="ja-JP" sz="2000" dirty="0"/>
-          </a:p>
-          <a:p>
-            <a:pPr marL="0" indent="0">
-              <a:buNone/>
+              <a:rPr lang="en-US" altLang="ja-JP" sz="2400" i="1">
+                <a:latin typeface="Times New Roman" pitchFamily="18" charset="0"/>
+              </a:rPr>
+              <a:t>C</a:t>
+            </a:r>
+            <a:r>
+              <a:rPr lang="en-US" altLang="ja-JP" sz="2400" baseline="-25000">
+                <a:latin typeface="Times New Roman" pitchFamily="18" charset="0"/>
+              </a:rPr>
+              <a:t>1</a:t>
+            </a:r>
+          </a:p>
+        </p:txBody>
+      </p:sp>
+      <p:sp>
+        <p:nvSpPr>
+          <p:cNvPr id="9" name="Text Box 7">
+            <a:extLst>
+              <a:ext uri="{FF2B5EF4-FFF2-40B4-BE49-F238E27FC236}">
+                <a16:creationId xmlns:a16="http://schemas.microsoft.com/office/drawing/2014/main" id="{D47EF2B6-8A4E-5547-8502-EBEB0F0E9C02}"/>
+              </a:ext>
+            </a:extLst>
+          </p:cNvPr>
+          <p:cNvSpPr txBox="1">
+            <a:spLocks noChangeArrowheads="1"/>
+          </p:cNvSpPr>
+          <p:nvPr/>
+        </p:nvSpPr>
+        <p:spPr bwMode="auto">
+          <a:xfrm>
+            <a:off x="1547813" y="1125538"/>
+            <a:ext cx="503237" cy="457200"/>
+          </a:xfrm>
+          <a:prstGeom prst="rect">
+            <a:avLst/>
+          </a:prstGeom>
+          <a:noFill/>
+          <a:ln>
+            <a:noFill/>
+          </a:ln>
+          <a:effectLst/>
+          <a:extLst>
+            <a:ext uri="{909E8E84-426E-40DD-AFC4-6F175D3DCCD1}">
+              <a14:hiddenFill xmlns:a14="http://schemas.microsoft.com/office/drawing/2010/main">
+                <a:solidFill>
+                  <a:schemeClr val="accent1"/>
+                </a:solidFill>
+              </a14:hiddenFill>
+            </a:ext>
+            <a:ext uri="{91240B29-F687-4F45-9708-019B960494DF}">
+              <a14:hiddenLine xmlns:a14="http://schemas.microsoft.com/office/drawing/2010/main" w="9525">
+                <a:solidFill>
+                  <a:schemeClr val="tx1"/>
+                </a:solidFill>
+                <a:miter lim="800000"/>
+                <a:headEnd/>
+                <a:tailEnd/>
+              </a14:hiddenLine>
+            </a:ext>
+            <a:ext uri="{AF507438-7753-43E0-B8FC-AC1667EBCBE1}">
+              <a14:hiddenEffects xmlns:a14="http://schemas.microsoft.com/office/drawing/2010/main">
+                <a:effectLst>
+                  <a:outerShdw dist="35921" dir="2700000" algn="ctr" rotWithShape="0">
+                    <a:schemeClr val="bg2"/>
+                  </a:outerShdw>
+                </a:effectLst>
+              </a14:hiddenEffects>
+            </a:ext>
+          </a:extLst>
+        </p:spPr>
+        <p:txBody>
+          <a:bodyPr>
+            <a:spAutoFit/>
+          </a:bodyPr>
+          <a:lstStyle/>
+          <a:p>
+            <a:pPr>
+              <a:spcBef>
+                <a:spcPct val="50000"/>
+              </a:spcBef>
             </a:pPr>
             <a:r>
-              <a:rPr lang="en-US" sz="2000" dirty="0"/>
-              <a:t>C1 + C2/1 +r = W1 + W2/ 1 + r</a:t>
-            </a:r>
-          </a:p>
-          <a:p>
-            <a:pPr marL="0" indent="0">
-              <a:buNone/>
+              <a:rPr lang="en-US" altLang="ja-JP" sz="2400" i="1" dirty="0">
+                <a:latin typeface="Times New Roman" pitchFamily="18" charset="0"/>
+              </a:rPr>
+              <a:t>C</a:t>
+            </a:r>
+            <a:r>
+              <a:rPr lang="en-US" altLang="ja-JP" sz="2400" baseline="-25000" dirty="0">
+                <a:latin typeface="Times New Roman" pitchFamily="18" charset="0"/>
+              </a:rPr>
+              <a:t>2</a:t>
+            </a:r>
+          </a:p>
+        </p:txBody>
+      </p:sp>
+      <p:sp>
+        <p:nvSpPr>
+          <p:cNvPr id="10" name="Line 8">
+            <a:extLst>
+              <a:ext uri="{FF2B5EF4-FFF2-40B4-BE49-F238E27FC236}">
+                <a16:creationId xmlns:a16="http://schemas.microsoft.com/office/drawing/2014/main" id="{3238C5E5-EA9F-C444-BF8C-9206BE429933}"/>
+              </a:ext>
+            </a:extLst>
+          </p:cNvPr>
+          <p:cNvSpPr>
+            <a:spLocks noChangeShapeType="1"/>
+          </p:cNvSpPr>
+          <p:nvPr/>
+        </p:nvSpPr>
+        <p:spPr bwMode="auto">
+          <a:xfrm flipH="1">
+            <a:off x="5387307" y="4777958"/>
+            <a:ext cx="863600" cy="647700"/>
+          </a:xfrm>
+          <a:prstGeom prst="line">
+            <a:avLst/>
+          </a:prstGeom>
+          <a:noFill/>
+          <a:ln w="9525">
+            <a:solidFill>
+              <a:schemeClr val="tx1"/>
+            </a:solidFill>
+            <a:round/>
+            <a:headEnd/>
+            <a:tailEnd type="triangle" w="med" len="med"/>
+          </a:ln>
+          <a:effectLst/>
+          <a:extLst>
+            <a:ext uri="{909E8E84-426E-40DD-AFC4-6F175D3DCCD1}">
+              <a14:hiddenFill xmlns:a14="http://schemas.microsoft.com/office/drawing/2010/main">
+                <a:noFill/>
+              </a14:hiddenFill>
+            </a:ext>
+            <a:ext uri="{AF507438-7753-43E0-B8FC-AC1667EBCBE1}">
+              <a14:hiddenEffects xmlns:a14="http://schemas.microsoft.com/office/drawing/2010/main">
+                <a:effectLst>
+                  <a:outerShdw dist="35921" dir="2700000" algn="ctr" rotWithShape="0">
+                    <a:schemeClr val="bg2"/>
+                  </a:outerShdw>
+                </a:effectLst>
+              </a14:hiddenEffects>
+            </a:ext>
+          </a:extLst>
+        </p:spPr>
+        <p:txBody>
+          <a:bodyPr/>
+          <a:lstStyle/>
+          <a:p>
+            <a:endParaRPr lang="ja-JP" altLang="en-US"/>
+          </a:p>
+        </p:txBody>
+      </p:sp>
+      <p:sp>
+        <p:nvSpPr>
+          <p:cNvPr id="11" name="Text Box 9">
+            <a:extLst>
+              <a:ext uri="{FF2B5EF4-FFF2-40B4-BE49-F238E27FC236}">
+                <a16:creationId xmlns:a16="http://schemas.microsoft.com/office/drawing/2014/main" id="{F2041C6E-195C-DD43-BB40-BCEE6EFAAEB6}"/>
+              </a:ext>
+            </a:extLst>
+          </p:cNvPr>
+          <p:cNvSpPr txBox="1">
+            <a:spLocks noChangeArrowheads="1"/>
+          </p:cNvSpPr>
+          <p:nvPr/>
+        </p:nvSpPr>
+        <p:spPr bwMode="auto">
+          <a:xfrm>
+            <a:off x="6444208" y="4336819"/>
+            <a:ext cx="1272973" cy="400110"/>
+          </a:xfrm>
+          <a:prstGeom prst="rect">
+            <a:avLst/>
+          </a:prstGeom>
+          <a:noFill/>
+          <a:ln>
+            <a:noFill/>
+          </a:ln>
+          <a:effectLst/>
+          <a:extLst>
+            <a:ext uri="{909E8E84-426E-40DD-AFC4-6F175D3DCCD1}">
+              <a14:hiddenFill xmlns:a14="http://schemas.microsoft.com/office/drawing/2010/main">
+                <a:solidFill>
+                  <a:schemeClr val="accent1"/>
+                </a:solidFill>
+              </a14:hiddenFill>
+            </a:ext>
+            <a:ext uri="{91240B29-F687-4F45-9708-019B960494DF}">
+              <a14:hiddenLine xmlns:a14="http://schemas.microsoft.com/office/drawing/2010/main" w="9525">
+                <a:solidFill>
+                  <a:schemeClr val="tx1"/>
+                </a:solidFill>
+                <a:miter lim="800000"/>
+                <a:headEnd/>
+                <a:tailEnd/>
+              </a14:hiddenLine>
+            </a:ext>
+            <a:ext uri="{AF507438-7753-43E0-B8FC-AC1667EBCBE1}">
+              <a14:hiddenEffects xmlns:a14="http://schemas.microsoft.com/office/drawing/2010/main">
+                <a:effectLst>
+                  <a:outerShdw dist="35921" dir="2700000" algn="ctr" rotWithShape="0">
+                    <a:schemeClr val="bg2"/>
+                  </a:outerShdw>
+                </a:effectLst>
+              </a14:hiddenEffects>
+            </a:ext>
+          </a:extLst>
+        </p:spPr>
+        <p:txBody>
+          <a:bodyPr wrap="square">
+            <a:spAutoFit/>
+          </a:bodyPr>
+          <a:lstStyle/>
+          <a:p>
+            <a:pPr>
+              <a:spcBef>
+                <a:spcPct val="50000"/>
+              </a:spcBef>
             </a:pPr>
             <a:r>
-              <a:rPr lang="ja-JP" altLang="en-US" sz="2000" dirty="0"/>
-              <a:t>→</a:t>
-            </a:r>
-            <a:r>
-              <a:rPr lang="en-US" altLang="ja-JP" sz="2000" dirty="0"/>
-              <a:t>(C1 – W1) + (C2 – W2)/ 1 + r = 0</a:t>
-            </a:r>
-          </a:p>
-          <a:p>
-            <a:pPr marL="0" indent="0">
-              <a:buNone/>
+              <a:rPr lang="en-US" altLang="ja-JP" sz="2000" dirty="0">
+                <a:latin typeface="Times New Roman" pitchFamily="18" charset="0"/>
+              </a:rPr>
+              <a:t>W(w1,0)</a:t>
+            </a:r>
+          </a:p>
+        </p:txBody>
+      </p:sp>
+      <p:sp>
+        <p:nvSpPr>
+          <p:cNvPr id="12" name="Arc 12">
+            <a:extLst>
+              <a:ext uri="{FF2B5EF4-FFF2-40B4-BE49-F238E27FC236}">
+                <a16:creationId xmlns:a16="http://schemas.microsoft.com/office/drawing/2014/main" id="{945CF325-B19F-084F-BB80-0F54804A0766}"/>
+              </a:ext>
+            </a:extLst>
+          </p:cNvPr>
+          <p:cNvSpPr>
+            <a:spLocks/>
+          </p:cNvSpPr>
+          <p:nvPr/>
+        </p:nvSpPr>
+        <p:spPr bwMode="auto">
+          <a:xfrm flipH="1">
+            <a:off x="4716463" y="5157788"/>
+            <a:ext cx="288925" cy="358775"/>
+          </a:xfrm>
+          <a:custGeom>
+            <a:avLst/>
+            <a:gdLst>
+              <a:gd name="G0" fmla="+- 0 0 0"/>
+              <a:gd name="G1" fmla="+- 21600 0 0"/>
+              <a:gd name="G2" fmla="+- 21600 0 0"/>
+              <a:gd name="T0" fmla="*/ 0 w 21600"/>
+              <a:gd name="T1" fmla="*/ 0 h 21600"/>
+              <a:gd name="T2" fmla="*/ 21600 w 21600"/>
+              <a:gd name="T3" fmla="*/ 21600 h 21600"/>
+              <a:gd name="T4" fmla="*/ 0 w 21600"/>
+              <a:gd name="T5" fmla="*/ 21600 h 21600"/>
+            </a:gdLst>
+            <a:ahLst/>
+            <a:cxnLst>
+              <a:cxn ang="0">
+                <a:pos x="T0" y="T1"/>
+              </a:cxn>
+              <a:cxn ang="0">
+                <a:pos x="T2" y="T3"/>
+              </a:cxn>
+              <a:cxn ang="0">
+                <a:pos x="T4" y="T5"/>
+              </a:cxn>
+            </a:cxnLst>
+            <a:rect l="0" t="0" r="r" b="b"/>
+            <a:pathLst>
+              <a:path w="21600" h="21600" fill="none" extrusionOk="0">
+                <a:moveTo>
+                  <a:pt x="-1" y="0"/>
+                </a:moveTo>
+                <a:cubicBezTo>
+                  <a:pt x="11929" y="0"/>
+                  <a:pt x="21600" y="9670"/>
+                  <a:pt x="21600" y="21600"/>
+                </a:cubicBezTo>
+              </a:path>
+              <a:path w="21600" h="21600" stroke="0" extrusionOk="0">
+                <a:moveTo>
+                  <a:pt x="-1" y="0"/>
+                </a:moveTo>
+                <a:cubicBezTo>
+                  <a:pt x="11929" y="0"/>
+                  <a:pt x="21600" y="9670"/>
+                  <a:pt x="21600" y="21600"/>
+                </a:cubicBezTo>
+                <a:lnTo>
+                  <a:pt x="0" y="21600"/>
+                </a:lnTo>
+                <a:close/>
+              </a:path>
+            </a:pathLst>
+          </a:custGeom>
+          <a:noFill/>
+          <a:ln w="9525">
+            <a:solidFill>
+              <a:schemeClr val="tx1"/>
+            </a:solidFill>
+            <a:round/>
+            <a:headEnd/>
+            <a:tailEnd/>
+          </a:ln>
+          <a:effectLst/>
+          <a:extLst>
+            <a:ext uri="{909E8E84-426E-40DD-AFC4-6F175D3DCCD1}">
+              <a14:hiddenFill xmlns:a14="http://schemas.microsoft.com/office/drawing/2010/main">
+                <a:solidFill>
+                  <a:schemeClr val="accent1"/>
+                </a:solidFill>
+              </a14:hiddenFill>
+            </a:ext>
+            <a:ext uri="{AF507438-7753-43E0-B8FC-AC1667EBCBE1}">
+              <a14:hiddenEffects xmlns:a14="http://schemas.microsoft.com/office/drawing/2010/main">
+                <a:effectLst>
+                  <a:outerShdw dist="35921" dir="2700000" algn="ctr" rotWithShape="0">
+                    <a:schemeClr val="bg2"/>
+                  </a:outerShdw>
+                </a:effectLst>
+              </a14:hiddenEffects>
+            </a:ext>
+          </a:extLst>
+        </p:spPr>
+        <p:txBody>
+          <a:bodyPr wrap="none" anchor="ctr"/>
+          <a:lstStyle/>
+          <a:p>
+            <a:endParaRPr lang="ja-JP" altLang="en-US"/>
+          </a:p>
+        </p:txBody>
+      </p:sp>
+      <p:sp>
+        <p:nvSpPr>
+          <p:cNvPr id="13" name="Text Box 13">
+            <a:extLst>
+              <a:ext uri="{FF2B5EF4-FFF2-40B4-BE49-F238E27FC236}">
+                <a16:creationId xmlns:a16="http://schemas.microsoft.com/office/drawing/2014/main" id="{C787368A-66D5-CC40-B073-0A70FE4C9002}"/>
+              </a:ext>
+            </a:extLst>
+          </p:cNvPr>
+          <p:cNvSpPr txBox="1">
+            <a:spLocks noChangeArrowheads="1"/>
+          </p:cNvSpPr>
+          <p:nvPr/>
+        </p:nvSpPr>
+        <p:spPr bwMode="auto">
+          <a:xfrm>
+            <a:off x="5508625" y="4292600"/>
+            <a:ext cx="576263" cy="457200"/>
+          </a:xfrm>
+          <a:prstGeom prst="rect">
+            <a:avLst/>
+          </a:prstGeom>
+          <a:noFill/>
+          <a:ln>
+            <a:noFill/>
+          </a:ln>
+          <a:effectLst/>
+          <a:extLst>
+            <a:ext uri="{909E8E84-426E-40DD-AFC4-6F175D3DCCD1}">
+              <a14:hiddenFill xmlns:a14="http://schemas.microsoft.com/office/drawing/2010/main">
+                <a:solidFill>
+                  <a:schemeClr val="accent1"/>
+                </a:solidFill>
+              </a14:hiddenFill>
+            </a:ext>
+            <a:ext uri="{91240B29-F687-4F45-9708-019B960494DF}">
+              <a14:hiddenLine xmlns:a14="http://schemas.microsoft.com/office/drawing/2010/main" w="9525">
+                <a:solidFill>
+                  <a:schemeClr val="tx1"/>
+                </a:solidFill>
+                <a:miter lim="800000"/>
+                <a:headEnd/>
+                <a:tailEnd/>
+              </a14:hiddenLine>
+            </a:ext>
+            <a:ext uri="{AF507438-7753-43E0-B8FC-AC1667EBCBE1}">
+              <a14:hiddenEffects xmlns:a14="http://schemas.microsoft.com/office/drawing/2010/main">
+                <a:effectLst>
+                  <a:outerShdw dist="35921" dir="2700000" algn="ctr" rotWithShape="0">
+                    <a:schemeClr val="bg2"/>
+                  </a:outerShdw>
+                </a:effectLst>
+              </a14:hiddenEffects>
+            </a:ext>
+          </a:extLst>
+        </p:spPr>
+        <p:txBody>
+          <a:bodyPr>
+            <a:spAutoFit/>
+          </a:bodyPr>
+          <a:lstStyle/>
+          <a:p>
+            <a:pPr>
+              <a:spcBef>
+                <a:spcPct val="50000"/>
+              </a:spcBef>
             </a:pPr>
             <a:r>
-              <a:rPr lang="en-US" sz="2000" dirty="0"/>
-              <a:t>a(x – x0) + y(y – y0) = 0 </a:t>
-            </a:r>
-            <a:r>
-              <a:rPr lang="ja-JP" altLang="en-US" sz="2000" dirty="0"/>
-              <a:t>→この時に式の交点は</a:t>
-            </a:r>
-            <a:r>
-              <a:rPr lang="en-US" altLang="ja-JP" sz="2000" dirty="0"/>
-              <a:t>(xo, </a:t>
-            </a:r>
-            <a:r>
-              <a:rPr lang="en-US" altLang="ja-JP" sz="2000" dirty="0" err="1"/>
-              <a:t>yo</a:t>
-            </a:r>
-            <a:r>
-              <a:rPr lang="en-US" altLang="ja-JP" sz="2000" dirty="0"/>
-              <a:t>)</a:t>
-            </a:r>
-            <a:r>
-              <a:rPr lang="ja-JP" altLang="en-US" sz="2000" dirty="0"/>
-              <a:t>になる</a:t>
-            </a:r>
-            <a:endParaRPr lang="en-US" altLang="ja-JP" sz="2000" dirty="0"/>
-          </a:p>
-          <a:p>
-            <a:pPr marL="0" indent="0">
-              <a:buNone/>
+              <a:rPr lang="en-US" altLang="ja-JP" sz="2000">
+                <a:latin typeface="Times New Roman" pitchFamily="18" charset="0"/>
+              </a:rPr>
+              <a:t>1+</a:t>
+            </a:r>
+            <a:r>
+              <a:rPr lang="en-US" altLang="ja-JP" sz="2000" i="1">
+                <a:latin typeface="Times New Roman" pitchFamily="18" charset="0"/>
+              </a:rPr>
+              <a:t>r</a:t>
+            </a:r>
+            <a:r>
+              <a:rPr lang="en-US" altLang="ja-JP" sz="2400">
+                <a:latin typeface="Times New Roman" pitchFamily="18" charset="0"/>
+              </a:rPr>
+              <a:t> </a:t>
+            </a:r>
+            <a:endParaRPr lang="en-US" altLang="ja-JP" sz="2400" i="1">
+              <a:latin typeface="Times New Roman" pitchFamily="18" charset="0"/>
+            </a:endParaRPr>
+          </a:p>
+        </p:txBody>
+      </p:sp>
+      <p:sp>
+        <p:nvSpPr>
+          <p:cNvPr id="14" name="Arc 15">
+            <a:extLst>
+              <a:ext uri="{FF2B5EF4-FFF2-40B4-BE49-F238E27FC236}">
+                <a16:creationId xmlns:a16="http://schemas.microsoft.com/office/drawing/2014/main" id="{DEF04C45-97DF-4246-9F1B-C47D9C34266A}"/>
+              </a:ext>
+            </a:extLst>
+          </p:cNvPr>
+          <p:cNvSpPr>
+            <a:spLocks/>
+          </p:cNvSpPr>
+          <p:nvPr/>
+        </p:nvSpPr>
+        <p:spPr bwMode="auto">
+          <a:xfrm rot="-10800000">
+            <a:off x="2771775" y="1557338"/>
+            <a:ext cx="3455988" cy="3455987"/>
+          </a:xfrm>
+          <a:custGeom>
+            <a:avLst/>
+            <a:gdLst>
+              <a:gd name="G0" fmla="+- 0 0 0"/>
+              <a:gd name="G1" fmla="+- 21600 0 0"/>
+              <a:gd name="G2" fmla="+- 21600 0 0"/>
+              <a:gd name="T0" fmla="*/ 0 w 21600"/>
+              <a:gd name="T1" fmla="*/ 0 h 21600"/>
+              <a:gd name="T2" fmla="*/ 21600 w 21600"/>
+              <a:gd name="T3" fmla="*/ 21600 h 21600"/>
+              <a:gd name="T4" fmla="*/ 0 w 21600"/>
+              <a:gd name="T5" fmla="*/ 21600 h 21600"/>
+            </a:gdLst>
+            <a:ahLst/>
+            <a:cxnLst>
+              <a:cxn ang="0">
+                <a:pos x="T0" y="T1"/>
+              </a:cxn>
+              <a:cxn ang="0">
+                <a:pos x="T2" y="T3"/>
+              </a:cxn>
+              <a:cxn ang="0">
+                <a:pos x="T4" y="T5"/>
+              </a:cxn>
+            </a:cxnLst>
+            <a:rect l="0" t="0" r="r" b="b"/>
+            <a:pathLst>
+              <a:path w="21600" h="21600" fill="none" extrusionOk="0">
+                <a:moveTo>
+                  <a:pt x="-1" y="0"/>
+                </a:moveTo>
+                <a:cubicBezTo>
+                  <a:pt x="11929" y="0"/>
+                  <a:pt x="21600" y="9670"/>
+                  <a:pt x="21600" y="21600"/>
+                </a:cubicBezTo>
+              </a:path>
+              <a:path w="21600" h="21600" stroke="0" extrusionOk="0">
+                <a:moveTo>
+                  <a:pt x="-1" y="0"/>
+                </a:moveTo>
+                <a:cubicBezTo>
+                  <a:pt x="11929" y="0"/>
+                  <a:pt x="21600" y="9670"/>
+                  <a:pt x="21600" y="21600"/>
+                </a:cubicBezTo>
+                <a:lnTo>
+                  <a:pt x="0" y="21600"/>
+                </a:lnTo>
+                <a:close/>
+              </a:path>
+            </a:pathLst>
+          </a:custGeom>
+          <a:noFill/>
+          <a:ln w="57150">
+            <a:solidFill>
+              <a:schemeClr val="tx2"/>
+            </a:solidFill>
+            <a:round/>
+            <a:headEnd/>
+            <a:tailEnd/>
+          </a:ln>
+          <a:effectLst/>
+          <a:extLst>
+            <a:ext uri="{909E8E84-426E-40DD-AFC4-6F175D3DCCD1}">
+              <a14:hiddenFill xmlns:a14="http://schemas.microsoft.com/office/drawing/2010/main">
+                <a:solidFill>
+                  <a:schemeClr val="accent1"/>
+                </a:solidFill>
+              </a14:hiddenFill>
+            </a:ext>
+            <a:ext uri="{AF507438-7753-43E0-B8FC-AC1667EBCBE1}">
+              <a14:hiddenEffects xmlns:a14="http://schemas.microsoft.com/office/drawing/2010/main">
+                <a:effectLst>
+                  <a:outerShdw dist="35921" dir="2700000" algn="ctr" rotWithShape="0">
+                    <a:schemeClr val="bg2"/>
+                  </a:outerShdw>
+                </a:effectLst>
+              </a14:hiddenEffects>
+            </a:ext>
+          </a:extLst>
+        </p:spPr>
+        <p:txBody>
+          <a:bodyPr wrap="none" anchor="ctr"/>
+          <a:lstStyle/>
+          <a:p>
+            <a:endParaRPr lang="ja-JP" altLang="en-US"/>
+          </a:p>
+        </p:txBody>
+      </p:sp>
+      <p:sp>
+        <p:nvSpPr>
+          <p:cNvPr id="15" name="Text Box 19">
+            <a:extLst>
+              <a:ext uri="{FF2B5EF4-FFF2-40B4-BE49-F238E27FC236}">
+                <a16:creationId xmlns:a16="http://schemas.microsoft.com/office/drawing/2014/main" id="{B5CF9EF8-F01E-5447-9412-AF59B8E1A7CA}"/>
+              </a:ext>
+            </a:extLst>
+          </p:cNvPr>
+          <p:cNvSpPr txBox="1">
+            <a:spLocks noChangeArrowheads="1"/>
+          </p:cNvSpPr>
+          <p:nvPr/>
+        </p:nvSpPr>
+        <p:spPr bwMode="auto">
+          <a:xfrm>
+            <a:off x="3851275" y="3644900"/>
+            <a:ext cx="288925" cy="396875"/>
+          </a:xfrm>
+          <a:prstGeom prst="rect">
+            <a:avLst/>
+          </a:prstGeom>
+          <a:noFill/>
+          <a:ln>
+            <a:noFill/>
+          </a:ln>
+          <a:effectLst/>
+          <a:extLst>
+            <a:ext uri="{909E8E84-426E-40DD-AFC4-6F175D3DCCD1}">
+              <a14:hiddenFill xmlns:a14="http://schemas.microsoft.com/office/drawing/2010/main">
+                <a:solidFill>
+                  <a:schemeClr val="accent1"/>
+                </a:solidFill>
+              </a14:hiddenFill>
+            </a:ext>
+            <a:ext uri="{91240B29-F687-4F45-9708-019B960494DF}">
+              <a14:hiddenLine xmlns:a14="http://schemas.microsoft.com/office/drawing/2010/main" w="9525">
+                <a:solidFill>
+                  <a:schemeClr val="tx1"/>
+                </a:solidFill>
+                <a:miter lim="800000"/>
+                <a:headEnd/>
+                <a:tailEnd/>
+              </a14:hiddenLine>
+            </a:ext>
+            <a:ext uri="{AF507438-7753-43E0-B8FC-AC1667EBCBE1}">
+              <a14:hiddenEffects xmlns:a14="http://schemas.microsoft.com/office/drawing/2010/main">
+                <a:effectLst>
+                  <a:outerShdw dist="35921" dir="2700000" algn="ctr" rotWithShape="0">
+                    <a:schemeClr val="bg2"/>
+                  </a:outerShdw>
+                </a:effectLst>
+              </a14:hiddenEffects>
+            </a:ext>
+          </a:extLst>
+        </p:spPr>
+        <p:txBody>
+          <a:bodyPr>
+            <a:spAutoFit/>
+          </a:bodyPr>
+          <a:lstStyle/>
+          <a:p>
+            <a:pPr>
+              <a:spcBef>
+                <a:spcPct val="50000"/>
+              </a:spcBef>
             </a:pPr>
-            <a:endParaRPr lang="en-US" sz="2000" dirty="0"/>
-          </a:p>
-          <a:p>
-            <a:pPr marL="0" indent="0">
-              <a:buNone/>
+            <a:r>
+              <a:rPr lang="en-US" altLang="ja-JP" sz="2000" i="1">
+                <a:latin typeface="Times New Roman" pitchFamily="18" charset="0"/>
+                <a:cs typeface="Times New Roman" pitchFamily="18" charset="0"/>
+              </a:rPr>
+              <a:t>E</a:t>
+            </a:r>
+          </a:p>
+        </p:txBody>
+      </p:sp>
+      <p:sp>
+        <p:nvSpPr>
+          <p:cNvPr id="16" name="Line 24">
+            <a:extLst>
+              <a:ext uri="{FF2B5EF4-FFF2-40B4-BE49-F238E27FC236}">
+                <a16:creationId xmlns:a16="http://schemas.microsoft.com/office/drawing/2014/main" id="{48051467-D78C-8A42-8D1F-82836A14B6BB}"/>
+              </a:ext>
+            </a:extLst>
+          </p:cNvPr>
+          <p:cNvSpPr>
+            <a:spLocks noChangeShapeType="1"/>
+          </p:cNvSpPr>
+          <p:nvPr/>
+        </p:nvSpPr>
+        <p:spPr bwMode="auto">
+          <a:xfrm flipH="1">
+            <a:off x="2124075" y="4076700"/>
+            <a:ext cx="1727200" cy="0"/>
+          </a:xfrm>
+          <a:prstGeom prst="line">
+            <a:avLst/>
+          </a:prstGeom>
+          <a:noFill/>
+          <a:ln w="9525" cap="rnd">
+            <a:solidFill>
+              <a:schemeClr val="tx1"/>
+            </a:solidFill>
+            <a:prstDash val="sysDot"/>
+            <a:round/>
+            <a:headEnd/>
+            <a:tailEnd/>
+          </a:ln>
+          <a:effectLst/>
+          <a:extLst>
+            <a:ext uri="{909E8E84-426E-40DD-AFC4-6F175D3DCCD1}">
+              <a14:hiddenFill xmlns:a14="http://schemas.microsoft.com/office/drawing/2010/main">
+                <a:noFill/>
+              </a14:hiddenFill>
+            </a:ext>
+            <a:ext uri="{AF507438-7753-43E0-B8FC-AC1667EBCBE1}">
+              <a14:hiddenEffects xmlns:a14="http://schemas.microsoft.com/office/drawing/2010/main">
+                <a:effectLst>
+                  <a:outerShdw dist="35921" dir="2700000" algn="ctr" rotWithShape="0">
+                    <a:schemeClr val="bg2"/>
+                  </a:outerShdw>
+                </a:effectLst>
+              </a14:hiddenEffects>
+            </a:ext>
+          </a:extLst>
+        </p:spPr>
+        <p:txBody>
+          <a:bodyPr/>
+          <a:lstStyle/>
+          <a:p>
+            <a:endParaRPr lang="ja-JP" altLang="en-US"/>
+          </a:p>
+        </p:txBody>
+      </p:sp>
+      <p:sp>
+        <p:nvSpPr>
+          <p:cNvPr id="17" name="Oval 23">
+            <a:extLst>
+              <a:ext uri="{FF2B5EF4-FFF2-40B4-BE49-F238E27FC236}">
+                <a16:creationId xmlns:a16="http://schemas.microsoft.com/office/drawing/2014/main" id="{60070381-95CB-364E-8F08-9F0CA666120E}"/>
+              </a:ext>
+            </a:extLst>
+          </p:cNvPr>
+          <p:cNvSpPr>
+            <a:spLocks noChangeArrowheads="1"/>
+          </p:cNvSpPr>
+          <p:nvPr/>
+        </p:nvSpPr>
+        <p:spPr bwMode="auto">
+          <a:xfrm>
+            <a:off x="5291931" y="5432425"/>
+            <a:ext cx="142875" cy="142875"/>
+          </a:xfrm>
+          <a:prstGeom prst="ellipse">
+            <a:avLst/>
+          </a:prstGeom>
+          <a:solidFill>
+            <a:schemeClr val="accent1"/>
+          </a:solidFill>
+          <a:ln w="9525">
+            <a:solidFill>
+              <a:schemeClr val="tx1"/>
+            </a:solidFill>
+            <a:round/>
+            <a:headEnd/>
+            <a:tailEnd/>
+          </a:ln>
+          <a:effectLst/>
+          <a:extLst>
+            <a:ext uri="{AF507438-7753-43E0-B8FC-AC1667EBCBE1}">
+              <a14:hiddenEffects xmlns:a14="http://schemas.microsoft.com/office/drawing/2010/main">
+                <a:effectLst>
+                  <a:outerShdw dist="35921" dir="2700000" algn="ctr" rotWithShape="0">
+                    <a:schemeClr val="bg2"/>
+                  </a:outerShdw>
+                </a:effectLst>
+              </a14:hiddenEffects>
+            </a:ext>
+          </a:extLst>
+        </p:spPr>
+        <p:txBody>
+          <a:bodyPr wrap="none" anchor="ctr"/>
+          <a:lstStyle/>
+          <a:p>
+            <a:endParaRPr lang="ja-JP" altLang="en-US"/>
+          </a:p>
+        </p:txBody>
+      </p:sp>
+      <p:sp>
+        <p:nvSpPr>
+          <p:cNvPr id="18" name="Line 26">
+            <a:extLst>
+              <a:ext uri="{FF2B5EF4-FFF2-40B4-BE49-F238E27FC236}">
+                <a16:creationId xmlns:a16="http://schemas.microsoft.com/office/drawing/2014/main" id="{0DB7D57B-EBF7-0844-AA86-0341CC88EA45}"/>
+              </a:ext>
+            </a:extLst>
+          </p:cNvPr>
+          <p:cNvSpPr>
+            <a:spLocks noChangeShapeType="1"/>
+          </p:cNvSpPr>
+          <p:nvPr/>
+        </p:nvSpPr>
+        <p:spPr bwMode="auto">
+          <a:xfrm>
+            <a:off x="4500563" y="4797425"/>
+            <a:ext cx="0" cy="719138"/>
+          </a:xfrm>
+          <a:prstGeom prst="line">
+            <a:avLst/>
+          </a:prstGeom>
+          <a:noFill/>
+          <a:ln w="9525" cap="rnd">
+            <a:solidFill>
+              <a:schemeClr val="tx1"/>
+            </a:solidFill>
+            <a:prstDash val="sysDot"/>
+            <a:round/>
+            <a:headEnd/>
+            <a:tailEnd/>
+          </a:ln>
+          <a:effectLst/>
+          <a:extLst>
+            <a:ext uri="{909E8E84-426E-40DD-AFC4-6F175D3DCCD1}">
+              <a14:hiddenFill xmlns:a14="http://schemas.microsoft.com/office/drawing/2010/main">
+                <a:noFill/>
+              </a14:hiddenFill>
+            </a:ext>
+            <a:ext uri="{AF507438-7753-43E0-B8FC-AC1667EBCBE1}">
+              <a14:hiddenEffects xmlns:a14="http://schemas.microsoft.com/office/drawing/2010/main">
+                <a:effectLst>
+                  <a:outerShdw dist="35921" dir="2700000" algn="ctr" rotWithShape="0">
+                    <a:schemeClr val="bg2"/>
+                  </a:outerShdw>
+                </a:effectLst>
+              </a14:hiddenEffects>
+            </a:ext>
+          </a:extLst>
+        </p:spPr>
+        <p:txBody>
+          <a:bodyPr/>
+          <a:lstStyle/>
+          <a:p>
+            <a:endParaRPr lang="ja-JP" altLang="en-US"/>
+          </a:p>
+        </p:txBody>
+      </p:sp>
+      <p:sp>
+        <p:nvSpPr>
+          <p:cNvPr id="19" name="Line 27">
+            <a:extLst>
+              <a:ext uri="{FF2B5EF4-FFF2-40B4-BE49-F238E27FC236}">
+                <a16:creationId xmlns:a16="http://schemas.microsoft.com/office/drawing/2014/main" id="{9485DAC7-514E-0549-B849-A9140EAC0CA5}"/>
+              </a:ext>
+            </a:extLst>
+          </p:cNvPr>
+          <p:cNvSpPr>
+            <a:spLocks noChangeShapeType="1"/>
+          </p:cNvSpPr>
+          <p:nvPr/>
+        </p:nvSpPr>
+        <p:spPr bwMode="auto">
+          <a:xfrm flipH="1">
+            <a:off x="2124075" y="4724400"/>
+            <a:ext cx="2303463" cy="0"/>
+          </a:xfrm>
+          <a:prstGeom prst="line">
+            <a:avLst/>
+          </a:prstGeom>
+          <a:noFill/>
+          <a:ln w="9525" cap="rnd">
+            <a:solidFill>
+              <a:schemeClr val="tx1"/>
+            </a:solidFill>
+            <a:prstDash val="sysDot"/>
+            <a:round/>
+            <a:headEnd/>
+            <a:tailEnd/>
+          </a:ln>
+          <a:effectLst/>
+          <a:extLst>
+            <a:ext uri="{909E8E84-426E-40DD-AFC4-6F175D3DCCD1}">
+              <a14:hiddenFill xmlns:a14="http://schemas.microsoft.com/office/drawing/2010/main">
+                <a:noFill/>
+              </a14:hiddenFill>
+            </a:ext>
+            <a:ext uri="{AF507438-7753-43E0-B8FC-AC1667EBCBE1}">
+              <a14:hiddenEffects xmlns:a14="http://schemas.microsoft.com/office/drawing/2010/main">
+                <a:effectLst>
+                  <a:outerShdw dist="35921" dir="2700000" algn="ctr" rotWithShape="0">
+                    <a:schemeClr val="bg2"/>
+                  </a:outerShdw>
+                </a:effectLst>
+              </a14:hiddenEffects>
+            </a:ext>
+          </a:extLst>
+        </p:spPr>
+        <p:txBody>
+          <a:bodyPr/>
+          <a:lstStyle/>
+          <a:p>
+            <a:endParaRPr lang="ja-JP" altLang="en-US"/>
+          </a:p>
+        </p:txBody>
+      </p:sp>
+      <p:sp>
+        <p:nvSpPr>
+          <p:cNvPr id="20" name="Line 25">
+            <a:extLst>
+              <a:ext uri="{FF2B5EF4-FFF2-40B4-BE49-F238E27FC236}">
+                <a16:creationId xmlns:a16="http://schemas.microsoft.com/office/drawing/2014/main" id="{B0344849-3E0A-884E-8B9E-84B4CDCC9DD6}"/>
+              </a:ext>
+            </a:extLst>
+          </p:cNvPr>
+          <p:cNvSpPr>
+            <a:spLocks noChangeShapeType="1"/>
+          </p:cNvSpPr>
+          <p:nvPr/>
+        </p:nvSpPr>
+        <p:spPr bwMode="auto">
+          <a:xfrm>
+            <a:off x="3851275" y="4076700"/>
+            <a:ext cx="0" cy="1439863"/>
+          </a:xfrm>
+          <a:prstGeom prst="line">
+            <a:avLst/>
+          </a:prstGeom>
+          <a:noFill/>
+          <a:ln w="9525" cap="rnd">
+            <a:solidFill>
+              <a:schemeClr val="tx1"/>
+            </a:solidFill>
+            <a:prstDash val="sysDot"/>
+            <a:round/>
+            <a:headEnd/>
+            <a:tailEnd/>
+          </a:ln>
+          <a:effectLst/>
+          <a:extLst>
+            <a:ext uri="{909E8E84-426E-40DD-AFC4-6F175D3DCCD1}">
+              <a14:hiddenFill xmlns:a14="http://schemas.microsoft.com/office/drawing/2010/main">
+                <a:noFill/>
+              </a14:hiddenFill>
+            </a:ext>
+            <a:ext uri="{AF507438-7753-43E0-B8FC-AC1667EBCBE1}">
+              <a14:hiddenEffects xmlns:a14="http://schemas.microsoft.com/office/drawing/2010/main">
+                <a:effectLst>
+                  <a:outerShdw dist="35921" dir="2700000" algn="ctr" rotWithShape="0">
+                    <a:schemeClr val="bg2"/>
+                  </a:outerShdw>
+                </a:effectLst>
+              </a14:hiddenEffects>
+            </a:ext>
+          </a:extLst>
+        </p:spPr>
+        <p:txBody>
+          <a:bodyPr/>
+          <a:lstStyle/>
+          <a:p>
+            <a:endParaRPr lang="ja-JP" altLang="en-US"/>
+          </a:p>
+        </p:txBody>
+      </p:sp>
+      <p:sp>
+        <p:nvSpPr>
+          <p:cNvPr id="21" name="Oval 17">
+            <a:extLst>
+              <a:ext uri="{FF2B5EF4-FFF2-40B4-BE49-F238E27FC236}">
+                <a16:creationId xmlns:a16="http://schemas.microsoft.com/office/drawing/2014/main" id="{F383A2FD-5B30-6B46-86FF-D5EA8598A093}"/>
+              </a:ext>
+            </a:extLst>
+          </p:cNvPr>
+          <p:cNvSpPr>
+            <a:spLocks noChangeArrowheads="1"/>
+          </p:cNvSpPr>
+          <p:nvPr/>
+        </p:nvSpPr>
+        <p:spPr bwMode="auto">
+          <a:xfrm>
+            <a:off x="3779838" y="4005263"/>
+            <a:ext cx="142875" cy="142875"/>
+          </a:xfrm>
+          <a:prstGeom prst="ellipse">
+            <a:avLst/>
+          </a:prstGeom>
+          <a:solidFill>
+            <a:schemeClr val="accent1"/>
+          </a:solidFill>
+          <a:ln w="9525">
+            <a:solidFill>
+              <a:schemeClr val="tx1"/>
+            </a:solidFill>
+            <a:round/>
+            <a:headEnd/>
+            <a:tailEnd/>
+          </a:ln>
+          <a:effectLst/>
+          <a:extLst>
+            <a:ext uri="{AF507438-7753-43E0-B8FC-AC1667EBCBE1}">
+              <a14:hiddenEffects xmlns:a14="http://schemas.microsoft.com/office/drawing/2010/main">
+                <a:effectLst>
+                  <a:outerShdw dist="35921" dir="2700000" algn="ctr" rotWithShape="0">
+                    <a:schemeClr val="bg2"/>
+                  </a:outerShdw>
+                </a:effectLst>
+              </a14:hiddenEffects>
+            </a:ext>
+          </a:extLst>
+        </p:spPr>
+        <p:txBody>
+          <a:bodyPr wrap="none" anchor="ctr"/>
+          <a:lstStyle/>
+          <a:p>
+            <a:endParaRPr lang="ja-JP" altLang="en-US"/>
+          </a:p>
+        </p:txBody>
+      </p:sp>
+      <p:sp>
+        <p:nvSpPr>
+          <p:cNvPr id="22" name="Text Box 28">
+            <a:extLst>
+              <a:ext uri="{FF2B5EF4-FFF2-40B4-BE49-F238E27FC236}">
+                <a16:creationId xmlns:a16="http://schemas.microsoft.com/office/drawing/2014/main" id="{0F6F57B6-B51B-1C47-8FB5-9D4BF242938E}"/>
+              </a:ext>
+            </a:extLst>
+          </p:cNvPr>
+          <p:cNvSpPr txBox="1">
+            <a:spLocks noChangeArrowheads="1"/>
+          </p:cNvSpPr>
+          <p:nvPr/>
+        </p:nvSpPr>
+        <p:spPr bwMode="auto">
+          <a:xfrm>
+            <a:off x="3635375" y="5516563"/>
+            <a:ext cx="720725" cy="457200"/>
+          </a:xfrm>
+          <a:prstGeom prst="rect">
+            <a:avLst/>
+          </a:prstGeom>
+          <a:noFill/>
+          <a:ln>
+            <a:noFill/>
+          </a:ln>
+          <a:effectLst/>
+          <a:extLst>
+            <a:ext uri="{909E8E84-426E-40DD-AFC4-6F175D3DCCD1}">
+              <a14:hiddenFill xmlns:a14="http://schemas.microsoft.com/office/drawing/2010/main">
+                <a:solidFill>
+                  <a:schemeClr val="accent1"/>
+                </a:solidFill>
+              </a14:hiddenFill>
+            </a:ext>
+            <a:ext uri="{91240B29-F687-4F45-9708-019B960494DF}">
+              <a14:hiddenLine xmlns:a14="http://schemas.microsoft.com/office/drawing/2010/main" w="9525">
+                <a:solidFill>
+                  <a:schemeClr val="tx1"/>
+                </a:solidFill>
+                <a:miter lim="800000"/>
+                <a:headEnd/>
+                <a:tailEnd/>
+              </a14:hiddenLine>
+            </a:ext>
+            <a:ext uri="{AF507438-7753-43E0-B8FC-AC1667EBCBE1}">
+              <a14:hiddenEffects xmlns:a14="http://schemas.microsoft.com/office/drawing/2010/main">
+                <a:effectLst>
+                  <a:outerShdw dist="35921" dir="2700000" algn="ctr" rotWithShape="0">
+                    <a:schemeClr val="bg2"/>
+                  </a:outerShdw>
+                </a:effectLst>
+              </a14:hiddenEffects>
+            </a:ext>
+          </a:extLst>
+        </p:spPr>
+        <p:txBody>
+          <a:bodyPr>
+            <a:spAutoFit/>
+          </a:bodyPr>
+          <a:lstStyle/>
+          <a:p>
+            <a:pPr>
+              <a:spcBef>
+                <a:spcPct val="50000"/>
+              </a:spcBef>
             </a:pPr>
             <a:r>
-              <a:rPr lang="ja-JP" altLang="en-US" sz="2000" dirty="0"/>
-              <a:t>→消費を平準化している</a:t>
-            </a:r>
-            <a:endParaRPr lang="en-US" sz="2000" dirty="0"/>
+              <a:rPr lang="en-US" altLang="ja-JP" sz="2400" i="1">
+                <a:latin typeface="Times New Roman" pitchFamily="18" charset="0"/>
+              </a:rPr>
+              <a:t>C</a:t>
+            </a:r>
+            <a:r>
+              <a:rPr lang="en-US" altLang="ja-JP" sz="2400" baseline="-25000">
+                <a:latin typeface="Times New Roman" pitchFamily="18" charset="0"/>
+              </a:rPr>
+              <a:t>1</a:t>
+            </a:r>
+            <a:r>
+              <a:rPr lang="en-US" altLang="ja-JP" sz="2400" baseline="30000">
+                <a:latin typeface="Times New Roman" pitchFamily="18" charset="0"/>
+              </a:rPr>
+              <a:t>*</a:t>
+            </a:r>
+          </a:p>
+        </p:txBody>
+      </p:sp>
+      <p:sp>
+        <p:nvSpPr>
+          <p:cNvPr id="23" name="Text Box 29">
+            <a:extLst>
+              <a:ext uri="{FF2B5EF4-FFF2-40B4-BE49-F238E27FC236}">
+                <a16:creationId xmlns:a16="http://schemas.microsoft.com/office/drawing/2014/main" id="{AA590CE8-8471-D948-8430-8D9B9EFD2D4F}"/>
+              </a:ext>
+            </a:extLst>
+          </p:cNvPr>
+          <p:cNvSpPr txBox="1">
+            <a:spLocks noChangeArrowheads="1"/>
+          </p:cNvSpPr>
+          <p:nvPr/>
+        </p:nvSpPr>
+        <p:spPr bwMode="auto">
+          <a:xfrm>
+            <a:off x="1547813" y="3789363"/>
+            <a:ext cx="647700" cy="457200"/>
+          </a:xfrm>
+          <a:prstGeom prst="rect">
+            <a:avLst/>
+          </a:prstGeom>
+          <a:noFill/>
+          <a:ln>
+            <a:noFill/>
+          </a:ln>
+          <a:effectLst/>
+          <a:extLst>
+            <a:ext uri="{909E8E84-426E-40DD-AFC4-6F175D3DCCD1}">
+              <a14:hiddenFill xmlns:a14="http://schemas.microsoft.com/office/drawing/2010/main">
+                <a:solidFill>
+                  <a:schemeClr val="accent1"/>
+                </a:solidFill>
+              </a14:hiddenFill>
+            </a:ext>
+            <a:ext uri="{91240B29-F687-4F45-9708-019B960494DF}">
+              <a14:hiddenLine xmlns:a14="http://schemas.microsoft.com/office/drawing/2010/main" w="9525">
+                <a:solidFill>
+                  <a:schemeClr val="tx1"/>
+                </a:solidFill>
+                <a:miter lim="800000"/>
+                <a:headEnd/>
+                <a:tailEnd/>
+              </a14:hiddenLine>
+            </a:ext>
+            <a:ext uri="{AF507438-7753-43E0-B8FC-AC1667EBCBE1}">
+              <a14:hiddenEffects xmlns:a14="http://schemas.microsoft.com/office/drawing/2010/main">
+                <a:effectLst>
+                  <a:outerShdw dist="35921" dir="2700000" algn="ctr" rotWithShape="0">
+                    <a:schemeClr val="bg2"/>
+                  </a:outerShdw>
+                </a:effectLst>
+              </a14:hiddenEffects>
+            </a:ext>
+          </a:extLst>
+        </p:spPr>
+        <p:txBody>
+          <a:bodyPr>
+            <a:spAutoFit/>
+          </a:bodyPr>
+          <a:lstStyle/>
+          <a:p>
+            <a:pPr>
+              <a:spcBef>
+                <a:spcPct val="50000"/>
+              </a:spcBef>
+            </a:pPr>
+            <a:r>
+              <a:rPr lang="en-US" altLang="ja-JP" sz="2400" i="1">
+                <a:latin typeface="Times New Roman" pitchFamily="18" charset="0"/>
+              </a:rPr>
+              <a:t>C</a:t>
+            </a:r>
+            <a:r>
+              <a:rPr lang="en-US" altLang="ja-JP" sz="2400" baseline="-25000">
+                <a:latin typeface="Times New Roman" pitchFamily="18" charset="0"/>
+              </a:rPr>
+              <a:t>2</a:t>
+            </a:r>
+            <a:r>
+              <a:rPr lang="en-US" altLang="ja-JP" sz="2400" baseline="30000">
+                <a:latin typeface="Times New Roman" pitchFamily="18" charset="0"/>
+              </a:rPr>
+              <a:t>*</a:t>
+            </a:r>
+          </a:p>
+        </p:txBody>
+      </p:sp>
+      <p:sp>
+        <p:nvSpPr>
+          <p:cNvPr id="24" name="Line 30">
+            <a:extLst>
+              <a:ext uri="{FF2B5EF4-FFF2-40B4-BE49-F238E27FC236}">
+                <a16:creationId xmlns:a16="http://schemas.microsoft.com/office/drawing/2014/main" id="{03ECD918-CFE6-B64D-9807-568C0D3E9515}"/>
+              </a:ext>
+            </a:extLst>
+          </p:cNvPr>
+          <p:cNvSpPr>
+            <a:spLocks noChangeShapeType="1"/>
+          </p:cNvSpPr>
+          <p:nvPr/>
+        </p:nvSpPr>
+        <p:spPr bwMode="auto">
+          <a:xfrm flipH="1">
+            <a:off x="5003800" y="4724400"/>
+            <a:ext cx="576263" cy="649288"/>
+          </a:xfrm>
+          <a:prstGeom prst="line">
+            <a:avLst/>
+          </a:prstGeom>
+          <a:noFill/>
+          <a:ln w="9525">
+            <a:solidFill>
+              <a:schemeClr val="tx1"/>
+            </a:solidFill>
+            <a:round/>
+            <a:headEnd/>
+            <a:tailEnd type="triangle" w="med" len="med"/>
+          </a:ln>
+          <a:effectLst/>
+          <a:extLst>
+            <a:ext uri="{909E8E84-426E-40DD-AFC4-6F175D3DCCD1}">
+              <a14:hiddenFill xmlns:a14="http://schemas.microsoft.com/office/drawing/2010/main">
+                <a:noFill/>
+              </a14:hiddenFill>
+            </a:ext>
+            <a:ext uri="{AF507438-7753-43E0-B8FC-AC1667EBCBE1}">
+              <a14:hiddenEffects xmlns:a14="http://schemas.microsoft.com/office/drawing/2010/main">
+                <a:effectLst>
+                  <a:outerShdw dist="35921" dir="2700000" algn="ctr" rotWithShape="0">
+                    <a:schemeClr val="bg2"/>
+                  </a:outerShdw>
+                </a:effectLst>
+              </a14:hiddenEffects>
+            </a:ext>
+          </a:extLst>
+        </p:spPr>
+        <p:txBody>
+          <a:bodyPr/>
+          <a:lstStyle/>
+          <a:p>
+            <a:endParaRPr lang="ja-JP" altLang="en-US"/>
+          </a:p>
+        </p:txBody>
+      </p:sp>
+      <p:sp>
+        <p:nvSpPr>
+          <p:cNvPr id="25" name="Text Box 31">
+            <a:extLst>
+              <a:ext uri="{FF2B5EF4-FFF2-40B4-BE49-F238E27FC236}">
+                <a16:creationId xmlns:a16="http://schemas.microsoft.com/office/drawing/2014/main" id="{5ADD81ED-3B30-254E-A04F-A8D92717F375}"/>
+              </a:ext>
+            </a:extLst>
+          </p:cNvPr>
+          <p:cNvSpPr txBox="1">
+            <a:spLocks noChangeArrowheads="1"/>
+          </p:cNvSpPr>
+          <p:nvPr/>
+        </p:nvSpPr>
+        <p:spPr bwMode="auto">
+          <a:xfrm>
+            <a:off x="4140200" y="4652963"/>
+            <a:ext cx="287338" cy="396875"/>
+          </a:xfrm>
+          <a:prstGeom prst="rect">
+            <a:avLst/>
+          </a:prstGeom>
+          <a:noFill/>
+          <a:ln>
+            <a:noFill/>
+          </a:ln>
+          <a:effectLst/>
+          <a:extLst>
+            <a:ext uri="{909E8E84-426E-40DD-AFC4-6F175D3DCCD1}">
+              <a14:hiddenFill xmlns:a14="http://schemas.microsoft.com/office/drawing/2010/main">
+                <a:solidFill>
+                  <a:schemeClr val="accent1"/>
+                </a:solidFill>
+              </a14:hiddenFill>
+            </a:ext>
+            <a:ext uri="{91240B29-F687-4F45-9708-019B960494DF}">
+              <a14:hiddenLine xmlns:a14="http://schemas.microsoft.com/office/drawing/2010/main" w="9525">
+                <a:solidFill>
+                  <a:schemeClr val="tx1"/>
+                </a:solidFill>
+                <a:miter lim="800000"/>
+                <a:headEnd/>
+                <a:tailEnd/>
+              </a14:hiddenLine>
+            </a:ext>
+            <a:ext uri="{AF507438-7753-43E0-B8FC-AC1667EBCBE1}">
+              <a14:hiddenEffects xmlns:a14="http://schemas.microsoft.com/office/drawing/2010/main">
+                <a:effectLst>
+                  <a:outerShdw dist="35921" dir="2700000" algn="ctr" rotWithShape="0">
+                    <a:schemeClr val="bg2"/>
+                  </a:outerShdw>
+                </a:effectLst>
+              </a14:hiddenEffects>
+            </a:ext>
+          </a:extLst>
+        </p:spPr>
+        <p:txBody>
+          <a:bodyPr>
+            <a:spAutoFit/>
+          </a:bodyPr>
+          <a:lstStyle/>
+          <a:p>
+            <a:pPr>
+              <a:spcBef>
+                <a:spcPct val="50000"/>
+              </a:spcBef>
+            </a:pPr>
+            <a:r>
+              <a:rPr lang="en-US" altLang="ja-JP" sz="2000" i="1">
+                <a:latin typeface="Times New Roman" pitchFamily="18" charset="0"/>
+                <a:cs typeface="Times New Roman" pitchFamily="18" charset="0"/>
+              </a:rPr>
+              <a:t>A</a:t>
+            </a:r>
+          </a:p>
+        </p:txBody>
+      </p:sp>
+      <p:sp>
+        <p:nvSpPr>
+          <p:cNvPr id="26" name="Text Box 32">
+            <a:extLst>
+              <a:ext uri="{FF2B5EF4-FFF2-40B4-BE49-F238E27FC236}">
+                <a16:creationId xmlns:a16="http://schemas.microsoft.com/office/drawing/2014/main" id="{D07E54CE-45C5-774E-A13F-51C92992E6CB}"/>
+              </a:ext>
+            </a:extLst>
+          </p:cNvPr>
+          <p:cNvSpPr txBox="1">
+            <a:spLocks noChangeArrowheads="1"/>
+          </p:cNvSpPr>
+          <p:nvPr/>
+        </p:nvSpPr>
+        <p:spPr bwMode="auto">
+          <a:xfrm>
+            <a:off x="4356100" y="5516563"/>
+            <a:ext cx="647700" cy="457200"/>
+          </a:xfrm>
+          <a:prstGeom prst="rect">
+            <a:avLst/>
+          </a:prstGeom>
+          <a:noFill/>
+          <a:ln>
+            <a:noFill/>
+          </a:ln>
+          <a:effectLst/>
+          <a:extLst>
+            <a:ext uri="{909E8E84-426E-40DD-AFC4-6F175D3DCCD1}">
+              <a14:hiddenFill xmlns:a14="http://schemas.microsoft.com/office/drawing/2010/main">
+                <a:solidFill>
+                  <a:schemeClr val="accent1"/>
+                </a:solidFill>
+              </a14:hiddenFill>
+            </a:ext>
+            <a:ext uri="{91240B29-F687-4F45-9708-019B960494DF}">
+              <a14:hiddenLine xmlns:a14="http://schemas.microsoft.com/office/drawing/2010/main" w="9525">
+                <a:solidFill>
+                  <a:schemeClr val="tx1"/>
+                </a:solidFill>
+                <a:miter lim="800000"/>
+                <a:headEnd/>
+                <a:tailEnd/>
+              </a14:hiddenLine>
+            </a:ext>
+            <a:ext uri="{AF507438-7753-43E0-B8FC-AC1667EBCBE1}">
+              <a14:hiddenEffects xmlns:a14="http://schemas.microsoft.com/office/drawing/2010/main">
+                <a:effectLst>
+                  <a:outerShdw dist="35921" dir="2700000" algn="ctr" rotWithShape="0">
+                    <a:schemeClr val="bg2"/>
+                  </a:outerShdw>
+                </a:effectLst>
+              </a14:hiddenEffects>
+            </a:ext>
+          </a:extLst>
+        </p:spPr>
+        <p:txBody>
+          <a:bodyPr>
+            <a:spAutoFit/>
+          </a:bodyPr>
+          <a:lstStyle/>
+          <a:p>
+            <a:pPr>
+              <a:spcBef>
+                <a:spcPct val="50000"/>
+              </a:spcBef>
+            </a:pPr>
+            <a:r>
+              <a:rPr lang="en-US" altLang="ja-JP" sz="2400" i="1">
+                <a:latin typeface="Times New Roman" pitchFamily="18" charset="0"/>
+              </a:rPr>
+              <a:t>W</a:t>
+            </a:r>
+            <a:r>
+              <a:rPr lang="en-US" altLang="ja-JP" sz="2400" baseline="-25000">
+                <a:latin typeface="Times New Roman" pitchFamily="18" charset="0"/>
+              </a:rPr>
+              <a:t>1</a:t>
+            </a:r>
+            <a:endParaRPr lang="en-US" altLang="ja-JP" sz="2400" baseline="30000">
+              <a:latin typeface="Times New Roman" pitchFamily="18" charset="0"/>
+            </a:endParaRPr>
+          </a:p>
+        </p:txBody>
+      </p:sp>
+      <p:sp>
+        <p:nvSpPr>
+          <p:cNvPr id="27" name="Text Box 33">
+            <a:extLst>
+              <a:ext uri="{FF2B5EF4-FFF2-40B4-BE49-F238E27FC236}">
+                <a16:creationId xmlns:a16="http://schemas.microsoft.com/office/drawing/2014/main" id="{DB7FBA81-2B93-6A4F-A64D-12A062B3C226}"/>
+              </a:ext>
+            </a:extLst>
+          </p:cNvPr>
+          <p:cNvSpPr txBox="1">
+            <a:spLocks noChangeArrowheads="1"/>
+          </p:cNvSpPr>
+          <p:nvPr/>
+        </p:nvSpPr>
+        <p:spPr bwMode="auto">
+          <a:xfrm>
+            <a:off x="1547813" y="4437063"/>
+            <a:ext cx="574675" cy="457200"/>
+          </a:xfrm>
+          <a:prstGeom prst="rect">
+            <a:avLst/>
+          </a:prstGeom>
+          <a:noFill/>
+          <a:ln>
+            <a:noFill/>
+          </a:ln>
+          <a:effectLst/>
+          <a:extLst>
+            <a:ext uri="{909E8E84-426E-40DD-AFC4-6F175D3DCCD1}">
+              <a14:hiddenFill xmlns:a14="http://schemas.microsoft.com/office/drawing/2010/main">
+                <a:solidFill>
+                  <a:schemeClr val="accent1"/>
+                </a:solidFill>
+              </a14:hiddenFill>
+            </a:ext>
+            <a:ext uri="{91240B29-F687-4F45-9708-019B960494DF}">
+              <a14:hiddenLine xmlns:a14="http://schemas.microsoft.com/office/drawing/2010/main" w="9525">
+                <a:solidFill>
+                  <a:schemeClr val="tx1"/>
+                </a:solidFill>
+                <a:miter lim="800000"/>
+                <a:headEnd/>
+                <a:tailEnd/>
+              </a14:hiddenLine>
+            </a:ext>
+            <a:ext uri="{AF507438-7753-43E0-B8FC-AC1667EBCBE1}">
+              <a14:hiddenEffects xmlns:a14="http://schemas.microsoft.com/office/drawing/2010/main">
+                <a:effectLst>
+                  <a:outerShdw dist="35921" dir="2700000" algn="ctr" rotWithShape="0">
+                    <a:schemeClr val="bg2"/>
+                  </a:outerShdw>
+                </a:effectLst>
+              </a14:hiddenEffects>
+            </a:ext>
+          </a:extLst>
+        </p:spPr>
+        <p:txBody>
+          <a:bodyPr>
+            <a:spAutoFit/>
+          </a:bodyPr>
+          <a:lstStyle/>
+          <a:p>
+            <a:pPr>
+              <a:spcBef>
+                <a:spcPct val="50000"/>
+              </a:spcBef>
+            </a:pPr>
+            <a:r>
+              <a:rPr lang="en-US" altLang="ja-JP" sz="2400" i="1">
+                <a:latin typeface="Times New Roman" pitchFamily="18" charset="0"/>
+              </a:rPr>
+              <a:t>W</a:t>
+            </a:r>
+            <a:r>
+              <a:rPr lang="en-US" altLang="ja-JP" sz="2400" baseline="-25000">
+                <a:latin typeface="Times New Roman" pitchFamily="18" charset="0"/>
+              </a:rPr>
+              <a:t>2</a:t>
+            </a:r>
+            <a:endParaRPr lang="en-US" altLang="ja-JP" sz="2400" baseline="30000">
+              <a:latin typeface="Times New Roman" pitchFamily="18" charset="0"/>
+            </a:endParaRPr>
+          </a:p>
+        </p:txBody>
+      </p:sp>
+      <p:sp>
+        <p:nvSpPr>
+          <p:cNvPr id="28" name="Line 34">
+            <a:extLst>
+              <a:ext uri="{FF2B5EF4-FFF2-40B4-BE49-F238E27FC236}">
+                <a16:creationId xmlns:a16="http://schemas.microsoft.com/office/drawing/2014/main" id="{A90A9326-41C1-B645-8AFC-F6D8B6D9B6FF}"/>
+              </a:ext>
+            </a:extLst>
+          </p:cNvPr>
+          <p:cNvSpPr>
+            <a:spLocks noChangeShapeType="1"/>
+          </p:cNvSpPr>
+          <p:nvPr/>
+        </p:nvSpPr>
+        <p:spPr bwMode="auto">
+          <a:xfrm>
+            <a:off x="3851275" y="5445125"/>
+            <a:ext cx="649288" cy="0"/>
+          </a:xfrm>
+          <a:prstGeom prst="line">
+            <a:avLst/>
+          </a:prstGeom>
+          <a:noFill/>
+          <a:ln w="57150">
+            <a:solidFill>
+              <a:srgbClr val="FF0000"/>
+            </a:solidFill>
+            <a:round/>
+            <a:headEnd type="triangle" w="med" len="med"/>
+            <a:tailEnd type="triangle" w="med" len="med"/>
+          </a:ln>
+          <a:effectLst/>
+          <a:extLst>
+            <a:ext uri="{909E8E84-426E-40DD-AFC4-6F175D3DCCD1}">
+              <a14:hiddenFill xmlns:a14="http://schemas.microsoft.com/office/drawing/2010/main">
+                <a:noFill/>
+              </a14:hiddenFill>
+            </a:ext>
+            <a:ext uri="{AF507438-7753-43E0-B8FC-AC1667EBCBE1}">
+              <a14:hiddenEffects xmlns:a14="http://schemas.microsoft.com/office/drawing/2010/main">
+                <a:effectLst>
+                  <a:outerShdw dist="35921" dir="2700000" algn="ctr" rotWithShape="0">
+                    <a:schemeClr val="bg2"/>
+                  </a:outerShdw>
+                </a:effectLst>
+              </a14:hiddenEffects>
+            </a:ext>
+          </a:extLst>
+        </p:spPr>
+        <p:txBody>
+          <a:bodyPr/>
+          <a:lstStyle/>
+          <a:p>
+            <a:endParaRPr lang="ja-JP" altLang="en-US"/>
+          </a:p>
+        </p:txBody>
+      </p:sp>
+      <p:sp>
+        <p:nvSpPr>
+          <p:cNvPr id="29" name="Line 35">
+            <a:extLst>
+              <a:ext uri="{FF2B5EF4-FFF2-40B4-BE49-F238E27FC236}">
+                <a16:creationId xmlns:a16="http://schemas.microsoft.com/office/drawing/2014/main" id="{8F715F5E-528B-094B-B55F-8645A89419C7}"/>
+              </a:ext>
+            </a:extLst>
+          </p:cNvPr>
+          <p:cNvSpPr>
+            <a:spLocks noChangeShapeType="1"/>
+          </p:cNvSpPr>
+          <p:nvPr/>
+        </p:nvSpPr>
+        <p:spPr bwMode="auto">
+          <a:xfrm flipH="1">
+            <a:off x="4140200" y="3933825"/>
+            <a:ext cx="287338" cy="1366838"/>
+          </a:xfrm>
+          <a:prstGeom prst="line">
+            <a:avLst/>
+          </a:prstGeom>
+          <a:noFill/>
+          <a:ln w="9525">
+            <a:solidFill>
+              <a:schemeClr val="tx1"/>
+            </a:solidFill>
+            <a:round/>
+            <a:headEnd/>
+            <a:tailEnd type="triangle" w="med" len="med"/>
+          </a:ln>
+          <a:effectLst/>
+          <a:extLst>
+            <a:ext uri="{909E8E84-426E-40DD-AFC4-6F175D3DCCD1}">
+              <a14:hiddenFill xmlns:a14="http://schemas.microsoft.com/office/drawing/2010/main">
+                <a:noFill/>
+              </a14:hiddenFill>
+            </a:ext>
+            <a:ext uri="{AF507438-7753-43E0-B8FC-AC1667EBCBE1}">
+              <a14:hiddenEffects xmlns:a14="http://schemas.microsoft.com/office/drawing/2010/main">
+                <a:effectLst>
+                  <a:outerShdw dist="35921" dir="2700000" algn="ctr" rotWithShape="0">
+                    <a:schemeClr val="bg2"/>
+                  </a:outerShdw>
+                </a:effectLst>
+              </a14:hiddenEffects>
+            </a:ext>
+          </a:extLst>
+        </p:spPr>
+        <p:txBody>
+          <a:bodyPr/>
+          <a:lstStyle/>
+          <a:p>
+            <a:endParaRPr lang="ja-JP" altLang="en-US"/>
+          </a:p>
+        </p:txBody>
+      </p:sp>
+      <p:sp>
+        <p:nvSpPr>
+          <p:cNvPr id="30" name="Text Box 36">
+            <a:extLst>
+              <a:ext uri="{FF2B5EF4-FFF2-40B4-BE49-F238E27FC236}">
+                <a16:creationId xmlns:a16="http://schemas.microsoft.com/office/drawing/2014/main" id="{7C33A52B-0E4A-F84D-90A9-EC5356F36DBE}"/>
+              </a:ext>
+            </a:extLst>
+          </p:cNvPr>
+          <p:cNvSpPr txBox="1">
+            <a:spLocks noChangeArrowheads="1"/>
+          </p:cNvSpPr>
+          <p:nvPr/>
+        </p:nvSpPr>
+        <p:spPr bwMode="auto">
+          <a:xfrm>
+            <a:off x="4356100" y="3500438"/>
+            <a:ext cx="288925" cy="396875"/>
+          </a:xfrm>
+          <a:prstGeom prst="rect">
+            <a:avLst/>
+          </a:prstGeom>
+          <a:noFill/>
+          <a:ln>
+            <a:noFill/>
+          </a:ln>
+          <a:effectLst/>
+          <a:extLst>
+            <a:ext uri="{909E8E84-426E-40DD-AFC4-6F175D3DCCD1}">
+              <a14:hiddenFill xmlns:a14="http://schemas.microsoft.com/office/drawing/2010/main">
+                <a:solidFill>
+                  <a:schemeClr val="accent1"/>
+                </a:solidFill>
+              </a14:hiddenFill>
+            </a:ext>
+            <a:ext uri="{91240B29-F687-4F45-9708-019B960494DF}">
+              <a14:hiddenLine xmlns:a14="http://schemas.microsoft.com/office/drawing/2010/main" w="9525">
+                <a:solidFill>
+                  <a:schemeClr val="tx1"/>
+                </a:solidFill>
+                <a:miter lim="800000"/>
+                <a:headEnd/>
+                <a:tailEnd/>
+              </a14:hiddenLine>
+            </a:ext>
+            <a:ext uri="{AF507438-7753-43E0-B8FC-AC1667EBCBE1}">
+              <a14:hiddenEffects xmlns:a14="http://schemas.microsoft.com/office/drawing/2010/main">
+                <a:effectLst>
+                  <a:outerShdw dist="35921" dir="2700000" algn="ctr" rotWithShape="0">
+                    <a:schemeClr val="bg2"/>
+                  </a:outerShdw>
+                </a:effectLst>
+              </a14:hiddenEffects>
+            </a:ext>
+          </a:extLst>
+        </p:spPr>
+        <p:txBody>
+          <a:bodyPr>
+            <a:spAutoFit/>
+          </a:bodyPr>
+          <a:lstStyle/>
+          <a:p>
+            <a:pPr>
+              <a:spcBef>
+                <a:spcPct val="50000"/>
+              </a:spcBef>
+            </a:pPr>
+            <a:r>
+              <a:rPr lang="en-US" altLang="ja-JP" sz="2000" i="1">
+                <a:latin typeface="Times New Roman" pitchFamily="18" charset="0"/>
+                <a:cs typeface="Times New Roman" pitchFamily="18" charset="0"/>
+              </a:rPr>
+              <a:t>S</a:t>
+            </a:r>
+          </a:p>
+        </p:txBody>
+      </p:sp>
+      <p:sp>
+        <p:nvSpPr>
+          <p:cNvPr id="32" name="Rectangle 31">
+            <a:extLst>
+              <a:ext uri="{FF2B5EF4-FFF2-40B4-BE49-F238E27FC236}">
+                <a16:creationId xmlns:a16="http://schemas.microsoft.com/office/drawing/2014/main" id="{D42E62EF-C3DF-EB4D-AF93-BBF98E11F91F}"/>
+              </a:ext>
+            </a:extLst>
+          </p:cNvPr>
+          <p:cNvSpPr/>
+          <p:nvPr/>
+        </p:nvSpPr>
+        <p:spPr>
+          <a:xfrm>
+            <a:off x="4716463" y="3982997"/>
+            <a:ext cx="503238" cy="369332"/>
+          </a:xfrm>
+          <a:prstGeom prst="rect">
+            <a:avLst/>
+          </a:prstGeom>
+        </p:spPr>
+        <p:txBody>
+          <a:bodyPr wrap="square">
+            <a:spAutoFit/>
+          </a:bodyPr>
+          <a:lstStyle/>
+          <a:p>
+            <a:r>
+              <a:rPr lang="en-US" dirty="0" err="1"/>
+              <a:t>Uo</a:t>
+            </a:r>
+            <a:endParaRPr lang="en-US" dirty="0"/>
           </a:p>
         </p:txBody>
       </p:sp>
     </p:spTree>
     <p:extLst>
       <p:ext uri="{BB962C8B-B14F-4D97-AF65-F5344CB8AC3E}">
-        <p14:creationId xmlns:p14="http://schemas.microsoft.com/office/powerpoint/2010/main" val="1408797626"/>
+        <p14:creationId xmlns:p14="http://schemas.microsoft.com/office/powerpoint/2010/main" val="3618941555"/>
       </p:ext>
     </p:extLst>
   </p:cSld>
